--- a/uml報告.pptx
+++ b/uml報告.pptx
@@ -5,11 +5,14 @@
     <p:sldMasterId id="2147483648" r:id="rId1"/>
   </p:sldMasterIdLst>
   <p:notesMasterIdLst>
-    <p:notesMasterId r:id="rId4"/>
+    <p:notesMasterId r:id="rId7"/>
   </p:notesMasterIdLst>
   <p:sldIdLst>
-    <p:sldId id="556" r:id="rId2"/>
-    <p:sldId id="557" r:id="rId3"/>
+    <p:sldId id="557" r:id="rId2"/>
+    <p:sldId id="556" r:id="rId3"/>
+    <p:sldId id="558" r:id="rId4"/>
+    <p:sldId id="559" r:id="rId5"/>
+    <p:sldId id="560" r:id="rId6"/>
   </p:sldIdLst>
   <p:sldSz cx="12192000" cy="6858000"/>
   <p:notesSz cx="6858000" cy="9144000"/>
@@ -108,6 +111,11 @@
       </a:defRPr>
     </a:lvl9pPr>
   </p:defaultTextStyle>
+  <p:extLst>
+    <p:ext uri="{EFAFB233-063F-42B5-8137-9DF3F51BA10A}">
+      <p15:sldGuideLst xmlns:p15="http://schemas.microsoft.com/office/powerpoint/2012/main"/>
+    </p:ext>
+  </p:extLst>
 </p:presentation>
 </file>
 
@@ -193,7 +201,7 @@
           <a:p>
             <a:fld id="{981F10B1-711B-9B49-9F23-B11F3ADA3368}" type="datetimeFigureOut">
               <a:rPr kumimoji="1" lang="zh-TW" altLang="en-US" smtClean="0"/>
-              <a:t>2025/4/30</a:t>
+              <a:t>2025/5/1</a:t>
             </a:fld>
             <a:endParaRPr kumimoji="1" lang="zh-TW" altLang="en-US"/>
           </a:p>
@@ -465,7 +473,13 @@
   <p:cSld>
     <p:spTree>
       <p:nvGrpSpPr>
-        <p:cNvPr id="1" name=""/>
+        <p:cNvPr id="1" name="">
+          <a:extLst>
+            <a:ext uri="{FF2B5EF4-FFF2-40B4-BE49-F238E27FC236}">
+              <a16:creationId xmlns:a16="http://schemas.microsoft.com/office/drawing/2014/main" id="{4EB05744-CFE9-1C4F-3171-887A28B42F00}"/>
+            </a:ext>
+          </a:extLst>
+        </p:cNvPr>
         <p:cNvGrpSpPr/>
         <p:nvPr/>
       </p:nvGrpSpPr>
@@ -479,7 +493,13 @@
       </p:grpSpPr>
       <p:sp>
         <p:nvSpPr>
-          <p:cNvPr id="2" name="投影片影像版面配置區 1"/>
+          <p:cNvPr id="2" name="投影片影像版面配置區 1">
+            <a:extLst>
+              <a:ext uri="{FF2B5EF4-FFF2-40B4-BE49-F238E27FC236}">
+                <a16:creationId xmlns:a16="http://schemas.microsoft.com/office/drawing/2014/main" id="{068C18DA-26F1-72EF-A707-FBF7FA600839}"/>
+              </a:ext>
+            </a:extLst>
+          </p:cNvPr>
           <p:cNvSpPr>
             <a:spLocks noGrp="1" noRot="1" noChangeAspect="1"/>
           </p:cNvSpPr>
@@ -491,7 +511,13 @@
       </p:sp>
       <p:sp>
         <p:nvSpPr>
-          <p:cNvPr id="3" name="備忘稿版面配置區 2"/>
+          <p:cNvPr id="3" name="備忘稿版面配置區 2">
+            <a:extLst>
+              <a:ext uri="{FF2B5EF4-FFF2-40B4-BE49-F238E27FC236}">
+                <a16:creationId xmlns:a16="http://schemas.microsoft.com/office/drawing/2014/main" id="{6D449497-80F8-B7D7-C180-736356384BDF}"/>
+              </a:ext>
+            </a:extLst>
+          </p:cNvPr>
           <p:cNvSpPr>
             <a:spLocks noGrp="1"/>
           </p:cNvSpPr>
@@ -510,7 +536,13 @@
       </p:sp>
       <p:sp>
         <p:nvSpPr>
-          <p:cNvPr id="4" name="投影片編號版面配置區 3"/>
+          <p:cNvPr id="4" name="投影片編號版面配置區 3">
+            <a:extLst>
+              <a:ext uri="{FF2B5EF4-FFF2-40B4-BE49-F238E27FC236}">
+                <a16:creationId xmlns:a16="http://schemas.microsoft.com/office/drawing/2014/main" id="{4652E4D6-7F56-79E2-C0B5-66B0659DEB76}"/>
+              </a:ext>
+            </a:extLst>
+          </p:cNvPr>
           <p:cNvSpPr>
             <a:spLocks noGrp="1"/>
           </p:cNvSpPr>
@@ -534,7 +566,7 @@
     </p:spTree>
     <p:extLst>
       <p:ext uri="{BB962C8B-B14F-4D97-AF65-F5344CB8AC3E}">
-        <p14:creationId xmlns:p14="http://schemas.microsoft.com/office/powerpoint/2010/main" val="4078390740"/>
+        <p14:creationId xmlns:p14="http://schemas.microsoft.com/office/powerpoint/2010/main" val="1329994719"/>
       </p:ext>
     </p:extLst>
   </p:cSld>
@@ -549,10 +581,94 @@
   <p:cSld>
     <p:spTree>
       <p:nvGrpSpPr>
+        <p:cNvPr id="1" name=""/>
+        <p:cNvGrpSpPr/>
+        <p:nvPr/>
+      </p:nvGrpSpPr>
+      <p:grpSpPr>
+        <a:xfrm>
+          <a:off x="0" y="0"/>
+          <a:ext cx="0" cy="0"/>
+          <a:chOff x="0" y="0"/>
+          <a:chExt cx="0" cy="0"/>
+        </a:xfrm>
+      </p:grpSpPr>
+      <p:sp>
+        <p:nvSpPr>
+          <p:cNvPr id="2" name="投影片影像版面配置區 1"/>
+          <p:cNvSpPr>
+            <a:spLocks noGrp="1" noRot="1" noChangeAspect="1"/>
+          </p:cNvSpPr>
+          <p:nvPr>
+            <p:ph type="sldImg"/>
+          </p:nvPr>
+        </p:nvSpPr>
+        <p:spPr/>
+      </p:sp>
+      <p:sp>
+        <p:nvSpPr>
+          <p:cNvPr id="3" name="備忘稿版面配置區 2"/>
+          <p:cNvSpPr>
+            <a:spLocks noGrp="1"/>
+          </p:cNvSpPr>
+          <p:nvPr>
+            <p:ph type="body" idx="1"/>
+          </p:nvPr>
+        </p:nvSpPr>
+        <p:spPr/>
+        <p:txBody>
+          <a:bodyPr/>
+          <a:lstStyle/>
+          <a:p>
+            <a:endParaRPr kumimoji="1" lang="zh-TW" altLang="en-US" dirty="0"/>
+          </a:p>
+        </p:txBody>
+      </p:sp>
+      <p:sp>
+        <p:nvSpPr>
+          <p:cNvPr id="4" name="投影片編號版面配置區 3"/>
+          <p:cNvSpPr>
+            <a:spLocks noGrp="1"/>
+          </p:cNvSpPr>
+          <p:nvPr>
+            <p:ph type="sldNum" sz="quarter" idx="5"/>
+          </p:nvPr>
+        </p:nvSpPr>
+        <p:spPr/>
+        <p:txBody>
+          <a:bodyPr/>
+          <a:lstStyle/>
+          <a:p>
+            <a:fld id="{DE054178-CCA7-401D-BEA5-BA6CAEB46599}" type="slidenum">
+              <a:rPr lang="zh-CN" altLang="en-US" smtClean="0"/>
+              <a:t>2</a:t>
+            </a:fld>
+            <a:endParaRPr lang="zh-CN" altLang="en-US"/>
+          </a:p>
+        </p:txBody>
+      </p:sp>
+    </p:spTree>
+    <p:extLst>
+      <p:ext uri="{BB962C8B-B14F-4D97-AF65-F5344CB8AC3E}">
+        <p14:creationId xmlns:p14="http://schemas.microsoft.com/office/powerpoint/2010/main" val="4078390740"/>
+      </p:ext>
+    </p:extLst>
+  </p:cSld>
+  <p:clrMapOvr>
+    <a:masterClrMapping/>
+  </p:clrMapOvr>
+</p:notes>
+</file>
+
+<file path=ppt/notesSlides/notesSlide3.xml><?xml version="1.0" encoding="utf-8"?>
+<p:notes xmlns:a="http://schemas.openxmlformats.org/drawingml/2006/main" xmlns:r="http://schemas.openxmlformats.org/officeDocument/2006/relationships" xmlns:p="http://schemas.openxmlformats.org/presentationml/2006/main">
+  <p:cSld>
+    <p:spTree>
+      <p:nvGrpSpPr>
         <p:cNvPr id="1" name="">
           <a:extLst>
             <a:ext uri="{FF2B5EF4-FFF2-40B4-BE49-F238E27FC236}">
-              <a16:creationId xmlns:a16="http://schemas.microsoft.com/office/drawing/2014/main" id="{43E8CF9E-DD73-1EFE-1599-A29FA0724C5E}"/>
+              <a16:creationId xmlns:a16="http://schemas.microsoft.com/office/drawing/2014/main" id="{A3A7D252-6CE3-8B59-8450-FF1D2DE9208D}"/>
             </a:ext>
           </a:extLst>
         </p:cNvPr>
@@ -572,7 +688,7 @@
           <p:cNvPr id="2" name="投影片影像版面配置區 1">
             <a:extLst>
               <a:ext uri="{FF2B5EF4-FFF2-40B4-BE49-F238E27FC236}">
-                <a16:creationId xmlns:a16="http://schemas.microsoft.com/office/drawing/2014/main" id="{B0228E16-F5B3-14AE-194A-35DF3AE30BA3}"/>
+                <a16:creationId xmlns:a16="http://schemas.microsoft.com/office/drawing/2014/main" id="{1A0F6486-FA15-2605-33A8-A83EE6A6EB65}"/>
               </a:ext>
             </a:extLst>
           </p:cNvPr>
@@ -590,7 +706,7 @@
           <p:cNvPr id="3" name="備忘稿版面配置區 2">
             <a:extLst>
               <a:ext uri="{FF2B5EF4-FFF2-40B4-BE49-F238E27FC236}">
-                <a16:creationId xmlns:a16="http://schemas.microsoft.com/office/drawing/2014/main" id="{ED249B4C-EE1C-433E-A6FC-31C48B516A85}"/>
+                <a16:creationId xmlns:a16="http://schemas.microsoft.com/office/drawing/2014/main" id="{B7446AC2-2B94-3CA6-99C0-D28DB74E561C}"/>
               </a:ext>
             </a:extLst>
           </p:cNvPr>
@@ -615,7 +731,7 @@
           <p:cNvPr id="4" name="投影片編號版面配置區 3">
             <a:extLst>
               <a:ext uri="{FF2B5EF4-FFF2-40B4-BE49-F238E27FC236}">
-                <a16:creationId xmlns:a16="http://schemas.microsoft.com/office/drawing/2014/main" id="{E805B6F0-3E66-DD4B-1D5E-956CBA7F422C}"/>
+                <a16:creationId xmlns:a16="http://schemas.microsoft.com/office/drawing/2014/main" id="{C2913D58-71FE-D5D4-10BB-724420FE59C7}"/>
               </a:ext>
             </a:extLst>
           </p:cNvPr>
@@ -633,7 +749,7 @@
           <a:p>
             <a:fld id="{DE054178-CCA7-401D-BEA5-BA6CAEB46599}" type="slidenum">
               <a:rPr lang="zh-CN" altLang="en-US" smtClean="0"/>
-              <a:t>2</a:t>
+              <a:t>3</a:t>
             </a:fld>
             <a:endParaRPr lang="zh-CN" altLang="en-US"/>
           </a:p>
@@ -642,7 +758,223 @@
     </p:spTree>
     <p:extLst>
       <p:ext uri="{BB962C8B-B14F-4D97-AF65-F5344CB8AC3E}">
-        <p14:creationId xmlns:p14="http://schemas.microsoft.com/office/powerpoint/2010/main" val="112963024"/>
+        <p14:creationId xmlns:p14="http://schemas.microsoft.com/office/powerpoint/2010/main" val="2343549308"/>
+      </p:ext>
+    </p:extLst>
+  </p:cSld>
+  <p:clrMapOvr>
+    <a:masterClrMapping/>
+  </p:clrMapOvr>
+</p:notes>
+</file>
+
+<file path=ppt/notesSlides/notesSlide4.xml><?xml version="1.0" encoding="utf-8"?>
+<p:notes xmlns:a="http://schemas.openxmlformats.org/drawingml/2006/main" xmlns:r="http://schemas.openxmlformats.org/officeDocument/2006/relationships" xmlns:p="http://schemas.openxmlformats.org/presentationml/2006/main">
+  <p:cSld>
+    <p:spTree>
+      <p:nvGrpSpPr>
+        <p:cNvPr id="1" name="">
+          <a:extLst>
+            <a:ext uri="{FF2B5EF4-FFF2-40B4-BE49-F238E27FC236}">
+              <a16:creationId xmlns:a16="http://schemas.microsoft.com/office/drawing/2014/main" id="{5AA8FE40-4615-BE0D-FC7A-074899A778EC}"/>
+            </a:ext>
+          </a:extLst>
+        </p:cNvPr>
+        <p:cNvGrpSpPr/>
+        <p:nvPr/>
+      </p:nvGrpSpPr>
+      <p:grpSpPr>
+        <a:xfrm>
+          <a:off x="0" y="0"/>
+          <a:ext cx="0" cy="0"/>
+          <a:chOff x="0" y="0"/>
+          <a:chExt cx="0" cy="0"/>
+        </a:xfrm>
+      </p:grpSpPr>
+      <p:sp>
+        <p:nvSpPr>
+          <p:cNvPr id="2" name="投影片影像版面配置區 1">
+            <a:extLst>
+              <a:ext uri="{FF2B5EF4-FFF2-40B4-BE49-F238E27FC236}">
+                <a16:creationId xmlns:a16="http://schemas.microsoft.com/office/drawing/2014/main" id="{325D88F5-5628-FC97-A663-85C26383DAFA}"/>
+              </a:ext>
+            </a:extLst>
+          </p:cNvPr>
+          <p:cNvSpPr>
+            <a:spLocks noGrp="1" noRot="1" noChangeAspect="1"/>
+          </p:cNvSpPr>
+          <p:nvPr>
+            <p:ph type="sldImg"/>
+          </p:nvPr>
+        </p:nvSpPr>
+        <p:spPr/>
+      </p:sp>
+      <p:sp>
+        <p:nvSpPr>
+          <p:cNvPr id="3" name="備忘稿版面配置區 2">
+            <a:extLst>
+              <a:ext uri="{FF2B5EF4-FFF2-40B4-BE49-F238E27FC236}">
+                <a16:creationId xmlns:a16="http://schemas.microsoft.com/office/drawing/2014/main" id="{56967357-D37C-6033-C3C5-6D9AC6EB75BA}"/>
+              </a:ext>
+            </a:extLst>
+          </p:cNvPr>
+          <p:cNvSpPr>
+            <a:spLocks noGrp="1"/>
+          </p:cNvSpPr>
+          <p:nvPr>
+            <p:ph type="body" idx="1"/>
+          </p:nvPr>
+        </p:nvSpPr>
+        <p:spPr/>
+        <p:txBody>
+          <a:bodyPr/>
+          <a:lstStyle/>
+          <a:p>
+            <a:endParaRPr kumimoji="1" lang="zh-TW" altLang="en-US" dirty="0"/>
+          </a:p>
+        </p:txBody>
+      </p:sp>
+      <p:sp>
+        <p:nvSpPr>
+          <p:cNvPr id="4" name="投影片編號版面配置區 3">
+            <a:extLst>
+              <a:ext uri="{FF2B5EF4-FFF2-40B4-BE49-F238E27FC236}">
+                <a16:creationId xmlns:a16="http://schemas.microsoft.com/office/drawing/2014/main" id="{95B813AC-8B9A-BC8F-10EC-965662CD2EDD}"/>
+              </a:ext>
+            </a:extLst>
+          </p:cNvPr>
+          <p:cNvSpPr>
+            <a:spLocks noGrp="1"/>
+          </p:cNvSpPr>
+          <p:nvPr>
+            <p:ph type="sldNum" sz="quarter" idx="5"/>
+          </p:nvPr>
+        </p:nvSpPr>
+        <p:spPr/>
+        <p:txBody>
+          <a:bodyPr/>
+          <a:lstStyle/>
+          <a:p>
+            <a:fld id="{DE054178-CCA7-401D-BEA5-BA6CAEB46599}" type="slidenum">
+              <a:rPr lang="zh-CN" altLang="en-US" smtClean="0"/>
+              <a:t>4</a:t>
+            </a:fld>
+            <a:endParaRPr lang="zh-CN" altLang="en-US"/>
+          </a:p>
+        </p:txBody>
+      </p:sp>
+    </p:spTree>
+    <p:extLst>
+      <p:ext uri="{BB962C8B-B14F-4D97-AF65-F5344CB8AC3E}">
+        <p14:creationId xmlns:p14="http://schemas.microsoft.com/office/powerpoint/2010/main" val="3201844426"/>
+      </p:ext>
+    </p:extLst>
+  </p:cSld>
+  <p:clrMapOvr>
+    <a:masterClrMapping/>
+  </p:clrMapOvr>
+</p:notes>
+</file>
+
+<file path=ppt/notesSlides/notesSlide5.xml><?xml version="1.0" encoding="utf-8"?>
+<p:notes xmlns:a="http://schemas.openxmlformats.org/drawingml/2006/main" xmlns:r="http://schemas.openxmlformats.org/officeDocument/2006/relationships" xmlns:p="http://schemas.openxmlformats.org/presentationml/2006/main">
+  <p:cSld>
+    <p:spTree>
+      <p:nvGrpSpPr>
+        <p:cNvPr id="1" name="">
+          <a:extLst>
+            <a:ext uri="{FF2B5EF4-FFF2-40B4-BE49-F238E27FC236}">
+              <a16:creationId xmlns:a16="http://schemas.microsoft.com/office/drawing/2014/main" id="{B98946EC-A8A8-A14B-C31B-92E25FBC414D}"/>
+            </a:ext>
+          </a:extLst>
+        </p:cNvPr>
+        <p:cNvGrpSpPr/>
+        <p:nvPr/>
+      </p:nvGrpSpPr>
+      <p:grpSpPr>
+        <a:xfrm>
+          <a:off x="0" y="0"/>
+          <a:ext cx="0" cy="0"/>
+          <a:chOff x="0" y="0"/>
+          <a:chExt cx="0" cy="0"/>
+        </a:xfrm>
+      </p:grpSpPr>
+      <p:sp>
+        <p:nvSpPr>
+          <p:cNvPr id="2" name="投影片影像版面配置區 1">
+            <a:extLst>
+              <a:ext uri="{FF2B5EF4-FFF2-40B4-BE49-F238E27FC236}">
+                <a16:creationId xmlns:a16="http://schemas.microsoft.com/office/drawing/2014/main" id="{BC3B0965-1F81-67CD-3FEE-25BA045C5FD1}"/>
+              </a:ext>
+            </a:extLst>
+          </p:cNvPr>
+          <p:cNvSpPr>
+            <a:spLocks noGrp="1" noRot="1" noChangeAspect="1"/>
+          </p:cNvSpPr>
+          <p:nvPr>
+            <p:ph type="sldImg"/>
+          </p:nvPr>
+        </p:nvSpPr>
+        <p:spPr/>
+      </p:sp>
+      <p:sp>
+        <p:nvSpPr>
+          <p:cNvPr id="3" name="備忘稿版面配置區 2">
+            <a:extLst>
+              <a:ext uri="{FF2B5EF4-FFF2-40B4-BE49-F238E27FC236}">
+                <a16:creationId xmlns:a16="http://schemas.microsoft.com/office/drawing/2014/main" id="{35E5FC91-9F9E-AE30-4455-A2F4FE99028C}"/>
+              </a:ext>
+            </a:extLst>
+          </p:cNvPr>
+          <p:cNvSpPr>
+            <a:spLocks noGrp="1"/>
+          </p:cNvSpPr>
+          <p:nvPr>
+            <p:ph type="body" idx="1"/>
+          </p:nvPr>
+        </p:nvSpPr>
+        <p:spPr/>
+        <p:txBody>
+          <a:bodyPr/>
+          <a:lstStyle/>
+          <a:p>
+            <a:endParaRPr kumimoji="1" lang="zh-TW" altLang="en-US" dirty="0"/>
+          </a:p>
+        </p:txBody>
+      </p:sp>
+      <p:sp>
+        <p:nvSpPr>
+          <p:cNvPr id="4" name="投影片編號版面配置區 3">
+            <a:extLst>
+              <a:ext uri="{FF2B5EF4-FFF2-40B4-BE49-F238E27FC236}">
+                <a16:creationId xmlns:a16="http://schemas.microsoft.com/office/drawing/2014/main" id="{3566DC92-08DA-65ED-B44A-0D2FEFE5512E}"/>
+              </a:ext>
+            </a:extLst>
+          </p:cNvPr>
+          <p:cNvSpPr>
+            <a:spLocks noGrp="1"/>
+          </p:cNvSpPr>
+          <p:nvPr>
+            <p:ph type="sldNum" sz="quarter" idx="5"/>
+          </p:nvPr>
+        </p:nvSpPr>
+        <p:spPr/>
+        <p:txBody>
+          <a:bodyPr/>
+          <a:lstStyle/>
+          <a:p>
+            <a:fld id="{DE054178-CCA7-401D-BEA5-BA6CAEB46599}" type="slidenum">
+              <a:rPr lang="zh-CN" altLang="en-US" smtClean="0"/>
+              <a:t>5</a:t>
+            </a:fld>
+            <a:endParaRPr lang="zh-CN" altLang="en-US"/>
+          </a:p>
+        </p:txBody>
+      </p:sp>
+    </p:spTree>
+    <p:extLst>
+      <p:ext uri="{BB962C8B-B14F-4D97-AF65-F5344CB8AC3E}">
+        <p14:creationId xmlns:p14="http://schemas.microsoft.com/office/powerpoint/2010/main" val="735441718"/>
       </p:ext>
     </p:extLst>
   </p:cSld>
@@ -799,7 +1131,7 @@
           <a:p>
             <a:fld id="{2C8433A8-E219-5E4A-95AB-2BED27D8AA62}" type="datetimeFigureOut">
               <a:rPr kumimoji="1" lang="zh-TW" altLang="en-US" smtClean="0"/>
-              <a:t>2025/4/30</a:t>
+              <a:t>2025/5/1</a:t>
             </a:fld>
             <a:endParaRPr kumimoji="1" lang="zh-TW" altLang="en-US"/>
           </a:p>
@@ -997,7 +1329,7 @@
           <a:p>
             <a:fld id="{2C8433A8-E219-5E4A-95AB-2BED27D8AA62}" type="datetimeFigureOut">
               <a:rPr kumimoji="1" lang="zh-TW" altLang="en-US" smtClean="0"/>
-              <a:t>2025/4/30</a:t>
+              <a:t>2025/5/1</a:t>
             </a:fld>
             <a:endParaRPr kumimoji="1" lang="zh-TW" altLang="en-US"/>
           </a:p>
@@ -1205,7 +1537,7 @@
           <a:p>
             <a:fld id="{2C8433A8-E219-5E4A-95AB-2BED27D8AA62}" type="datetimeFigureOut">
               <a:rPr kumimoji="1" lang="zh-TW" altLang="en-US" smtClean="0"/>
-              <a:t>2025/4/30</a:t>
+              <a:t>2025/5/1</a:t>
             </a:fld>
             <a:endParaRPr kumimoji="1" lang="zh-TW" altLang="en-US"/>
           </a:p>
@@ -1403,7 +1735,7 @@
           <a:p>
             <a:fld id="{2C8433A8-E219-5E4A-95AB-2BED27D8AA62}" type="datetimeFigureOut">
               <a:rPr kumimoji="1" lang="zh-TW" altLang="en-US" smtClean="0"/>
-              <a:t>2025/4/30</a:t>
+              <a:t>2025/5/1</a:t>
             </a:fld>
             <a:endParaRPr kumimoji="1" lang="zh-TW" altLang="en-US"/>
           </a:p>
@@ -1678,7 +2010,7 @@
           <a:p>
             <a:fld id="{2C8433A8-E219-5E4A-95AB-2BED27D8AA62}" type="datetimeFigureOut">
               <a:rPr kumimoji="1" lang="zh-TW" altLang="en-US" smtClean="0"/>
-              <a:t>2025/4/30</a:t>
+              <a:t>2025/5/1</a:t>
             </a:fld>
             <a:endParaRPr kumimoji="1" lang="zh-TW" altLang="en-US"/>
           </a:p>
@@ -1943,7 +2275,7 @@
           <a:p>
             <a:fld id="{2C8433A8-E219-5E4A-95AB-2BED27D8AA62}" type="datetimeFigureOut">
               <a:rPr kumimoji="1" lang="zh-TW" altLang="en-US" smtClean="0"/>
-              <a:t>2025/4/30</a:t>
+              <a:t>2025/5/1</a:t>
             </a:fld>
             <a:endParaRPr kumimoji="1" lang="zh-TW" altLang="en-US"/>
           </a:p>
@@ -2355,7 +2687,7 @@
           <a:p>
             <a:fld id="{2C8433A8-E219-5E4A-95AB-2BED27D8AA62}" type="datetimeFigureOut">
               <a:rPr kumimoji="1" lang="zh-TW" altLang="en-US" smtClean="0"/>
-              <a:t>2025/4/30</a:t>
+              <a:t>2025/5/1</a:t>
             </a:fld>
             <a:endParaRPr kumimoji="1" lang="zh-TW" altLang="en-US"/>
           </a:p>
@@ -2496,7 +2828,7 @@
           <a:p>
             <a:fld id="{2C8433A8-E219-5E4A-95AB-2BED27D8AA62}" type="datetimeFigureOut">
               <a:rPr kumimoji="1" lang="zh-TW" altLang="en-US" smtClean="0"/>
-              <a:t>2025/4/30</a:t>
+              <a:t>2025/5/1</a:t>
             </a:fld>
             <a:endParaRPr kumimoji="1" lang="zh-TW" altLang="en-US"/>
           </a:p>
@@ -2609,7 +2941,7 @@
           <a:p>
             <a:fld id="{2C8433A8-E219-5E4A-95AB-2BED27D8AA62}" type="datetimeFigureOut">
               <a:rPr kumimoji="1" lang="zh-TW" altLang="en-US" smtClean="0"/>
-              <a:t>2025/4/30</a:t>
+              <a:t>2025/5/1</a:t>
             </a:fld>
             <a:endParaRPr kumimoji="1" lang="zh-TW" altLang="en-US"/>
           </a:p>
@@ -2920,7 +3252,7 @@
           <a:p>
             <a:fld id="{2C8433A8-E219-5E4A-95AB-2BED27D8AA62}" type="datetimeFigureOut">
               <a:rPr kumimoji="1" lang="zh-TW" altLang="en-US" smtClean="0"/>
-              <a:t>2025/4/30</a:t>
+              <a:t>2025/5/1</a:t>
             </a:fld>
             <a:endParaRPr kumimoji="1" lang="zh-TW" altLang="en-US"/>
           </a:p>
@@ -3208,7 +3540,7 @@
           <a:p>
             <a:fld id="{2C8433A8-E219-5E4A-95AB-2BED27D8AA62}" type="datetimeFigureOut">
               <a:rPr kumimoji="1" lang="zh-TW" altLang="en-US" smtClean="0"/>
-              <a:t>2025/4/30</a:t>
+              <a:t>2025/5/1</a:t>
             </a:fld>
             <a:endParaRPr kumimoji="1" lang="zh-TW" altLang="en-US"/>
           </a:p>
@@ -3449,7 +3781,7 @@
           <a:p>
             <a:fld id="{2C8433A8-E219-5E4A-95AB-2BED27D8AA62}" type="datetimeFigureOut">
               <a:rPr kumimoji="1" lang="zh-TW" altLang="en-US" smtClean="0"/>
-              <a:t>2025/4/30</a:t>
+              <a:t>2025/5/1</a:t>
             </a:fld>
             <a:endParaRPr kumimoji="1" lang="zh-TW" altLang="en-US"/>
           </a:p>
@@ -3854,7 +4186,13 @@
   <p:cSld>
     <p:spTree>
       <p:nvGrpSpPr>
-        <p:cNvPr id="1" name=""/>
+        <p:cNvPr id="1" name="">
+          <a:extLst>
+            <a:ext uri="{FF2B5EF4-FFF2-40B4-BE49-F238E27FC236}">
+              <a16:creationId xmlns:a16="http://schemas.microsoft.com/office/drawing/2014/main" id="{C2F51515-E5AC-F32B-C13A-10A31B069E53}"/>
+            </a:ext>
+          </a:extLst>
+        </p:cNvPr>
         <p:cNvGrpSpPr/>
         <p:nvPr/>
       </p:nvGrpSpPr>
@@ -3871,7 +4209,7 @@
           <p:cNvPr id="6" name="矩形: 圆角 1">
             <a:extLst>
               <a:ext uri="{FF2B5EF4-FFF2-40B4-BE49-F238E27FC236}">
-                <a16:creationId xmlns:a16="http://schemas.microsoft.com/office/drawing/2014/main" id="{A494D061-2076-F150-B75C-4CCE5DFBB08F}"/>
+                <a16:creationId xmlns:a16="http://schemas.microsoft.com/office/drawing/2014/main" id="{75D22C0D-F2F0-8B35-B454-B90D1ABDE269}"/>
               </a:ext>
             </a:extLst>
           </p:cNvPr>
@@ -3949,7 +4287,7 @@
           <p:cNvPr id="25" name="半框架 24">
             <a:extLst>
               <a:ext uri="{FF2B5EF4-FFF2-40B4-BE49-F238E27FC236}">
-                <a16:creationId xmlns:a16="http://schemas.microsoft.com/office/drawing/2014/main" id="{608795FC-6806-5A96-CD16-3CFDB3BA1241}"/>
+                <a16:creationId xmlns:a16="http://schemas.microsoft.com/office/drawing/2014/main" id="{A4A81733-7B04-340D-E470-4B4060A3DF8D}"/>
               </a:ext>
             </a:extLst>
           </p:cNvPr>
@@ -4012,7 +4350,7 @@
           <p:cNvPr id="27" name="半框架 26">
             <a:extLst>
               <a:ext uri="{FF2B5EF4-FFF2-40B4-BE49-F238E27FC236}">
-                <a16:creationId xmlns:a16="http://schemas.microsoft.com/office/drawing/2014/main" id="{416C6711-6D38-FD11-A5F9-C2DC6AE3106F}"/>
+                <a16:creationId xmlns:a16="http://schemas.microsoft.com/office/drawing/2014/main" id="{96B1C2F7-AC3C-D72C-1050-D4124D1B5D84}"/>
               </a:ext>
             </a:extLst>
           </p:cNvPr>
@@ -4075,7 +4413,7 @@
           <p:cNvPr id="26" name="文字方塊 25">
             <a:extLst>
               <a:ext uri="{FF2B5EF4-FFF2-40B4-BE49-F238E27FC236}">
-                <a16:creationId xmlns:a16="http://schemas.microsoft.com/office/drawing/2014/main" id="{95126ADC-BADF-8AE0-4502-9668363B9787}"/>
+                <a16:creationId xmlns:a16="http://schemas.microsoft.com/office/drawing/2014/main" id="{88397508-E3EE-C391-1BD5-CE635B5CB48C}"/>
               </a:ext>
             </a:extLst>
           </p:cNvPr>
@@ -4084,8 +4422,8 @@
         </p:nvSpPr>
         <p:spPr>
           <a:xfrm>
-            <a:off x="1191430" y="1113074"/>
-            <a:ext cx="9809139" cy="2809167"/>
+            <a:off x="1191430" y="2235818"/>
+            <a:ext cx="9809139" cy="1885837"/>
           </a:xfrm>
           <a:prstGeom prst="rect">
             <a:avLst/>
@@ -4278,122 +4616,12 @@
               <a:cs typeface="Arial Unicode MS" panose="020B0604020202020204" pitchFamily="34" charset="-128"/>
             </a:endParaRPr>
           </a:p>
-          <a:p>
-            <a:pPr algn="l">
-              <a:lnSpc>
-                <a:spcPct val="150000"/>
-              </a:lnSpc>
-              <a:buNone/>
-            </a:pPr>
-            <a:r>
-              <a:rPr lang="zh-TW" altLang="en-US" sz="2000" b="0" i="0" u="none" strike="noStrike" dirty="0">
-                <a:solidFill>
-                  <a:srgbClr val="000000"/>
-                </a:solidFill>
-                <a:effectLst/>
-                <a:latin typeface="Arial Unicode MS" panose="020B0604020202020204" pitchFamily="34" charset="-128"/>
-                <a:ea typeface="Arial Unicode MS" panose="020B0604020202020204" pitchFamily="34" charset="-128"/>
-                <a:cs typeface="Arial Unicode MS" panose="020B0604020202020204" pitchFamily="34" charset="-128"/>
-              </a:rPr>
-              <a:t>它包含多種圖表，例如：</a:t>
-            </a:r>
-          </a:p>
-          <a:p>
-            <a:pPr algn="l">
-              <a:lnSpc>
-                <a:spcPct val="150000"/>
-              </a:lnSpc>
-              <a:buFont typeface="Arial" panose="020B0604020202020204" pitchFamily="34" charset="0"/>
-              <a:buChar char="•"/>
-            </a:pPr>
-            <a:r>
-              <a:rPr lang="zh-TW" altLang="en-US" sz="2000" b="1" i="0" u="none" strike="noStrike" dirty="0">
-                <a:solidFill>
-                  <a:srgbClr val="000000"/>
-                </a:solidFill>
-                <a:effectLst/>
-                <a:latin typeface="Arial Unicode MS" panose="020B0604020202020204" pitchFamily="34" charset="-128"/>
-                <a:ea typeface="Arial Unicode MS" panose="020B0604020202020204" pitchFamily="34" charset="-128"/>
-                <a:cs typeface="Arial Unicode MS" panose="020B0604020202020204" pitchFamily="34" charset="-128"/>
-              </a:rPr>
-              <a:t>用例圖（</a:t>
-            </a:r>
-            <a:r>
-              <a:rPr lang="en" altLang="zh-TW" sz="2000" b="1" i="0" u="none" strike="noStrike" dirty="0">
-                <a:solidFill>
-                  <a:srgbClr val="000000"/>
-                </a:solidFill>
-                <a:effectLst/>
-                <a:latin typeface="Arial Unicode MS" panose="020B0604020202020204" pitchFamily="34" charset="-128"/>
-                <a:ea typeface="Arial Unicode MS" panose="020B0604020202020204" pitchFamily="34" charset="-128"/>
-                <a:cs typeface="Arial Unicode MS" panose="020B0604020202020204" pitchFamily="34" charset="-128"/>
-              </a:rPr>
-              <a:t>Use Case Diagram</a:t>
-            </a:r>
-            <a:r>
-              <a:rPr lang="zh-TW" altLang="en" sz="2000" b="1" i="0" u="none" strike="noStrike" dirty="0">
-                <a:solidFill>
-                  <a:srgbClr val="000000"/>
-                </a:solidFill>
-                <a:effectLst/>
-                <a:latin typeface="Arial Unicode MS" panose="020B0604020202020204" pitchFamily="34" charset="-128"/>
-                <a:ea typeface="Arial Unicode MS" panose="020B0604020202020204" pitchFamily="34" charset="-128"/>
-                <a:cs typeface="Arial Unicode MS" panose="020B0604020202020204" pitchFamily="34" charset="-128"/>
-              </a:rPr>
-              <a:t>）</a:t>
-            </a:r>
-            <a:r>
-              <a:rPr lang="zh-TW" altLang="en" sz="2000" b="0" i="0" u="none" strike="noStrike" dirty="0">
-                <a:solidFill>
-                  <a:srgbClr val="000000"/>
-                </a:solidFill>
-                <a:effectLst/>
-                <a:latin typeface="Arial Unicode MS" panose="020B0604020202020204" pitchFamily="34" charset="-128"/>
-                <a:ea typeface="Arial Unicode MS" panose="020B0604020202020204" pitchFamily="34" charset="-128"/>
-                <a:cs typeface="Arial Unicode MS" panose="020B0604020202020204" pitchFamily="34" charset="-128"/>
-              </a:rPr>
-              <a:t>：</a:t>
-            </a:r>
-            <a:r>
-              <a:rPr lang="zh-TW" altLang="en-US" sz="2000" b="0" i="0" u="none" strike="noStrike" dirty="0">
-                <a:solidFill>
-                  <a:srgbClr val="000000"/>
-                </a:solidFill>
-                <a:effectLst/>
-                <a:latin typeface="Arial Unicode MS" panose="020B0604020202020204" pitchFamily="34" charset="-128"/>
-                <a:ea typeface="Arial Unicode MS" panose="020B0604020202020204" pitchFamily="34" charset="-128"/>
-                <a:cs typeface="Arial Unicode MS" panose="020B0604020202020204" pitchFamily="34" charset="-128"/>
-              </a:rPr>
-              <a:t>描述使用者與系統的</a:t>
-            </a:r>
-            <a:r>
-              <a:rPr lang="zh-TW" altLang="en-US" sz="2000" b="0" i="0" u="none" strike="noStrike">
-                <a:solidFill>
-                  <a:srgbClr val="000000"/>
-                </a:solidFill>
-                <a:effectLst/>
-                <a:latin typeface="Arial Unicode MS" panose="020B0604020202020204" pitchFamily="34" charset="-128"/>
-                <a:ea typeface="Arial Unicode MS" panose="020B0604020202020204" pitchFamily="34" charset="-128"/>
-                <a:cs typeface="Arial Unicode MS" panose="020B0604020202020204" pitchFamily="34" charset="-128"/>
-              </a:rPr>
-              <a:t>互動。</a:t>
-            </a:r>
-            <a:endParaRPr lang="zh-TW" altLang="en-US" sz="2000" b="0" i="0" u="none" strike="noStrike" dirty="0">
-              <a:solidFill>
-                <a:srgbClr val="000000"/>
-              </a:solidFill>
-              <a:effectLst/>
-              <a:latin typeface="Arial Unicode MS" panose="020B0604020202020204" pitchFamily="34" charset="-128"/>
-              <a:ea typeface="Arial Unicode MS" panose="020B0604020202020204" pitchFamily="34" charset="-128"/>
-              <a:cs typeface="Arial Unicode MS" panose="020B0604020202020204" pitchFamily="34" charset="-128"/>
-            </a:endParaRPr>
-          </a:p>
         </p:txBody>
       </p:sp>
     </p:spTree>
     <p:extLst>
       <p:ext uri="{BB962C8B-B14F-4D97-AF65-F5344CB8AC3E}">
-        <p14:creationId xmlns:p14="http://schemas.microsoft.com/office/powerpoint/2010/main" val="287286166"/>
+        <p14:creationId xmlns:p14="http://schemas.microsoft.com/office/powerpoint/2010/main" val="2376165496"/>
       </p:ext>
     </p:extLst>
   </p:cSld>
@@ -4411,13 +4639,7 @@
   <p:cSld>
     <p:spTree>
       <p:nvGrpSpPr>
-        <p:cNvPr id="1" name="">
-          <a:extLst>
-            <a:ext uri="{FF2B5EF4-FFF2-40B4-BE49-F238E27FC236}">
-              <a16:creationId xmlns:a16="http://schemas.microsoft.com/office/drawing/2014/main" id="{C2EDA2CA-DE52-8848-CE18-26CB088457C7}"/>
-            </a:ext>
-          </a:extLst>
-        </p:cNvPr>
+        <p:cNvPr id="1" name=""/>
         <p:cNvGrpSpPr/>
         <p:nvPr/>
       </p:nvGrpSpPr>
@@ -4434,7 +4656,7 @@
           <p:cNvPr id="6" name="矩形: 圆角 1">
             <a:extLst>
               <a:ext uri="{FF2B5EF4-FFF2-40B4-BE49-F238E27FC236}">
-                <a16:creationId xmlns:a16="http://schemas.microsoft.com/office/drawing/2014/main" id="{9AF0A1C8-AA9E-13DC-C027-457283ABCF9C}"/>
+                <a16:creationId xmlns:a16="http://schemas.microsoft.com/office/drawing/2014/main" id="{A494D061-2076-F150-B75C-4CCE5DFBB08F}"/>
               </a:ext>
             </a:extLst>
           </p:cNvPr>
@@ -4512,7 +4734,7 @@
           <p:cNvPr id="25" name="半框架 24">
             <a:extLst>
               <a:ext uri="{FF2B5EF4-FFF2-40B4-BE49-F238E27FC236}">
-                <a16:creationId xmlns:a16="http://schemas.microsoft.com/office/drawing/2014/main" id="{0D8A61E2-1C26-C43D-0ABC-F1D52A2E9126}"/>
+                <a16:creationId xmlns:a16="http://schemas.microsoft.com/office/drawing/2014/main" id="{608795FC-6806-5A96-CD16-3CFDB3BA1241}"/>
               </a:ext>
             </a:extLst>
           </p:cNvPr>
@@ -4575,7 +4797,7 @@
           <p:cNvPr id="27" name="半框架 26">
             <a:extLst>
               <a:ext uri="{FF2B5EF4-FFF2-40B4-BE49-F238E27FC236}">
-                <a16:creationId xmlns:a16="http://schemas.microsoft.com/office/drawing/2014/main" id="{6922C6B3-64BE-7DBD-D9E0-02A7896949F6}"/>
+                <a16:creationId xmlns:a16="http://schemas.microsoft.com/office/drawing/2014/main" id="{416C6711-6D38-FD11-A5F9-C2DC6AE3106F}"/>
               </a:ext>
             </a:extLst>
           </p:cNvPr>
@@ -4638,7 +4860,7 @@
           <p:cNvPr id="26" name="文字方塊 25">
             <a:extLst>
               <a:ext uri="{FF2B5EF4-FFF2-40B4-BE49-F238E27FC236}">
-                <a16:creationId xmlns:a16="http://schemas.microsoft.com/office/drawing/2014/main" id="{B0C068C9-812D-9246-8B58-15895F3B64B3}"/>
+                <a16:creationId xmlns:a16="http://schemas.microsoft.com/office/drawing/2014/main" id="{95126ADC-BADF-8AE0-4502-9668363B9787}"/>
               </a:ext>
             </a:extLst>
           </p:cNvPr>
@@ -4647,8 +4869,8 @@
         </p:nvSpPr>
         <p:spPr>
           <a:xfrm>
-            <a:off x="1191430" y="1113074"/>
-            <a:ext cx="9809139" cy="4194161"/>
+            <a:off x="1191430" y="774505"/>
+            <a:ext cx="9809139" cy="500843"/>
           </a:xfrm>
           <a:prstGeom prst="rect">
             <a:avLst/>
@@ -4660,207 +4882,6 @@
             <a:spAutoFit/>
           </a:bodyPr>
           <a:lstStyle/>
-          <a:p>
-            <a:pPr algn="l">
-              <a:lnSpc>
-                <a:spcPct val="150000"/>
-              </a:lnSpc>
-              <a:buNone/>
-            </a:pPr>
-            <a:r>
-              <a:rPr lang="en" altLang="zh-TW" sz="2000" b="0" i="0" u="none" strike="noStrike" dirty="0">
-                <a:solidFill>
-                  <a:srgbClr val="000000"/>
-                </a:solidFill>
-                <a:effectLst/>
-                <a:latin typeface="Arial Unicode MS" panose="020B0604020202020204" pitchFamily="34" charset="-128"/>
-                <a:ea typeface="Arial Unicode MS" panose="020B0604020202020204" pitchFamily="34" charset="-128"/>
-                <a:cs typeface="Arial Unicode MS" panose="020B0604020202020204" pitchFamily="34" charset="-128"/>
-              </a:rPr>
-              <a:t>UML</a:t>
-            </a:r>
-            <a:r>
-              <a:rPr lang="zh-TW" altLang="en" sz="2000" b="0" i="0" u="none" strike="noStrike" dirty="0">
-                <a:solidFill>
-                  <a:srgbClr val="000000"/>
-                </a:solidFill>
-                <a:effectLst/>
-                <a:latin typeface="Arial Unicode MS" panose="020B0604020202020204" pitchFamily="34" charset="-128"/>
-                <a:ea typeface="Arial Unicode MS" panose="020B0604020202020204" pitchFamily="34" charset="-128"/>
-                <a:cs typeface="Arial Unicode MS" panose="020B0604020202020204" pitchFamily="34" charset="-128"/>
-              </a:rPr>
-              <a:t>（</a:t>
-            </a:r>
-            <a:r>
-              <a:rPr lang="zh-TW" altLang="en-US" sz="2000" b="0" i="0" u="none" strike="noStrike" dirty="0">
-                <a:solidFill>
-                  <a:srgbClr val="000000"/>
-                </a:solidFill>
-                <a:effectLst/>
-                <a:latin typeface="Arial Unicode MS" panose="020B0604020202020204" pitchFamily="34" charset="-128"/>
-                <a:ea typeface="Arial Unicode MS" panose="020B0604020202020204" pitchFamily="34" charset="-128"/>
-                <a:cs typeface="Arial Unicode MS" panose="020B0604020202020204" pitchFamily="34" charset="-128"/>
-              </a:rPr>
-              <a:t>統一塑模語言，</a:t>
-            </a:r>
-            <a:r>
-              <a:rPr lang="en" altLang="zh-TW" sz="2000" b="0" i="0" u="none" strike="noStrike" dirty="0">
-                <a:solidFill>
-                  <a:srgbClr val="000000"/>
-                </a:solidFill>
-                <a:effectLst/>
-                <a:latin typeface="Arial Unicode MS" panose="020B0604020202020204" pitchFamily="34" charset="-128"/>
-                <a:ea typeface="Arial Unicode MS" panose="020B0604020202020204" pitchFamily="34" charset="-128"/>
-                <a:cs typeface="Arial Unicode MS" panose="020B0604020202020204" pitchFamily="34" charset="-128"/>
-              </a:rPr>
-              <a:t>Unified Modeling Language</a:t>
-            </a:r>
-            <a:r>
-              <a:rPr lang="zh-TW" altLang="en" sz="2000" b="0" i="0" u="none" strike="noStrike" dirty="0">
-                <a:solidFill>
-                  <a:srgbClr val="000000"/>
-                </a:solidFill>
-                <a:effectLst/>
-                <a:latin typeface="Arial Unicode MS" panose="020B0604020202020204" pitchFamily="34" charset="-128"/>
-                <a:ea typeface="Arial Unicode MS" panose="020B0604020202020204" pitchFamily="34" charset="-128"/>
-                <a:cs typeface="Arial Unicode MS" panose="020B0604020202020204" pitchFamily="34" charset="-128"/>
-              </a:rPr>
-              <a:t>）</a:t>
-            </a:r>
-            <a:r>
-              <a:rPr lang="zh-TW" altLang="en-US" sz="2000" b="0" i="0" u="none" strike="noStrike" dirty="0">
-                <a:solidFill>
-                  <a:srgbClr val="000000"/>
-                </a:solidFill>
-                <a:effectLst/>
-                <a:latin typeface="Arial Unicode MS" panose="020B0604020202020204" pitchFamily="34" charset="-128"/>
-                <a:ea typeface="Arial Unicode MS" panose="020B0604020202020204" pitchFamily="34" charset="-128"/>
-                <a:cs typeface="Arial Unicode MS" panose="020B0604020202020204" pitchFamily="34" charset="-128"/>
-              </a:rPr>
-              <a:t>是一種標準化的圖形語言，用來</a:t>
-            </a:r>
-            <a:r>
-              <a:rPr lang="zh-TW" altLang="en-US" sz="2000" b="1" i="0" u="none" strike="noStrike" dirty="0">
-                <a:solidFill>
-                  <a:srgbClr val="FF0000"/>
-                </a:solidFill>
-                <a:effectLst/>
-                <a:latin typeface="Arial Unicode MS" panose="020B0604020202020204" pitchFamily="34" charset="-128"/>
-                <a:ea typeface="Arial Unicode MS" panose="020B0604020202020204" pitchFamily="34" charset="-128"/>
-                <a:cs typeface="Arial Unicode MS" panose="020B0604020202020204" pitchFamily="34" charset="-128"/>
-              </a:rPr>
-              <a:t>視覺化、描述、建模和設計軟體系統的架構與行為</a:t>
-            </a:r>
-            <a:r>
-              <a:rPr lang="zh-TW" altLang="en-US" sz="2000" b="0" i="0" u="none" strike="noStrike" dirty="0">
-                <a:solidFill>
-                  <a:srgbClr val="FF0000"/>
-                </a:solidFill>
-                <a:effectLst/>
-                <a:latin typeface="Arial Unicode MS" panose="020B0604020202020204" pitchFamily="34" charset="-128"/>
-                <a:ea typeface="Arial Unicode MS" panose="020B0604020202020204" pitchFamily="34" charset="-128"/>
-                <a:cs typeface="Arial Unicode MS" panose="020B0604020202020204" pitchFamily="34" charset="-128"/>
-              </a:rPr>
-              <a:t>。</a:t>
-            </a:r>
-          </a:p>
-          <a:p>
-            <a:pPr algn="l">
-              <a:lnSpc>
-                <a:spcPct val="150000"/>
-              </a:lnSpc>
-              <a:buNone/>
-            </a:pPr>
-            <a:r>
-              <a:rPr lang="zh-TW" altLang="en-US" sz="2000" b="0" i="0" u="none" strike="noStrike" dirty="0">
-                <a:solidFill>
-                  <a:srgbClr val="000000"/>
-                </a:solidFill>
-                <a:effectLst/>
-                <a:latin typeface="Arial Unicode MS" panose="020B0604020202020204" pitchFamily="34" charset="-128"/>
-                <a:ea typeface="Arial Unicode MS" panose="020B0604020202020204" pitchFamily="34" charset="-128"/>
-                <a:cs typeface="Arial Unicode MS" panose="020B0604020202020204" pitchFamily="34" charset="-128"/>
-              </a:rPr>
-              <a:t>簡單來說，</a:t>
-            </a:r>
-            <a:r>
-              <a:rPr lang="en" altLang="zh-TW" sz="2000" b="0" i="0" u="none" strike="noStrike" dirty="0">
-                <a:solidFill>
-                  <a:srgbClr val="000000"/>
-                </a:solidFill>
-                <a:effectLst/>
-                <a:latin typeface="Arial Unicode MS" panose="020B0604020202020204" pitchFamily="34" charset="-128"/>
-                <a:ea typeface="Arial Unicode MS" panose="020B0604020202020204" pitchFamily="34" charset="-128"/>
-                <a:cs typeface="Arial Unicode MS" panose="020B0604020202020204" pitchFamily="34" charset="-128"/>
-              </a:rPr>
-              <a:t>UML </a:t>
-            </a:r>
-            <a:r>
-              <a:rPr lang="zh-TW" altLang="en-US" sz="2000" b="0" i="0" u="none" strike="noStrike" dirty="0">
-                <a:solidFill>
-                  <a:srgbClr val="000000"/>
-                </a:solidFill>
-                <a:effectLst/>
-                <a:latin typeface="Arial Unicode MS" panose="020B0604020202020204" pitchFamily="34" charset="-128"/>
-                <a:ea typeface="Arial Unicode MS" panose="020B0604020202020204" pitchFamily="34" charset="-128"/>
-                <a:cs typeface="Arial Unicode MS" panose="020B0604020202020204" pitchFamily="34" charset="-128"/>
-              </a:rPr>
-              <a:t>就像是程式設計的</a:t>
-            </a:r>
-            <a:r>
-              <a:rPr lang="zh-TW" altLang="en-US" sz="2000" b="0" i="0" u="none" strike="noStrike" dirty="0">
-                <a:solidFill>
-                  <a:srgbClr val="FF0000"/>
-                </a:solidFill>
-                <a:effectLst/>
-                <a:latin typeface="Arial Unicode MS" panose="020B0604020202020204" pitchFamily="34" charset="-128"/>
-                <a:ea typeface="Arial Unicode MS" panose="020B0604020202020204" pitchFamily="34" charset="-128"/>
-                <a:cs typeface="Arial Unicode MS" panose="020B0604020202020204" pitchFamily="34" charset="-128"/>
-              </a:rPr>
-              <a:t>「藍圖」</a:t>
-            </a:r>
-            <a:r>
-              <a:rPr lang="zh-TW" altLang="en-US" sz="2000" b="0" i="0" u="none" strike="noStrike" dirty="0">
-                <a:solidFill>
-                  <a:srgbClr val="000000"/>
-                </a:solidFill>
-                <a:effectLst/>
-                <a:latin typeface="Arial Unicode MS" panose="020B0604020202020204" pitchFamily="34" charset="-128"/>
-                <a:ea typeface="Arial Unicode MS" panose="020B0604020202020204" pitchFamily="34" charset="-128"/>
-                <a:cs typeface="Arial Unicode MS" panose="020B0604020202020204" pitchFamily="34" charset="-128"/>
-              </a:rPr>
-              <a:t>，可以幫助開發者、設計師和溝通者用圖表來理解系統如何運作。</a:t>
-            </a:r>
-            <a:endParaRPr lang="en-US" altLang="zh-TW" sz="2000" b="0" i="0" u="none" strike="noStrike" dirty="0">
-              <a:solidFill>
-                <a:srgbClr val="000000"/>
-              </a:solidFill>
-              <a:effectLst/>
-              <a:latin typeface="Arial Unicode MS" panose="020B0604020202020204" pitchFamily="34" charset="-128"/>
-              <a:ea typeface="Arial Unicode MS" panose="020B0604020202020204" pitchFamily="34" charset="-128"/>
-              <a:cs typeface="Arial Unicode MS" panose="020B0604020202020204" pitchFamily="34" charset="-128"/>
-            </a:endParaRPr>
-          </a:p>
-          <a:p>
-            <a:pPr algn="l">
-              <a:lnSpc>
-                <a:spcPct val="150000"/>
-              </a:lnSpc>
-              <a:buNone/>
-            </a:pPr>
-            <a:r>
-              <a:rPr lang="zh-TW" altLang="en-US" sz="2000" b="0" i="0" u="none" strike="noStrike" dirty="0">
-                <a:solidFill>
-                  <a:srgbClr val="000000"/>
-                </a:solidFill>
-                <a:effectLst/>
-                <a:latin typeface="Arial Unicode MS" panose="020B0604020202020204" pitchFamily="34" charset="-128"/>
-                <a:ea typeface="Arial Unicode MS" panose="020B0604020202020204" pitchFamily="34" charset="-128"/>
-                <a:cs typeface="Arial Unicode MS" panose="020B0604020202020204" pitchFamily="34" charset="-128"/>
-              </a:rPr>
-              <a:t>它包含多種圖表，例如：</a:t>
-            </a:r>
-          </a:p>
           <a:p>
             <a:pPr algn="l">
               <a:lnSpc>
@@ -4870,6 +4891,17 @@
               <a:buChar char="•"/>
             </a:pPr>
             <a:r>
+              <a:rPr lang="zh-TW" altLang="en-US" sz="2000" b="1" dirty="0">
+                <a:solidFill>
+                  <a:srgbClr val="000000"/>
+                </a:solidFill>
+                <a:latin typeface="Arial Unicode MS" panose="020B0604020202020204" pitchFamily="34" charset="-128"/>
+                <a:ea typeface="Arial Unicode MS" panose="020B0604020202020204" pitchFamily="34" charset="-128"/>
+                <a:cs typeface="Arial Unicode MS" panose="020B0604020202020204" pitchFamily="34" charset="-128"/>
+              </a:rPr>
+              <a:t>使</a:t>
+            </a:r>
+            <a:r>
               <a:rPr lang="zh-TW" altLang="en-US" sz="2000" b="1" i="0" u="none" strike="noStrike" dirty="0">
                 <a:solidFill>
                   <a:srgbClr val="000000"/>
@@ -4879,7 +4911,7 @@
                 <a:ea typeface="Arial Unicode MS" panose="020B0604020202020204" pitchFamily="34" charset="-128"/>
                 <a:cs typeface="Arial Unicode MS" panose="020B0604020202020204" pitchFamily="34" charset="-128"/>
               </a:rPr>
-              <a:t>用例圖（</a:t>
+              <a:t>用案例圖（</a:t>
             </a:r>
             <a:r>
               <a:rPr lang="en" altLang="zh-TW" sz="2000" b="1" i="0" u="none" strike="noStrike" dirty="0">
@@ -4930,6 +4962,714 @@
               <a:t>描述使用者與系統的互動。</a:t>
             </a:r>
           </a:p>
+        </p:txBody>
+      </p:sp>
+      <p:pic>
+        <p:nvPicPr>
+          <p:cNvPr id="2" name="圖片 1">
+            <a:extLst>
+              <a:ext uri="{FF2B5EF4-FFF2-40B4-BE49-F238E27FC236}">
+                <a16:creationId xmlns:a16="http://schemas.microsoft.com/office/drawing/2014/main" id="{F72915DE-4648-BAA2-3B37-FCC77E209A3B}"/>
+              </a:ext>
+            </a:extLst>
+          </p:cNvPr>
+          <p:cNvPicPr>
+            <a:picLocks noChangeAspect="1"/>
+          </p:cNvPicPr>
+          <p:nvPr/>
+        </p:nvPicPr>
+        <p:blipFill>
+          <a:blip r:embed="rId3"/>
+          <a:srcRect/>
+          <a:stretch/>
+        </p:blipFill>
+        <p:spPr>
+          <a:xfrm>
+            <a:off x="994659" y="1331138"/>
+            <a:ext cx="4040326" cy="5526862"/>
+          </a:xfrm>
+          <a:prstGeom prst="rect">
+            <a:avLst/>
+          </a:prstGeom>
+        </p:spPr>
+      </p:pic>
+      <p:sp>
+        <p:nvSpPr>
+          <p:cNvPr id="4" name="文字方塊 3">
+            <a:extLst>
+              <a:ext uri="{FF2B5EF4-FFF2-40B4-BE49-F238E27FC236}">
+                <a16:creationId xmlns:a16="http://schemas.microsoft.com/office/drawing/2014/main" id="{BF670A78-99E2-46DD-C244-19DF7C9A0113}"/>
+              </a:ext>
+            </a:extLst>
+          </p:cNvPr>
+          <p:cNvSpPr txBox="1"/>
+          <p:nvPr/>
+        </p:nvSpPr>
+        <p:spPr>
+          <a:xfrm>
+            <a:off x="5202986" y="1640867"/>
+            <a:ext cx="6169308" cy="4579459"/>
+          </a:xfrm>
+          <a:prstGeom prst="rect">
+            <a:avLst/>
+          </a:prstGeom>
+          <a:noFill/>
+        </p:spPr>
+        <p:txBody>
+          <a:bodyPr wrap="square">
+            <a:spAutoFit/>
+          </a:bodyPr>
+          <a:lstStyle/>
+          <a:p>
+            <a:pPr indent="0" algn="l">
+              <a:lnSpc>
+                <a:spcPct val="150000"/>
+              </a:lnSpc>
+              <a:buNone/>
+            </a:pPr>
+            <a:r>
+              <a:rPr lang="en-US" altLang="zh-TW" sz="1400" dirty="0">
+                <a:solidFill>
+                  <a:srgbClr val="000000"/>
+                </a:solidFill>
+                <a:latin typeface="Arial Unicode MS" panose="020B0604020202020204" pitchFamily="34" charset="-128"/>
+                <a:ea typeface="Arial Unicode MS" panose="020B0604020202020204" pitchFamily="34" charset="-128"/>
+                <a:cs typeface="Arial Unicode MS" panose="020B0604020202020204" pitchFamily="34" charset="-128"/>
+              </a:rPr>
+              <a:t>1.</a:t>
+            </a:r>
+            <a:r>
+              <a:rPr lang="zh-TW" altLang="en-US" sz="1400" dirty="0">
+                <a:solidFill>
+                  <a:srgbClr val="000000"/>
+                </a:solidFill>
+                <a:latin typeface="Arial Unicode MS" panose="020B0604020202020204" pitchFamily="34" charset="-128"/>
+                <a:ea typeface="Arial Unicode MS" panose="020B0604020202020204" pitchFamily="34" charset="-128"/>
+                <a:cs typeface="Arial Unicode MS" panose="020B0604020202020204" pitchFamily="34" charset="-128"/>
+              </a:rPr>
+              <a:t>參與者（</a:t>
+            </a:r>
+            <a:r>
+              <a:rPr lang="en" altLang="zh-TW" sz="1400" dirty="0">
+                <a:solidFill>
+                  <a:srgbClr val="000000"/>
+                </a:solidFill>
+                <a:latin typeface="Arial Unicode MS" panose="020B0604020202020204" pitchFamily="34" charset="-128"/>
+                <a:ea typeface="Arial Unicode MS" panose="020B0604020202020204" pitchFamily="34" charset="-128"/>
+                <a:cs typeface="Arial Unicode MS" panose="020B0604020202020204" pitchFamily="34" charset="-128"/>
+              </a:rPr>
+              <a:t>Actor</a:t>
+            </a:r>
+            <a:r>
+              <a:rPr lang="zh-TW" altLang="en" sz="1400" dirty="0">
+                <a:solidFill>
+                  <a:srgbClr val="000000"/>
+                </a:solidFill>
+                <a:latin typeface="Arial Unicode MS" panose="020B0604020202020204" pitchFamily="34" charset="-128"/>
+                <a:ea typeface="Arial Unicode MS" panose="020B0604020202020204" pitchFamily="34" charset="-128"/>
+                <a:cs typeface="Arial Unicode MS" panose="020B0604020202020204" pitchFamily="34" charset="-128"/>
+              </a:rPr>
+              <a:t>）：</a:t>
+            </a:r>
+            <a:r>
+              <a:rPr lang="zh-TW" altLang="en-US" sz="1400" dirty="0">
+                <a:solidFill>
+                  <a:srgbClr val="000000"/>
+                </a:solidFill>
+                <a:latin typeface="Arial Unicode MS" panose="020B0604020202020204" pitchFamily="34" charset="-128"/>
+                <a:ea typeface="Arial Unicode MS" panose="020B0604020202020204" pitchFamily="34" charset="-128"/>
+                <a:cs typeface="Arial Unicode MS" panose="020B0604020202020204" pitchFamily="34" charset="-128"/>
+              </a:rPr>
+              <a:t>參與者是與系統互動的外部實體，可以是人、組織、外部系統或硬體設備在用例圖中，參與者通常以「小人」圖示表示。</a:t>
+            </a:r>
+          </a:p>
+          <a:p>
+            <a:pPr indent="0" algn="l">
+              <a:lnSpc>
+                <a:spcPct val="150000"/>
+              </a:lnSpc>
+              <a:buNone/>
+            </a:pPr>
+            <a:r>
+              <a:rPr lang="en-US" altLang="zh-TW" sz="1400" dirty="0">
+                <a:solidFill>
+                  <a:srgbClr val="000000"/>
+                </a:solidFill>
+                <a:latin typeface="Arial Unicode MS" panose="020B0604020202020204" pitchFamily="34" charset="-128"/>
+                <a:ea typeface="Arial Unicode MS" panose="020B0604020202020204" pitchFamily="34" charset="-128"/>
+                <a:cs typeface="Arial Unicode MS" panose="020B0604020202020204" pitchFamily="34" charset="-128"/>
+              </a:rPr>
+              <a:t>2.</a:t>
+            </a:r>
+            <a:r>
+              <a:rPr lang="zh-TW" altLang="en-US" sz="1400" dirty="0">
+                <a:solidFill>
+                  <a:srgbClr val="000000"/>
+                </a:solidFill>
+                <a:latin typeface="Arial Unicode MS" panose="020B0604020202020204" pitchFamily="34" charset="-128"/>
+                <a:ea typeface="Arial Unicode MS" panose="020B0604020202020204" pitchFamily="34" charset="-128"/>
+                <a:cs typeface="Arial Unicode MS" panose="020B0604020202020204" pitchFamily="34" charset="-128"/>
+              </a:rPr>
+              <a:t>用例（</a:t>
+            </a:r>
+            <a:r>
+              <a:rPr lang="en" altLang="zh-TW" sz="1400" dirty="0">
+                <a:solidFill>
+                  <a:srgbClr val="000000"/>
+                </a:solidFill>
+                <a:latin typeface="Arial Unicode MS" panose="020B0604020202020204" pitchFamily="34" charset="-128"/>
+                <a:ea typeface="Arial Unicode MS" panose="020B0604020202020204" pitchFamily="34" charset="-128"/>
+                <a:cs typeface="Arial Unicode MS" panose="020B0604020202020204" pitchFamily="34" charset="-128"/>
+              </a:rPr>
+              <a:t>Use Case</a:t>
+            </a:r>
+            <a:r>
+              <a:rPr lang="zh-TW" altLang="en" sz="1400" dirty="0">
+                <a:solidFill>
+                  <a:srgbClr val="000000"/>
+                </a:solidFill>
+                <a:latin typeface="Arial Unicode MS" panose="020B0604020202020204" pitchFamily="34" charset="-128"/>
+                <a:ea typeface="Arial Unicode MS" panose="020B0604020202020204" pitchFamily="34" charset="-128"/>
+                <a:cs typeface="Arial Unicode MS" panose="020B0604020202020204" pitchFamily="34" charset="-128"/>
+              </a:rPr>
+              <a:t>）：</a:t>
+            </a:r>
+            <a:r>
+              <a:rPr lang="zh-TW" altLang="en-US" sz="1400" dirty="0">
+                <a:solidFill>
+                  <a:srgbClr val="000000"/>
+                </a:solidFill>
+                <a:latin typeface="Arial Unicode MS" panose="020B0604020202020204" pitchFamily="34" charset="-128"/>
+                <a:ea typeface="Arial Unicode MS" panose="020B0604020202020204" pitchFamily="34" charset="-128"/>
+                <a:cs typeface="Arial Unicode MS" panose="020B0604020202020204" pitchFamily="34" charset="-128"/>
+              </a:rPr>
+              <a:t>使用案例代表系統的一個功能單元，描述了系統如何回應參與者發出的請求。它定義了系統的行為，即係統在特定條件下對特定參與者請求的反應。</a:t>
+            </a:r>
+          </a:p>
+          <a:p>
+            <a:pPr indent="0" algn="l">
+              <a:lnSpc>
+                <a:spcPct val="150000"/>
+              </a:lnSpc>
+              <a:buNone/>
+            </a:pPr>
+            <a:r>
+              <a:rPr lang="zh-TW" altLang="en-US" sz="1400" dirty="0">
+                <a:solidFill>
+                  <a:srgbClr val="000000"/>
+                </a:solidFill>
+                <a:latin typeface="Arial Unicode MS" panose="020B0604020202020204" pitchFamily="34" charset="-128"/>
+                <a:ea typeface="Arial Unicode MS" panose="020B0604020202020204" pitchFamily="34" charset="-128"/>
+                <a:cs typeface="Arial Unicode MS" panose="020B0604020202020204" pitchFamily="34" charset="-128"/>
+              </a:rPr>
+              <a:t>在用例圖中，用例通常用一個橢圓來表示，並在其中寫上用例的名稱。</a:t>
+            </a:r>
+          </a:p>
+          <a:p>
+            <a:pPr indent="0" algn="l">
+              <a:lnSpc>
+                <a:spcPct val="150000"/>
+              </a:lnSpc>
+              <a:buNone/>
+            </a:pPr>
+            <a:r>
+              <a:rPr lang="en-US" altLang="zh-TW" sz="1400" dirty="0">
+                <a:solidFill>
+                  <a:srgbClr val="000000"/>
+                </a:solidFill>
+                <a:latin typeface="Arial Unicode MS" panose="020B0604020202020204" pitchFamily="34" charset="-128"/>
+                <a:ea typeface="Arial Unicode MS" panose="020B0604020202020204" pitchFamily="34" charset="-128"/>
+                <a:cs typeface="Arial Unicode MS" panose="020B0604020202020204" pitchFamily="34" charset="-128"/>
+              </a:rPr>
+              <a:t>3.</a:t>
+            </a:r>
+            <a:r>
+              <a:rPr lang="zh-TW" altLang="en-US" sz="1400" dirty="0">
+                <a:solidFill>
+                  <a:srgbClr val="000000"/>
+                </a:solidFill>
+                <a:latin typeface="Arial Unicode MS" panose="020B0604020202020204" pitchFamily="34" charset="-128"/>
+                <a:ea typeface="Arial Unicode MS" panose="020B0604020202020204" pitchFamily="34" charset="-128"/>
+                <a:cs typeface="Arial Unicode MS" panose="020B0604020202020204" pitchFamily="34" charset="-128"/>
+              </a:rPr>
+              <a:t>關聯（</a:t>
+            </a:r>
+            <a:r>
+              <a:rPr lang="en" altLang="zh-TW" sz="1400" dirty="0">
+                <a:solidFill>
+                  <a:srgbClr val="000000"/>
+                </a:solidFill>
+                <a:latin typeface="Arial Unicode MS" panose="020B0604020202020204" pitchFamily="34" charset="-128"/>
+                <a:ea typeface="Arial Unicode MS" panose="020B0604020202020204" pitchFamily="34" charset="-128"/>
+                <a:cs typeface="Arial Unicode MS" panose="020B0604020202020204" pitchFamily="34" charset="-128"/>
+              </a:rPr>
+              <a:t>Association</a:t>
+            </a:r>
+            <a:r>
+              <a:rPr lang="zh-TW" altLang="en" sz="1400" dirty="0">
+                <a:solidFill>
+                  <a:srgbClr val="000000"/>
+                </a:solidFill>
+                <a:latin typeface="Arial Unicode MS" panose="020B0604020202020204" pitchFamily="34" charset="-128"/>
+                <a:ea typeface="Arial Unicode MS" panose="020B0604020202020204" pitchFamily="34" charset="-128"/>
+                <a:cs typeface="Arial Unicode MS" panose="020B0604020202020204" pitchFamily="34" charset="-128"/>
+              </a:rPr>
+              <a:t>）：</a:t>
+            </a:r>
+            <a:r>
+              <a:rPr lang="zh-TW" altLang="en-US" sz="1400" dirty="0">
+                <a:solidFill>
+                  <a:srgbClr val="000000"/>
+                </a:solidFill>
+                <a:latin typeface="Arial Unicode MS" panose="020B0604020202020204" pitchFamily="34" charset="-128"/>
+                <a:ea typeface="Arial Unicode MS" panose="020B0604020202020204" pitchFamily="34" charset="-128"/>
+                <a:cs typeface="Arial Unicode MS" panose="020B0604020202020204" pitchFamily="34" charset="-128"/>
+              </a:rPr>
+              <a:t>關聯表示參與者與用例之間的關係，即哪個參與者能夠觸發哪個用例。關聯通常以一條實線表示，一端連接到參與者，另一端連接到使用案例。</a:t>
+            </a:r>
+          </a:p>
+          <a:p>
+            <a:pPr indent="0" algn="l">
+              <a:lnSpc>
+                <a:spcPct val="150000"/>
+              </a:lnSpc>
+              <a:buNone/>
+            </a:pPr>
+            <a:r>
+              <a:rPr lang="en-US" altLang="zh-TW" sz="1400" dirty="0">
+                <a:solidFill>
+                  <a:srgbClr val="000000"/>
+                </a:solidFill>
+                <a:latin typeface="Arial Unicode MS" panose="020B0604020202020204" pitchFamily="34" charset="-128"/>
+                <a:ea typeface="Arial Unicode MS" panose="020B0604020202020204" pitchFamily="34" charset="-128"/>
+                <a:cs typeface="Arial Unicode MS" panose="020B0604020202020204" pitchFamily="34" charset="-128"/>
+              </a:rPr>
+              <a:t>4.</a:t>
+            </a:r>
+            <a:r>
+              <a:rPr lang="zh-TW" altLang="en-US" sz="1400" dirty="0">
+                <a:solidFill>
+                  <a:srgbClr val="000000"/>
+                </a:solidFill>
+                <a:latin typeface="Arial Unicode MS" panose="020B0604020202020204" pitchFamily="34" charset="-128"/>
+                <a:ea typeface="Arial Unicode MS" panose="020B0604020202020204" pitchFamily="34" charset="-128"/>
+                <a:cs typeface="Arial Unicode MS" panose="020B0604020202020204" pitchFamily="34" charset="-128"/>
+              </a:rPr>
+              <a:t>包含（</a:t>
+            </a:r>
+            <a:r>
+              <a:rPr lang="en" altLang="zh-TW" sz="1400" dirty="0">
+                <a:solidFill>
+                  <a:srgbClr val="000000"/>
+                </a:solidFill>
+                <a:latin typeface="Arial Unicode MS" panose="020B0604020202020204" pitchFamily="34" charset="-128"/>
+                <a:ea typeface="Arial Unicode MS" panose="020B0604020202020204" pitchFamily="34" charset="-128"/>
+                <a:cs typeface="Arial Unicode MS" panose="020B0604020202020204" pitchFamily="34" charset="-128"/>
+              </a:rPr>
+              <a:t>Include</a:t>
+            </a:r>
+            <a:r>
+              <a:rPr lang="zh-TW" altLang="en" sz="1400" dirty="0">
+                <a:solidFill>
+                  <a:srgbClr val="000000"/>
+                </a:solidFill>
+                <a:latin typeface="Arial Unicode MS" panose="020B0604020202020204" pitchFamily="34" charset="-128"/>
+                <a:ea typeface="Arial Unicode MS" panose="020B0604020202020204" pitchFamily="34" charset="-128"/>
+                <a:cs typeface="Arial Unicode MS" panose="020B0604020202020204" pitchFamily="34" charset="-128"/>
+              </a:rPr>
+              <a:t>）：</a:t>
+            </a:r>
+            <a:r>
+              <a:rPr lang="zh-TW" altLang="en-US" sz="1400" dirty="0">
+                <a:solidFill>
+                  <a:srgbClr val="000000"/>
+                </a:solidFill>
+                <a:latin typeface="Arial Unicode MS" panose="020B0604020202020204" pitchFamily="34" charset="-128"/>
+                <a:ea typeface="Arial Unicode MS" panose="020B0604020202020204" pitchFamily="34" charset="-128"/>
+                <a:cs typeface="Arial Unicode MS" panose="020B0604020202020204" pitchFamily="34" charset="-128"/>
+              </a:rPr>
+              <a:t>包含關係表示一個用例（包含用例）的功能被另一個用例（基底用例）所包含或使用。在使用案例圖中，包含關係以帶有「</a:t>
+            </a:r>
+            <a:r>
+              <a:rPr lang="en-US" altLang="zh-TW" sz="1400" dirty="0">
+                <a:solidFill>
+                  <a:srgbClr val="000000"/>
+                </a:solidFill>
+                <a:latin typeface="Arial Unicode MS" panose="020B0604020202020204" pitchFamily="34" charset="-128"/>
+                <a:ea typeface="Arial Unicode MS" panose="020B0604020202020204" pitchFamily="34" charset="-128"/>
+                <a:cs typeface="Arial Unicode MS" panose="020B0604020202020204" pitchFamily="34" charset="-128"/>
+              </a:rPr>
+              <a:t>&lt;&lt;</a:t>
+            </a:r>
+            <a:r>
+              <a:rPr lang="en" altLang="zh-TW" sz="1400" dirty="0">
+                <a:solidFill>
+                  <a:srgbClr val="000000"/>
+                </a:solidFill>
+                <a:latin typeface="Arial Unicode MS" panose="020B0604020202020204" pitchFamily="34" charset="-128"/>
+                <a:ea typeface="Arial Unicode MS" panose="020B0604020202020204" pitchFamily="34" charset="-128"/>
+                <a:cs typeface="Arial Unicode MS" panose="020B0604020202020204" pitchFamily="34" charset="-128"/>
+              </a:rPr>
+              <a:t>include&gt;&gt;</a:t>
+            </a:r>
+            <a:r>
+              <a:rPr lang="zh-TW" altLang="en" sz="1400" dirty="0">
+                <a:solidFill>
+                  <a:srgbClr val="000000"/>
+                </a:solidFill>
+                <a:latin typeface="Arial Unicode MS" panose="020B0604020202020204" pitchFamily="34" charset="-128"/>
+                <a:ea typeface="Arial Unicode MS" panose="020B0604020202020204" pitchFamily="34" charset="-128"/>
+                <a:cs typeface="Arial Unicode MS" panose="020B0604020202020204" pitchFamily="34" charset="-128"/>
+              </a:rPr>
+              <a:t>」</a:t>
+            </a:r>
+            <a:r>
+              <a:rPr lang="zh-TW" altLang="en-US" sz="1400" dirty="0">
+                <a:solidFill>
+                  <a:srgbClr val="000000"/>
+                </a:solidFill>
+                <a:latin typeface="Arial Unicode MS" panose="020B0604020202020204" pitchFamily="34" charset="-128"/>
+                <a:ea typeface="Arial Unicode MS" panose="020B0604020202020204" pitchFamily="34" charset="-128"/>
+                <a:cs typeface="Arial Unicode MS" panose="020B0604020202020204" pitchFamily="34" charset="-128"/>
+              </a:rPr>
+              <a:t>標籤的虛線箭頭表示，箭頭指向基底用例。</a:t>
+            </a:r>
+          </a:p>
+          <a:p>
+            <a:pPr indent="0" algn="l">
+              <a:lnSpc>
+                <a:spcPct val="150000"/>
+              </a:lnSpc>
+              <a:buNone/>
+            </a:pPr>
+            <a:r>
+              <a:rPr lang="en-US" altLang="zh-TW" sz="1400" dirty="0">
+                <a:solidFill>
+                  <a:srgbClr val="000000"/>
+                </a:solidFill>
+                <a:latin typeface="Arial Unicode MS" panose="020B0604020202020204" pitchFamily="34" charset="-128"/>
+                <a:ea typeface="Arial Unicode MS" panose="020B0604020202020204" pitchFamily="34" charset="-128"/>
+                <a:cs typeface="Arial Unicode MS" panose="020B0604020202020204" pitchFamily="34" charset="-128"/>
+              </a:rPr>
+              <a:t>5.</a:t>
+            </a:r>
+            <a:r>
+              <a:rPr lang="zh-TW" altLang="en-US" sz="1400" dirty="0">
+                <a:solidFill>
+                  <a:srgbClr val="000000"/>
+                </a:solidFill>
+                <a:latin typeface="Arial Unicode MS" panose="020B0604020202020204" pitchFamily="34" charset="-128"/>
+                <a:ea typeface="Arial Unicode MS" panose="020B0604020202020204" pitchFamily="34" charset="-128"/>
+                <a:cs typeface="Arial Unicode MS" panose="020B0604020202020204" pitchFamily="34" charset="-128"/>
+              </a:rPr>
+              <a:t>擴展（</a:t>
+            </a:r>
+            <a:r>
+              <a:rPr lang="en" altLang="zh-TW" sz="1400" dirty="0">
+                <a:solidFill>
+                  <a:srgbClr val="000000"/>
+                </a:solidFill>
+                <a:latin typeface="Arial Unicode MS" panose="020B0604020202020204" pitchFamily="34" charset="-128"/>
+                <a:ea typeface="Arial Unicode MS" panose="020B0604020202020204" pitchFamily="34" charset="-128"/>
+                <a:cs typeface="Arial Unicode MS" panose="020B0604020202020204" pitchFamily="34" charset="-128"/>
+              </a:rPr>
+              <a:t>Extend</a:t>
+            </a:r>
+            <a:r>
+              <a:rPr lang="zh-TW" altLang="en" sz="1400" dirty="0">
+                <a:solidFill>
+                  <a:srgbClr val="000000"/>
+                </a:solidFill>
+                <a:latin typeface="Arial Unicode MS" panose="020B0604020202020204" pitchFamily="34" charset="-128"/>
+                <a:ea typeface="Arial Unicode MS" panose="020B0604020202020204" pitchFamily="34" charset="-128"/>
+                <a:cs typeface="Arial Unicode MS" panose="020B0604020202020204" pitchFamily="34" charset="-128"/>
+              </a:rPr>
+              <a:t>）：</a:t>
+            </a:r>
+            <a:r>
+              <a:rPr lang="zh-TW" altLang="en-US" sz="1400" dirty="0">
+                <a:solidFill>
+                  <a:srgbClr val="000000"/>
+                </a:solidFill>
+                <a:latin typeface="Arial Unicode MS" panose="020B0604020202020204" pitchFamily="34" charset="-128"/>
+                <a:ea typeface="Arial Unicode MS" panose="020B0604020202020204" pitchFamily="34" charset="-128"/>
+                <a:cs typeface="Arial Unicode MS" panose="020B0604020202020204" pitchFamily="34" charset="-128"/>
+              </a:rPr>
+              <a:t>擴展關係表示在特定條件下，一個用例（擴展用例）可以插入到另一個用例（基底用例）中，為其增加額外的行為。</a:t>
+            </a:r>
+          </a:p>
+        </p:txBody>
+      </p:sp>
+    </p:spTree>
+    <p:extLst>
+      <p:ext uri="{BB962C8B-B14F-4D97-AF65-F5344CB8AC3E}">
+        <p14:creationId xmlns:p14="http://schemas.microsoft.com/office/powerpoint/2010/main" val="287286166"/>
+      </p:ext>
+    </p:extLst>
+  </p:cSld>
+  <p:clrMapOvr>
+    <a:masterClrMapping/>
+  </p:clrMapOvr>
+  <p:transition spd="med">
+    <p:pull/>
+  </p:transition>
+</p:sld>
+</file>
+
+<file path=ppt/slides/slide3.xml><?xml version="1.0" encoding="utf-8"?>
+<p:sld xmlns:a="http://schemas.openxmlformats.org/drawingml/2006/main" xmlns:r="http://schemas.openxmlformats.org/officeDocument/2006/relationships" xmlns:p="http://schemas.openxmlformats.org/presentationml/2006/main">
+  <p:cSld>
+    <p:spTree>
+      <p:nvGrpSpPr>
+        <p:cNvPr id="1" name="">
+          <a:extLst>
+            <a:ext uri="{FF2B5EF4-FFF2-40B4-BE49-F238E27FC236}">
+              <a16:creationId xmlns:a16="http://schemas.microsoft.com/office/drawing/2014/main" id="{FC3E3613-DD9B-CC6A-EA3C-A7742561092E}"/>
+            </a:ext>
+          </a:extLst>
+        </p:cNvPr>
+        <p:cNvGrpSpPr/>
+        <p:nvPr/>
+      </p:nvGrpSpPr>
+      <p:grpSpPr>
+        <a:xfrm>
+          <a:off x="0" y="0"/>
+          <a:ext cx="0" cy="0"/>
+          <a:chOff x="0" y="0"/>
+          <a:chExt cx="0" cy="0"/>
+        </a:xfrm>
+      </p:grpSpPr>
+      <p:sp>
+        <p:nvSpPr>
+          <p:cNvPr id="6" name="矩形: 圆角 1">
+            <a:extLst>
+              <a:ext uri="{FF2B5EF4-FFF2-40B4-BE49-F238E27FC236}">
+                <a16:creationId xmlns:a16="http://schemas.microsoft.com/office/drawing/2014/main" id="{AB01D58A-45E3-BF12-2E5E-41C15D0BB585}"/>
+              </a:ext>
+            </a:extLst>
+          </p:cNvPr>
+          <p:cNvSpPr/>
+          <p:nvPr/>
+        </p:nvSpPr>
+        <p:spPr>
+          <a:xfrm>
+            <a:off x="4124280" y="137081"/>
+            <a:ext cx="3943441" cy="623469"/>
+          </a:xfrm>
+          <a:prstGeom prst="roundRect">
+            <a:avLst>
+              <a:gd name="adj" fmla="val 31585"/>
+            </a:avLst>
+          </a:prstGeom>
+          <a:solidFill>
+            <a:schemeClr val="accent4">
+              <a:lumMod val="60000"/>
+              <a:lumOff val="40000"/>
+              <a:alpha val="78824"/>
+            </a:schemeClr>
+          </a:solidFill>
+          <a:ln>
+            <a:noFill/>
+          </a:ln>
+        </p:spPr>
+        <p:style>
+          <a:lnRef idx="2">
+            <a:schemeClr val="accent1">
+              <a:shade val="50000"/>
+            </a:schemeClr>
+          </a:lnRef>
+          <a:fillRef idx="1">
+            <a:schemeClr val="accent1"/>
+          </a:fillRef>
+          <a:effectRef idx="0">
+            <a:schemeClr val="accent1"/>
+          </a:effectRef>
+          <a:fontRef idx="minor">
+            <a:schemeClr val="lt1"/>
+          </a:fontRef>
+        </p:style>
+        <p:txBody>
+          <a:bodyPr rtlCol="0" anchor="ctr"/>
+          <a:lstStyle/>
+          <a:p>
+            <a:pPr algn="ctr" defTabSz="914363"/>
+            <a:r>
+              <a:rPr kumimoji="1" lang="en-US" altLang="zh-CN" sz="3667" dirty="0">
+                <a:solidFill>
+                  <a:srgbClr val="002060"/>
+                </a:solidFill>
+                <a:latin typeface="Arial Black" panose="020B0604020202020204" pitchFamily="34" charset="0"/>
+                <a:ea typeface="Arial Unicode MS" panose="020B0604020202020204" pitchFamily="34" charset="-128"/>
+                <a:cs typeface="Arial Black" panose="020B0604020202020204" pitchFamily="34" charset="0"/>
+                <a:sym typeface="+mn-lt"/>
+              </a:rPr>
+              <a:t>UML</a:t>
+            </a:r>
+            <a:endParaRPr kumimoji="1" lang="zh-CN" altLang="en-US" sz="3667" dirty="0">
+              <a:solidFill>
+                <a:srgbClr val="002060"/>
+              </a:solidFill>
+              <a:latin typeface="Arial Black" panose="020B0604020202020204" pitchFamily="34" charset="0"/>
+              <a:ea typeface="Arial Unicode MS" panose="020B0604020202020204" pitchFamily="34" charset="-128"/>
+              <a:cs typeface="Arial Black" panose="020B0604020202020204" pitchFamily="34" charset="0"/>
+              <a:sym typeface="+mn-lt"/>
+            </a:endParaRPr>
+          </a:p>
+        </p:txBody>
+      </p:sp>
+      <p:sp>
+        <p:nvSpPr>
+          <p:cNvPr id="25" name="半框架 24">
+            <a:extLst>
+              <a:ext uri="{FF2B5EF4-FFF2-40B4-BE49-F238E27FC236}">
+                <a16:creationId xmlns:a16="http://schemas.microsoft.com/office/drawing/2014/main" id="{2D38DF5A-7BFF-7931-E68B-582965D1CC11}"/>
+              </a:ext>
+            </a:extLst>
+          </p:cNvPr>
+          <p:cNvSpPr/>
+          <p:nvPr/>
+        </p:nvSpPr>
+        <p:spPr>
+          <a:xfrm>
+            <a:off x="0" y="1"/>
+            <a:ext cx="1395663" cy="1275347"/>
+          </a:xfrm>
+          <a:prstGeom prst="halfFrame">
+            <a:avLst>
+              <a:gd name="adj1" fmla="val 8886"/>
+              <a:gd name="adj2" fmla="val 8978"/>
+            </a:avLst>
+          </a:prstGeom>
+          <a:solidFill>
+            <a:schemeClr val="accent4">
+              <a:lumMod val="60000"/>
+              <a:lumOff val="40000"/>
+              <a:alpha val="78824"/>
+            </a:schemeClr>
+          </a:solidFill>
+          <a:ln>
+            <a:noFill/>
+          </a:ln>
+        </p:spPr>
+        <p:style>
+          <a:lnRef idx="2">
+            <a:schemeClr val="accent1">
+              <a:shade val="50000"/>
+            </a:schemeClr>
+          </a:lnRef>
+          <a:fillRef idx="1">
+            <a:schemeClr val="accent1"/>
+          </a:fillRef>
+          <a:effectRef idx="0">
+            <a:schemeClr val="accent1"/>
+          </a:effectRef>
+          <a:fontRef idx="minor">
+            <a:schemeClr val="lt1"/>
+          </a:fontRef>
+        </p:style>
+        <p:txBody>
+          <a:bodyPr rtlCol="0" anchor="ctr"/>
+          <a:lstStyle/>
+          <a:p>
+            <a:pPr algn="ctr"/>
+            <a:endParaRPr kumimoji="1" lang="zh-TW" altLang="en-US">
+              <a:solidFill>
+                <a:schemeClr val="tx1"/>
+              </a:solidFill>
+            </a:endParaRPr>
+          </a:p>
+        </p:txBody>
+      </p:sp>
+      <p:sp>
+        <p:nvSpPr>
+          <p:cNvPr id="27" name="半框架 26">
+            <a:extLst>
+              <a:ext uri="{FF2B5EF4-FFF2-40B4-BE49-F238E27FC236}">
+                <a16:creationId xmlns:a16="http://schemas.microsoft.com/office/drawing/2014/main" id="{91745545-CD6D-E10E-4F02-BE1BF90F9921}"/>
+              </a:ext>
+            </a:extLst>
+          </p:cNvPr>
+          <p:cNvSpPr/>
+          <p:nvPr/>
+        </p:nvSpPr>
+        <p:spPr>
+          <a:xfrm rot="10800000">
+            <a:off x="10796338" y="5582653"/>
+            <a:ext cx="1395663" cy="1275347"/>
+          </a:xfrm>
+          <a:prstGeom prst="halfFrame">
+            <a:avLst>
+              <a:gd name="adj1" fmla="val 8886"/>
+              <a:gd name="adj2" fmla="val 8978"/>
+            </a:avLst>
+          </a:prstGeom>
+          <a:solidFill>
+            <a:schemeClr val="accent4">
+              <a:lumMod val="60000"/>
+              <a:lumOff val="40000"/>
+              <a:alpha val="78824"/>
+            </a:schemeClr>
+          </a:solidFill>
+          <a:ln>
+            <a:noFill/>
+          </a:ln>
+        </p:spPr>
+        <p:style>
+          <a:lnRef idx="2">
+            <a:schemeClr val="accent1">
+              <a:shade val="50000"/>
+            </a:schemeClr>
+          </a:lnRef>
+          <a:fillRef idx="1">
+            <a:schemeClr val="accent1"/>
+          </a:fillRef>
+          <a:effectRef idx="0">
+            <a:schemeClr val="accent1"/>
+          </a:effectRef>
+          <a:fontRef idx="minor">
+            <a:schemeClr val="lt1"/>
+          </a:fontRef>
+        </p:style>
+        <p:txBody>
+          <a:bodyPr rtlCol="0" anchor="ctr"/>
+          <a:lstStyle/>
+          <a:p>
+            <a:pPr algn="ctr"/>
+            <a:endParaRPr kumimoji="1" lang="zh-TW" altLang="en-US">
+              <a:solidFill>
+                <a:schemeClr val="tx1"/>
+              </a:solidFill>
+            </a:endParaRPr>
+          </a:p>
+        </p:txBody>
+      </p:sp>
+      <p:sp>
+        <p:nvSpPr>
+          <p:cNvPr id="26" name="文字方塊 25">
+            <a:extLst>
+              <a:ext uri="{FF2B5EF4-FFF2-40B4-BE49-F238E27FC236}">
+                <a16:creationId xmlns:a16="http://schemas.microsoft.com/office/drawing/2014/main" id="{B711F1CA-E96F-5679-28B2-DF8F3AEE454B}"/>
+              </a:ext>
+            </a:extLst>
+          </p:cNvPr>
+          <p:cNvSpPr txBox="1"/>
+          <p:nvPr/>
+        </p:nvSpPr>
+        <p:spPr>
+          <a:xfrm>
+            <a:off x="1191430" y="774505"/>
+            <a:ext cx="9809139" cy="500843"/>
+          </a:xfrm>
+          <a:prstGeom prst="rect">
+            <a:avLst/>
+          </a:prstGeom>
+          <a:noFill/>
+        </p:spPr>
+        <p:txBody>
+          <a:bodyPr wrap="square">
+            <a:spAutoFit/>
+          </a:bodyPr>
+          <a:lstStyle/>
           <a:p>
             <a:pPr algn="l">
               <a:lnSpc>
@@ -4939,35 +5679,331 @@
               <a:buChar char="•"/>
             </a:pPr>
             <a:r>
-              <a:rPr lang="zh-TW" altLang="en-US" sz="2000" b="1" i="0" u="none" strike="noStrike" dirty="0">
-                <a:solidFill>
-                  <a:srgbClr val="000000"/>
-                </a:solidFill>
-                <a:effectLst/>
-                <a:latin typeface="Arial Unicode MS" panose="020B0604020202020204" pitchFamily="34" charset="-128"/>
-                <a:ea typeface="Arial Unicode MS" panose="020B0604020202020204" pitchFamily="34" charset="-128"/>
-                <a:cs typeface="Arial Unicode MS" panose="020B0604020202020204" pitchFamily="34" charset="-128"/>
-              </a:rPr>
-              <a:t>類別圖（</a:t>
-            </a:r>
-            <a:r>
-              <a:rPr lang="en" altLang="zh-TW" sz="2000" b="1" i="0" u="none" strike="noStrike" dirty="0">
-                <a:solidFill>
-                  <a:srgbClr val="000000"/>
-                </a:solidFill>
-                <a:effectLst/>
-                <a:latin typeface="Arial Unicode MS" panose="020B0604020202020204" pitchFamily="34" charset="-128"/>
-                <a:ea typeface="Arial Unicode MS" panose="020B0604020202020204" pitchFamily="34" charset="-128"/>
-                <a:cs typeface="Arial Unicode MS" panose="020B0604020202020204" pitchFamily="34" charset="-128"/>
-              </a:rPr>
-              <a:t>Class Diagram</a:t>
-            </a:r>
-            <a:r>
-              <a:rPr lang="zh-TW" altLang="en" sz="2000" b="1" i="0" u="none" strike="noStrike" dirty="0">
-                <a:solidFill>
-                  <a:srgbClr val="000000"/>
-                </a:solidFill>
-                <a:effectLst/>
+              <a:rPr lang="zh-TW" altLang="en-US" sz="2000" b="1" dirty="0">
+                <a:solidFill>
+                  <a:srgbClr val="000000"/>
+                </a:solidFill>
+                <a:latin typeface="Arial Unicode MS" panose="020B0604020202020204" pitchFamily="34" charset="-128"/>
+                <a:ea typeface="Arial Unicode MS" panose="020B0604020202020204" pitchFamily="34" charset="-128"/>
+                <a:cs typeface="Arial Unicode MS" panose="020B0604020202020204" pitchFamily="34" charset="-128"/>
+              </a:rPr>
+              <a:t>活動圖（</a:t>
+            </a:r>
+            <a:r>
+              <a:rPr lang="en" altLang="zh-TW" sz="2000" b="1" dirty="0">
+                <a:solidFill>
+                  <a:srgbClr val="000000"/>
+                </a:solidFill>
+                <a:latin typeface="Arial Unicode MS" panose="020B0604020202020204" pitchFamily="34" charset="-128"/>
+                <a:ea typeface="Arial Unicode MS" panose="020B0604020202020204" pitchFamily="34" charset="-128"/>
+                <a:cs typeface="Arial Unicode MS" panose="020B0604020202020204" pitchFamily="34" charset="-128"/>
+              </a:rPr>
+              <a:t>Activity Diagram</a:t>
+            </a:r>
+            <a:r>
+              <a:rPr lang="zh-TW" altLang="en" sz="2000" b="1" dirty="0">
+                <a:solidFill>
+                  <a:srgbClr val="000000"/>
+                </a:solidFill>
+                <a:latin typeface="Arial Unicode MS" panose="020B0604020202020204" pitchFamily="34" charset="-128"/>
+                <a:ea typeface="Arial Unicode MS" panose="020B0604020202020204" pitchFamily="34" charset="-128"/>
+                <a:cs typeface="Arial Unicode MS" panose="020B0604020202020204" pitchFamily="34" charset="-128"/>
+              </a:rPr>
+              <a:t>）：</a:t>
+            </a:r>
+            <a:r>
+              <a:rPr lang="zh-TW" altLang="en-US" sz="2000" b="1" dirty="0">
+                <a:solidFill>
+                  <a:srgbClr val="000000"/>
+                </a:solidFill>
+                <a:latin typeface="Arial Unicode MS" panose="020B0604020202020204" pitchFamily="34" charset="-128"/>
+                <a:ea typeface="Arial Unicode MS" panose="020B0604020202020204" pitchFamily="34" charset="-128"/>
+                <a:cs typeface="Arial Unicode MS" panose="020B0604020202020204" pitchFamily="34" charset="-128"/>
+              </a:rPr>
+              <a:t>描述流程或工作流程的順序。</a:t>
+            </a:r>
+          </a:p>
+        </p:txBody>
+      </p:sp>
+      <p:pic>
+        <p:nvPicPr>
+          <p:cNvPr id="2" name="圖片 1">
+            <a:extLst>
+              <a:ext uri="{FF2B5EF4-FFF2-40B4-BE49-F238E27FC236}">
+                <a16:creationId xmlns:a16="http://schemas.microsoft.com/office/drawing/2014/main" id="{161B815E-5BDA-9766-A1B3-6D26A9E76956}"/>
+              </a:ext>
+            </a:extLst>
+          </p:cNvPr>
+          <p:cNvPicPr>
+            <a:picLocks noChangeAspect="1"/>
+          </p:cNvPicPr>
+          <p:nvPr/>
+        </p:nvPicPr>
+        <p:blipFill>
+          <a:blip r:embed="rId3"/>
+          <a:srcRect/>
+          <a:stretch/>
+        </p:blipFill>
+        <p:spPr>
+          <a:xfrm>
+            <a:off x="439309" y="1340968"/>
+            <a:ext cx="4833089" cy="5379951"/>
+          </a:xfrm>
+          <a:prstGeom prst="rect">
+            <a:avLst/>
+          </a:prstGeom>
+        </p:spPr>
+      </p:pic>
+      <p:sp>
+        <p:nvSpPr>
+          <p:cNvPr id="4" name="文字方塊 3">
+            <a:extLst>
+              <a:ext uri="{FF2B5EF4-FFF2-40B4-BE49-F238E27FC236}">
+                <a16:creationId xmlns:a16="http://schemas.microsoft.com/office/drawing/2014/main" id="{1354E81E-F8D9-545C-A841-435F147457EA}"/>
+              </a:ext>
+            </a:extLst>
+          </p:cNvPr>
+          <p:cNvSpPr txBox="1"/>
+          <p:nvPr/>
+        </p:nvSpPr>
+        <p:spPr>
+          <a:xfrm>
+            <a:off x="5409762" y="1802294"/>
+            <a:ext cx="6528124" cy="3933128"/>
+          </a:xfrm>
+          <a:prstGeom prst="rect">
+            <a:avLst/>
+          </a:prstGeom>
+          <a:noFill/>
+        </p:spPr>
+        <p:txBody>
+          <a:bodyPr wrap="square">
+            <a:spAutoFit/>
+          </a:bodyPr>
+          <a:lstStyle/>
+          <a:p>
+            <a:pPr indent="0" algn="l">
+              <a:lnSpc>
+                <a:spcPct val="150000"/>
+              </a:lnSpc>
+              <a:buNone/>
+            </a:pPr>
+            <a:r>
+              <a:rPr lang="zh-TW" altLang="en-US" sz="1400" dirty="0">
+                <a:solidFill>
+                  <a:srgbClr val="000000"/>
+                </a:solidFill>
+                <a:latin typeface="Arial Unicode MS" panose="020B0604020202020204" pitchFamily="34" charset="-128"/>
+                <a:ea typeface="Arial Unicode MS" panose="020B0604020202020204" pitchFamily="34" charset="-128"/>
+                <a:cs typeface="Arial Unicode MS" panose="020B0604020202020204" pitchFamily="34" charset="-128"/>
+              </a:rPr>
+              <a:t>活動圖的主要組成部分</a:t>
+            </a:r>
+          </a:p>
+          <a:p>
+            <a:pPr indent="0" algn="l">
+              <a:lnSpc>
+                <a:spcPct val="150000"/>
+              </a:lnSpc>
+              <a:buNone/>
+            </a:pPr>
+            <a:r>
+              <a:rPr lang="en-US" altLang="zh-TW" sz="1400" dirty="0">
+                <a:solidFill>
+                  <a:srgbClr val="000000"/>
+                </a:solidFill>
+                <a:latin typeface="Arial Unicode MS" panose="020B0604020202020204" pitchFamily="34" charset="-128"/>
+                <a:ea typeface="Arial Unicode MS" panose="020B0604020202020204" pitchFamily="34" charset="-128"/>
+                <a:cs typeface="Arial Unicode MS" panose="020B0604020202020204" pitchFamily="34" charset="-128"/>
+              </a:rPr>
+              <a:t>1.</a:t>
+            </a:r>
+            <a:r>
+              <a:rPr lang="zh-TW" altLang="en-US" sz="1400" dirty="0">
+                <a:solidFill>
+                  <a:srgbClr val="000000"/>
+                </a:solidFill>
+                <a:latin typeface="Arial Unicode MS" panose="020B0604020202020204" pitchFamily="34" charset="-128"/>
+                <a:ea typeface="Arial Unicode MS" panose="020B0604020202020204" pitchFamily="34" charset="-128"/>
+                <a:cs typeface="Arial Unicode MS" panose="020B0604020202020204" pitchFamily="34" charset="-128"/>
+              </a:rPr>
+              <a:t>活動（</a:t>
+            </a:r>
+            <a:r>
+              <a:rPr lang="en" altLang="zh-TW" sz="1400" dirty="0">
+                <a:solidFill>
+                  <a:srgbClr val="000000"/>
+                </a:solidFill>
+                <a:latin typeface="Arial Unicode MS" panose="020B0604020202020204" pitchFamily="34" charset="-128"/>
+                <a:ea typeface="Arial Unicode MS" panose="020B0604020202020204" pitchFamily="34" charset="-128"/>
+                <a:cs typeface="Arial Unicode MS" panose="020B0604020202020204" pitchFamily="34" charset="-128"/>
+              </a:rPr>
+              <a:t>Actions</a:t>
+            </a:r>
+            <a:r>
+              <a:rPr lang="zh-TW" altLang="en" sz="1400" dirty="0">
+                <a:solidFill>
+                  <a:srgbClr val="000000"/>
+                </a:solidFill>
+                <a:latin typeface="Arial Unicode MS" panose="020B0604020202020204" pitchFamily="34" charset="-128"/>
+                <a:ea typeface="Arial Unicode MS" panose="020B0604020202020204" pitchFamily="34" charset="-128"/>
+                <a:cs typeface="Arial Unicode MS" panose="020B0604020202020204" pitchFamily="34" charset="-128"/>
+              </a:rPr>
+              <a:t>）：</a:t>
+            </a:r>
+            <a:r>
+              <a:rPr lang="zh-TW" altLang="en-US" sz="1400" dirty="0">
+                <a:solidFill>
+                  <a:srgbClr val="000000"/>
+                </a:solidFill>
+                <a:latin typeface="Arial Unicode MS" panose="020B0604020202020204" pitchFamily="34" charset="-128"/>
+                <a:ea typeface="Arial Unicode MS" panose="020B0604020202020204" pitchFamily="34" charset="-128"/>
+                <a:cs typeface="Arial Unicode MS" panose="020B0604020202020204" pitchFamily="34" charset="-128"/>
+              </a:rPr>
+              <a:t>代表系統或業務流程中的一個操作步驟或任務。活動之間透過控制流連接。</a:t>
+            </a:r>
+          </a:p>
+          <a:p>
+            <a:pPr indent="0" algn="l">
+              <a:lnSpc>
+                <a:spcPct val="150000"/>
+              </a:lnSpc>
+              <a:buNone/>
+            </a:pPr>
+            <a:r>
+              <a:rPr lang="en-US" altLang="zh-TW" sz="1400" dirty="0">
+                <a:solidFill>
+                  <a:srgbClr val="000000"/>
+                </a:solidFill>
+                <a:latin typeface="Arial Unicode MS" panose="020B0604020202020204" pitchFamily="34" charset="-128"/>
+                <a:ea typeface="Arial Unicode MS" panose="020B0604020202020204" pitchFamily="34" charset="-128"/>
+                <a:cs typeface="Arial Unicode MS" panose="020B0604020202020204" pitchFamily="34" charset="-128"/>
+              </a:rPr>
+              <a:t>2.</a:t>
+            </a:r>
+            <a:r>
+              <a:rPr lang="zh-TW" altLang="en-US" sz="1400" dirty="0">
+                <a:solidFill>
+                  <a:srgbClr val="000000"/>
+                </a:solidFill>
+                <a:latin typeface="Arial Unicode MS" panose="020B0604020202020204" pitchFamily="34" charset="-128"/>
+                <a:ea typeface="Arial Unicode MS" panose="020B0604020202020204" pitchFamily="34" charset="-128"/>
+                <a:cs typeface="Arial Unicode MS" panose="020B0604020202020204" pitchFamily="34" charset="-128"/>
+              </a:rPr>
+              <a:t>控制流程（</a:t>
+            </a:r>
+            <a:r>
+              <a:rPr lang="en" altLang="zh-TW" sz="1400" dirty="0">
+                <a:solidFill>
+                  <a:srgbClr val="000000"/>
+                </a:solidFill>
+                <a:latin typeface="Arial Unicode MS" panose="020B0604020202020204" pitchFamily="34" charset="-128"/>
+                <a:ea typeface="Arial Unicode MS" panose="020B0604020202020204" pitchFamily="34" charset="-128"/>
+                <a:cs typeface="Arial Unicode MS" panose="020B0604020202020204" pitchFamily="34" charset="-128"/>
+              </a:rPr>
+              <a:t>Control Flows</a:t>
+            </a:r>
+            <a:r>
+              <a:rPr lang="zh-TW" altLang="en" sz="1400" dirty="0">
+                <a:solidFill>
+                  <a:srgbClr val="000000"/>
+                </a:solidFill>
+                <a:latin typeface="Arial Unicode MS" panose="020B0604020202020204" pitchFamily="34" charset="-128"/>
+                <a:ea typeface="Arial Unicode MS" panose="020B0604020202020204" pitchFamily="34" charset="-128"/>
+                <a:cs typeface="Arial Unicode MS" panose="020B0604020202020204" pitchFamily="34" charset="-128"/>
+              </a:rPr>
+              <a:t>）：</a:t>
+            </a:r>
+            <a:r>
+              <a:rPr lang="zh-TW" altLang="en-US" sz="1400" dirty="0">
+                <a:solidFill>
+                  <a:srgbClr val="000000"/>
+                </a:solidFill>
+                <a:latin typeface="Arial Unicode MS" panose="020B0604020202020204" pitchFamily="34" charset="-128"/>
+                <a:ea typeface="Arial Unicode MS" panose="020B0604020202020204" pitchFamily="34" charset="-128"/>
+                <a:cs typeface="Arial Unicode MS" panose="020B0604020202020204" pitchFamily="34" charset="-128"/>
+              </a:rPr>
+              <a:t>箭頭表示從一個活動到另一個活動的流程。控制流可以是單向的，也可以是帶有條件分支的，也可以表示循環或併發。</a:t>
+            </a:r>
+          </a:p>
+          <a:p>
+            <a:pPr indent="0" algn="l">
+              <a:lnSpc>
+                <a:spcPct val="150000"/>
+              </a:lnSpc>
+              <a:buNone/>
+            </a:pPr>
+            <a:r>
+              <a:rPr lang="en-US" altLang="zh-TW" sz="1400" dirty="0">
+                <a:solidFill>
+                  <a:srgbClr val="000000"/>
+                </a:solidFill>
+                <a:latin typeface="Arial Unicode MS" panose="020B0604020202020204" pitchFamily="34" charset="-128"/>
+                <a:ea typeface="Arial Unicode MS" panose="020B0604020202020204" pitchFamily="34" charset="-128"/>
+                <a:cs typeface="Arial Unicode MS" panose="020B0604020202020204" pitchFamily="34" charset="-128"/>
+              </a:rPr>
+              <a:t>3.</a:t>
+            </a:r>
+            <a:r>
+              <a:rPr lang="zh-TW" altLang="en-US" sz="1400" dirty="0">
+                <a:solidFill>
+                  <a:srgbClr val="000000"/>
+                </a:solidFill>
+                <a:latin typeface="Arial Unicode MS" panose="020B0604020202020204" pitchFamily="34" charset="-128"/>
+                <a:ea typeface="Arial Unicode MS" panose="020B0604020202020204" pitchFamily="34" charset="-128"/>
+                <a:cs typeface="Arial Unicode MS" panose="020B0604020202020204" pitchFamily="34" charset="-128"/>
+              </a:rPr>
+              <a:t>決策點（</a:t>
+            </a:r>
+            <a:r>
+              <a:rPr lang="en" altLang="zh-TW" sz="1400" dirty="0">
+                <a:solidFill>
+                  <a:srgbClr val="000000"/>
+                </a:solidFill>
+                <a:latin typeface="Arial Unicode MS" panose="020B0604020202020204" pitchFamily="34" charset="-128"/>
+                <a:ea typeface="Arial Unicode MS" panose="020B0604020202020204" pitchFamily="34" charset="-128"/>
+                <a:cs typeface="Arial Unicode MS" panose="020B0604020202020204" pitchFamily="34" charset="-128"/>
+              </a:rPr>
+              <a:t>Decision Points</a:t>
+            </a:r>
+            <a:r>
+              <a:rPr lang="zh-TW" altLang="en" sz="1400" dirty="0">
+                <a:solidFill>
+                  <a:srgbClr val="000000"/>
+                </a:solidFill>
+                <a:latin typeface="Arial Unicode MS" panose="020B0604020202020204" pitchFamily="34" charset="-128"/>
+                <a:ea typeface="Arial Unicode MS" panose="020B0604020202020204" pitchFamily="34" charset="-128"/>
+                <a:cs typeface="Arial Unicode MS" panose="020B0604020202020204" pitchFamily="34" charset="-128"/>
+              </a:rPr>
+              <a:t>）：</a:t>
+            </a:r>
+            <a:r>
+              <a:rPr lang="zh-TW" altLang="en-US" sz="1400" dirty="0">
+                <a:solidFill>
+                  <a:srgbClr val="000000"/>
+                </a:solidFill>
+                <a:latin typeface="Arial Unicode MS" panose="020B0604020202020204" pitchFamily="34" charset="-128"/>
+                <a:ea typeface="Arial Unicode MS" panose="020B0604020202020204" pitchFamily="34" charset="-128"/>
+                <a:cs typeface="Arial Unicode MS" panose="020B0604020202020204" pitchFamily="34" charset="-128"/>
+              </a:rPr>
+              <a:t>包括分支（</a:t>
+            </a:r>
+            <a:r>
+              <a:rPr lang="en" altLang="zh-TW" sz="1400" dirty="0">
+                <a:solidFill>
+                  <a:srgbClr val="000000"/>
+                </a:solidFill>
+                <a:latin typeface="Arial Unicode MS" panose="020B0604020202020204" pitchFamily="34" charset="-128"/>
+                <a:ea typeface="Arial Unicode MS" panose="020B0604020202020204" pitchFamily="34" charset="-128"/>
+                <a:cs typeface="Arial Unicode MS" panose="020B0604020202020204" pitchFamily="34" charset="-128"/>
+              </a:rPr>
+              <a:t>Fork</a:t>
+            </a:r>
+            <a:r>
+              <a:rPr lang="zh-TW" altLang="en" sz="1400" dirty="0">
+                <a:solidFill>
+                  <a:srgbClr val="000000"/>
+                </a:solidFill>
                 <a:latin typeface="Arial Unicode MS" panose="020B0604020202020204" pitchFamily="34" charset="-128"/>
                 <a:ea typeface="Arial Unicode MS" panose="020B0604020202020204" pitchFamily="34" charset="-128"/>
                 <a:cs typeface="Arial Unicode MS" panose="020B0604020202020204" pitchFamily="34" charset="-128"/>
@@ -4975,30 +6011,477 @@
               <a:t>）</a:t>
             </a:r>
             <a:r>
-              <a:rPr lang="zh-TW" altLang="en" sz="2000" b="0" i="0" u="none" strike="noStrike" dirty="0">
-                <a:solidFill>
-                  <a:srgbClr val="000000"/>
-                </a:solidFill>
-                <a:effectLst/>
-                <a:latin typeface="Arial Unicode MS" panose="020B0604020202020204" pitchFamily="34" charset="-128"/>
-                <a:ea typeface="Arial Unicode MS" panose="020B0604020202020204" pitchFamily="34" charset="-128"/>
-                <a:cs typeface="Arial Unicode MS" panose="020B0604020202020204" pitchFamily="34" charset="-128"/>
-              </a:rPr>
-              <a:t>：</a:t>
-            </a:r>
-            <a:r>
-              <a:rPr lang="zh-TW" altLang="en-US" sz="2000" b="0" i="0" u="none" strike="noStrike" dirty="0">
-                <a:solidFill>
-                  <a:srgbClr val="000000"/>
-                </a:solidFill>
-                <a:effectLst/>
-                <a:latin typeface="Arial Unicode MS" panose="020B0604020202020204" pitchFamily="34" charset="-128"/>
-                <a:ea typeface="Arial Unicode MS" panose="020B0604020202020204" pitchFamily="34" charset="-128"/>
-                <a:cs typeface="Arial Unicode MS" panose="020B0604020202020204" pitchFamily="34" charset="-128"/>
-              </a:rPr>
-              <a:t>描述系統中的類別和它們之間的關係。</a:t>
-            </a:r>
-          </a:p>
+              <a:rPr lang="zh-TW" altLang="en-US" sz="1400" dirty="0">
+                <a:solidFill>
+                  <a:srgbClr val="000000"/>
+                </a:solidFill>
+                <a:latin typeface="Arial Unicode MS" panose="020B0604020202020204" pitchFamily="34" charset="-128"/>
+                <a:ea typeface="Arial Unicode MS" panose="020B0604020202020204" pitchFamily="34" charset="-128"/>
+                <a:cs typeface="Arial Unicode MS" panose="020B0604020202020204" pitchFamily="34" charset="-128"/>
+              </a:rPr>
+              <a:t>和合併（</a:t>
+            </a:r>
+            <a:r>
+              <a:rPr lang="en" altLang="zh-TW" sz="1400" dirty="0">
+                <a:solidFill>
+                  <a:srgbClr val="000000"/>
+                </a:solidFill>
+                <a:latin typeface="Arial Unicode MS" panose="020B0604020202020204" pitchFamily="34" charset="-128"/>
+                <a:ea typeface="Arial Unicode MS" panose="020B0604020202020204" pitchFamily="34" charset="-128"/>
+                <a:cs typeface="Arial Unicode MS" panose="020B0604020202020204" pitchFamily="34" charset="-128"/>
+              </a:rPr>
+              <a:t>Join</a:t>
+            </a:r>
+            <a:r>
+              <a:rPr lang="zh-TW" altLang="en" sz="1400" dirty="0">
+                <a:solidFill>
+                  <a:srgbClr val="000000"/>
+                </a:solidFill>
+                <a:latin typeface="Arial Unicode MS" panose="020B0604020202020204" pitchFamily="34" charset="-128"/>
+                <a:ea typeface="Arial Unicode MS" panose="020B0604020202020204" pitchFamily="34" charset="-128"/>
+                <a:cs typeface="Arial Unicode MS" panose="020B0604020202020204" pitchFamily="34" charset="-128"/>
+              </a:rPr>
+              <a:t>）。</a:t>
+            </a:r>
+            <a:r>
+              <a:rPr lang="zh-TW" altLang="en-US" sz="1400" dirty="0">
+                <a:solidFill>
+                  <a:srgbClr val="000000"/>
+                </a:solidFill>
+                <a:latin typeface="Arial Unicode MS" panose="020B0604020202020204" pitchFamily="34" charset="-128"/>
+                <a:ea typeface="Arial Unicode MS" panose="020B0604020202020204" pitchFamily="34" charset="-128"/>
+                <a:cs typeface="Arial Unicode MS" panose="020B0604020202020204" pitchFamily="34" charset="-128"/>
+              </a:rPr>
+              <a:t>分支用於表示並行活動的開始，而合併用於表示並行活動的結束。</a:t>
+            </a:r>
+          </a:p>
+          <a:p>
+            <a:pPr indent="0" algn="l">
+              <a:lnSpc>
+                <a:spcPct val="150000"/>
+              </a:lnSpc>
+              <a:buNone/>
+            </a:pPr>
+            <a:r>
+              <a:rPr lang="en-US" altLang="zh-TW" sz="1400" dirty="0">
+                <a:solidFill>
+                  <a:srgbClr val="000000"/>
+                </a:solidFill>
+                <a:latin typeface="Arial Unicode MS" panose="020B0604020202020204" pitchFamily="34" charset="-128"/>
+                <a:ea typeface="Arial Unicode MS" panose="020B0604020202020204" pitchFamily="34" charset="-128"/>
+                <a:cs typeface="Arial Unicode MS" panose="020B0604020202020204" pitchFamily="34" charset="-128"/>
+              </a:rPr>
+              <a:t>4.</a:t>
+            </a:r>
+            <a:r>
+              <a:rPr lang="zh-TW" altLang="en-US" sz="1400" dirty="0">
+                <a:solidFill>
+                  <a:srgbClr val="000000"/>
+                </a:solidFill>
+                <a:latin typeface="Arial Unicode MS" panose="020B0604020202020204" pitchFamily="34" charset="-128"/>
+                <a:ea typeface="Arial Unicode MS" panose="020B0604020202020204" pitchFamily="34" charset="-128"/>
+                <a:cs typeface="Arial Unicode MS" panose="020B0604020202020204" pitchFamily="34" charset="-128"/>
+              </a:rPr>
+              <a:t>泳道（</a:t>
+            </a:r>
+            <a:r>
+              <a:rPr lang="en" altLang="zh-TW" sz="1400" dirty="0" err="1">
+                <a:solidFill>
+                  <a:srgbClr val="000000"/>
+                </a:solidFill>
+                <a:latin typeface="Arial Unicode MS" panose="020B0604020202020204" pitchFamily="34" charset="-128"/>
+                <a:ea typeface="Arial Unicode MS" panose="020B0604020202020204" pitchFamily="34" charset="-128"/>
+                <a:cs typeface="Arial Unicode MS" panose="020B0604020202020204" pitchFamily="34" charset="-128"/>
+              </a:rPr>
+              <a:t>Swimlanes</a:t>
+            </a:r>
+            <a:r>
+              <a:rPr lang="zh-TW" altLang="en" sz="1400" dirty="0">
+                <a:solidFill>
+                  <a:srgbClr val="000000"/>
+                </a:solidFill>
+                <a:latin typeface="Arial Unicode MS" panose="020B0604020202020204" pitchFamily="34" charset="-128"/>
+                <a:ea typeface="Arial Unicode MS" panose="020B0604020202020204" pitchFamily="34" charset="-128"/>
+                <a:cs typeface="Arial Unicode MS" panose="020B0604020202020204" pitchFamily="34" charset="-128"/>
+              </a:rPr>
+              <a:t>）：</a:t>
+            </a:r>
+            <a:r>
+              <a:rPr lang="zh-TW" altLang="en-US" sz="1400" dirty="0">
+                <a:solidFill>
+                  <a:srgbClr val="000000"/>
+                </a:solidFill>
+                <a:latin typeface="Arial Unicode MS" panose="020B0604020202020204" pitchFamily="34" charset="-128"/>
+                <a:ea typeface="Arial Unicode MS" panose="020B0604020202020204" pitchFamily="34" charset="-128"/>
+                <a:cs typeface="Arial Unicode MS" panose="020B0604020202020204" pitchFamily="34" charset="-128"/>
+              </a:rPr>
+              <a:t>將活動圖劃分為不同的邏輯區域，每個區域代表不同的參與者（如使用者、系統或子系統），有助於理解不同實體在過程中的角色和責任。</a:t>
+            </a:r>
+          </a:p>
+          <a:p>
+            <a:pPr indent="0" algn="l">
+              <a:lnSpc>
+                <a:spcPct val="150000"/>
+              </a:lnSpc>
+              <a:buNone/>
+            </a:pPr>
+            <a:r>
+              <a:rPr lang="en-US" altLang="zh-TW" sz="1400" dirty="0">
+                <a:solidFill>
+                  <a:srgbClr val="000000"/>
+                </a:solidFill>
+                <a:latin typeface="Arial Unicode MS" panose="020B0604020202020204" pitchFamily="34" charset="-128"/>
+                <a:ea typeface="Arial Unicode MS" panose="020B0604020202020204" pitchFamily="34" charset="-128"/>
+                <a:cs typeface="Arial Unicode MS" panose="020B0604020202020204" pitchFamily="34" charset="-128"/>
+              </a:rPr>
+              <a:t>5.</a:t>
+            </a:r>
+            <a:r>
+              <a:rPr lang="zh-TW" altLang="en-US" sz="1400" dirty="0">
+                <a:solidFill>
+                  <a:srgbClr val="000000"/>
+                </a:solidFill>
+                <a:latin typeface="Arial Unicode MS" panose="020B0604020202020204" pitchFamily="34" charset="-128"/>
+                <a:ea typeface="Arial Unicode MS" panose="020B0604020202020204" pitchFamily="34" charset="-128"/>
+                <a:cs typeface="Arial Unicode MS" panose="020B0604020202020204" pitchFamily="34" charset="-128"/>
+              </a:rPr>
+              <a:t>開始和結束點：分別表示活動圖的起點和終點。</a:t>
+            </a:r>
+          </a:p>
+          <a:p>
+            <a:pPr indent="0" algn="l">
+              <a:lnSpc>
+                <a:spcPct val="150000"/>
+              </a:lnSpc>
+            </a:pPr>
+            <a:r>
+              <a:rPr lang="en-US" altLang="zh-TW" sz="1400" dirty="0">
+                <a:solidFill>
+                  <a:srgbClr val="000000"/>
+                </a:solidFill>
+                <a:latin typeface="Arial Unicode MS" panose="020B0604020202020204" pitchFamily="34" charset="-128"/>
+                <a:ea typeface="Arial Unicode MS" panose="020B0604020202020204" pitchFamily="34" charset="-128"/>
+                <a:cs typeface="Arial Unicode MS" panose="020B0604020202020204" pitchFamily="34" charset="-128"/>
+              </a:rPr>
+              <a:t>6.</a:t>
+            </a:r>
+            <a:r>
+              <a:rPr lang="zh-TW" altLang="en-US" sz="1400" dirty="0">
+                <a:solidFill>
+                  <a:srgbClr val="000000"/>
+                </a:solidFill>
+                <a:latin typeface="Arial Unicode MS" panose="020B0604020202020204" pitchFamily="34" charset="-128"/>
+                <a:ea typeface="Arial Unicode MS" panose="020B0604020202020204" pitchFamily="34" charset="-128"/>
+                <a:cs typeface="Arial Unicode MS" panose="020B0604020202020204" pitchFamily="34" charset="-128"/>
+              </a:rPr>
+              <a:t>物件流（</a:t>
+            </a:r>
+            <a:r>
+              <a:rPr lang="en" altLang="zh-TW" sz="1400" dirty="0">
+                <a:solidFill>
+                  <a:srgbClr val="000000"/>
+                </a:solidFill>
+                <a:latin typeface="Arial Unicode MS" panose="020B0604020202020204" pitchFamily="34" charset="-128"/>
+                <a:ea typeface="Arial Unicode MS" panose="020B0604020202020204" pitchFamily="34" charset="-128"/>
+                <a:cs typeface="Arial Unicode MS" panose="020B0604020202020204" pitchFamily="34" charset="-128"/>
+              </a:rPr>
+              <a:t>Object Flows</a:t>
+            </a:r>
+            <a:r>
+              <a:rPr lang="zh-TW" altLang="en" sz="1400" dirty="0">
+                <a:solidFill>
+                  <a:srgbClr val="000000"/>
+                </a:solidFill>
+                <a:latin typeface="Arial Unicode MS" panose="020B0604020202020204" pitchFamily="34" charset="-128"/>
+                <a:ea typeface="Arial Unicode MS" panose="020B0604020202020204" pitchFamily="34" charset="-128"/>
+                <a:cs typeface="Arial Unicode MS" panose="020B0604020202020204" pitchFamily="34" charset="-128"/>
+              </a:rPr>
+              <a:t>）：</a:t>
+            </a:r>
+            <a:r>
+              <a:rPr lang="zh-TW" altLang="en-US" sz="1400" dirty="0">
+                <a:solidFill>
+                  <a:srgbClr val="000000"/>
+                </a:solidFill>
+                <a:latin typeface="Arial Unicode MS" panose="020B0604020202020204" pitchFamily="34" charset="-128"/>
+                <a:ea typeface="Arial Unicode MS" panose="020B0604020202020204" pitchFamily="34" charset="-128"/>
+                <a:cs typeface="Arial Unicode MS" panose="020B0604020202020204" pitchFamily="34" charset="-128"/>
+              </a:rPr>
+              <a:t>雖然活動圖主要關注流程控制，但也可以表示物件或資料的流動，尤其是在物件之間傳遞資料時。</a:t>
+            </a:r>
+          </a:p>
+        </p:txBody>
+      </p:sp>
+    </p:spTree>
+    <p:extLst>
+      <p:ext uri="{BB962C8B-B14F-4D97-AF65-F5344CB8AC3E}">
+        <p14:creationId xmlns:p14="http://schemas.microsoft.com/office/powerpoint/2010/main" val="1141454917"/>
+      </p:ext>
+    </p:extLst>
+  </p:cSld>
+  <p:clrMapOvr>
+    <a:masterClrMapping/>
+  </p:clrMapOvr>
+  <p:transition spd="med">
+    <p:pull/>
+  </p:transition>
+</p:sld>
+</file>
+
+<file path=ppt/slides/slide4.xml><?xml version="1.0" encoding="utf-8"?>
+<p:sld xmlns:a="http://schemas.openxmlformats.org/drawingml/2006/main" xmlns:r="http://schemas.openxmlformats.org/officeDocument/2006/relationships" xmlns:p="http://schemas.openxmlformats.org/presentationml/2006/main">
+  <p:cSld>
+    <p:spTree>
+      <p:nvGrpSpPr>
+        <p:cNvPr id="1" name="">
+          <a:extLst>
+            <a:ext uri="{FF2B5EF4-FFF2-40B4-BE49-F238E27FC236}">
+              <a16:creationId xmlns:a16="http://schemas.microsoft.com/office/drawing/2014/main" id="{335621BC-4F7A-1EB4-CFCF-36F5DCE17CD9}"/>
+            </a:ext>
+          </a:extLst>
+        </p:cNvPr>
+        <p:cNvGrpSpPr/>
+        <p:nvPr/>
+      </p:nvGrpSpPr>
+      <p:grpSpPr>
+        <a:xfrm>
+          <a:off x="0" y="0"/>
+          <a:ext cx="0" cy="0"/>
+          <a:chOff x="0" y="0"/>
+          <a:chExt cx="0" cy="0"/>
+        </a:xfrm>
+      </p:grpSpPr>
+      <p:sp>
+        <p:nvSpPr>
+          <p:cNvPr id="6" name="矩形: 圆角 1">
+            <a:extLst>
+              <a:ext uri="{FF2B5EF4-FFF2-40B4-BE49-F238E27FC236}">
+                <a16:creationId xmlns:a16="http://schemas.microsoft.com/office/drawing/2014/main" id="{EF6DEC37-C07A-CCF9-0BC2-417ABE607612}"/>
+              </a:ext>
+            </a:extLst>
+          </p:cNvPr>
+          <p:cNvSpPr/>
+          <p:nvPr/>
+        </p:nvSpPr>
+        <p:spPr>
+          <a:xfrm>
+            <a:off x="4124280" y="137081"/>
+            <a:ext cx="3943441" cy="623469"/>
+          </a:xfrm>
+          <a:prstGeom prst="roundRect">
+            <a:avLst>
+              <a:gd name="adj" fmla="val 31585"/>
+            </a:avLst>
+          </a:prstGeom>
+          <a:solidFill>
+            <a:schemeClr val="accent4">
+              <a:lumMod val="60000"/>
+              <a:lumOff val="40000"/>
+              <a:alpha val="78824"/>
+            </a:schemeClr>
+          </a:solidFill>
+          <a:ln>
+            <a:noFill/>
+          </a:ln>
+        </p:spPr>
+        <p:style>
+          <a:lnRef idx="2">
+            <a:schemeClr val="accent1">
+              <a:shade val="50000"/>
+            </a:schemeClr>
+          </a:lnRef>
+          <a:fillRef idx="1">
+            <a:schemeClr val="accent1"/>
+          </a:fillRef>
+          <a:effectRef idx="0">
+            <a:schemeClr val="accent1"/>
+          </a:effectRef>
+          <a:fontRef idx="minor">
+            <a:schemeClr val="lt1"/>
+          </a:fontRef>
+        </p:style>
+        <p:txBody>
+          <a:bodyPr rtlCol="0" anchor="ctr"/>
+          <a:lstStyle/>
+          <a:p>
+            <a:pPr algn="ctr" defTabSz="914363"/>
+            <a:r>
+              <a:rPr kumimoji="1" lang="en-US" altLang="zh-CN" sz="3667" dirty="0">
+                <a:solidFill>
+                  <a:srgbClr val="002060"/>
+                </a:solidFill>
+                <a:latin typeface="Arial Black" panose="020B0604020202020204" pitchFamily="34" charset="0"/>
+                <a:ea typeface="Arial Unicode MS" panose="020B0604020202020204" pitchFamily="34" charset="-128"/>
+                <a:cs typeface="Arial Black" panose="020B0604020202020204" pitchFamily="34" charset="0"/>
+                <a:sym typeface="+mn-lt"/>
+              </a:rPr>
+              <a:t>UML</a:t>
+            </a:r>
+            <a:endParaRPr kumimoji="1" lang="zh-CN" altLang="en-US" sz="3667" dirty="0">
+              <a:solidFill>
+                <a:srgbClr val="002060"/>
+              </a:solidFill>
+              <a:latin typeface="Arial Black" panose="020B0604020202020204" pitchFamily="34" charset="0"/>
+              <a:ea typeface="Arial Unicode MS" panose="020B0604020202020204" pitchFamily="34" charset="-128"/>
+              <a:cs typeface="Arial Black" panose="020B0604020202020204" pitchFamily="34" charset="0"/>
+              <a:sym typeface="+mn-lt"/>
+            </a:endParaRPr>
+          </a:p>
+        </p:txBody>
+      </p:sp>
+      <p:sp>
+        <p:nvSpPr>
+          <p:cNvPr id="25" name="半框架 24">
+            <a:extLst>
+              <a:ext uri="{FF2B5EF4-FFF2-40B4-BE49-F238E27FC236}">
+                <a16:creationId xmlns:a16="http://schemas.microsoft.com/office/drawing/2014/main" id="{6412D92E-0B00-9AD0-0B14-FEE41EDF1F08}"/>
+              </a:ext>
+            </a:extLst>
+          </p:cNvPr>
+          <p:cNvSpPr/>
+          <p:nvPr/>
+        </p:nvSpPr>
+        <p:spPr>
+          <a:xfrm>
+            <a:off x="0" y="1"/>
+            <a:ext cx="1395663" cy="1275347"/>
+          </a:xfrm>
+          <a:prstGeom prst="halfFrame">
+            <a:avLst>
+              <a:gd name="adj1" fmla="val 8886"/>
+              <a:gd name="adj2" fmla="val 8978"/>
+            </a:avLst>
+          </a:prstGeom>
+          <a:solidFill>
+            <a:schemeClr val="accent4">
+              <a:lumMod val="60000"/>
+              <a:lumOff val="40000"/>
+              <a:alpha val="78824"/>
+            </a:schemeClr>
+          </a:solidFill>
+          <a:ln>
+            <a:noFill/>
+          </a:ln>
+        </p:spPr>
+        <p:style>
+          <a:lnRef idx="2">
+            <a:schemeClr val="accent1">
+              <a:shade val="50000"/>
+            </a:schemeClr>
+          </a:lnRef>
+          <a:fillRef idx="1">
+            <a:schemeClr val="accent1"/>
+          </a:fillRef>
+          <a:effectRef idx="0">
+            <a:schemeClr val="accent1"/>
+          </a:effectRef>
+          <a:fontRef idx="minor">
+            <a:schemeClr val="lt1"/>
+          </a:fontRef>
+        </p:style>
+        <p:txBody>
+          <a:bodyPr rtlCol="0" anchor="ctr"/>
+          <a:lstStyle/>
+          <a:p>
+            <a:pPr algn="ctr"/>
+            <a:endParaRPr kumimoji="1" lang="zh-TW" altLang="en-US">
+              <a:solidFill>
+                <a:schemeClr val="tx1"/>
+              </a:solidFill>
+            </a:endParaRPr>
+          </a:p>
+        </p:txBody>
+      </p:sp>
+      <p:sp>
+        <p:nvSpPr>
+          <p:cNvPr id="27" name="半框架 26">
+            <a:extLst>
+              <a:ext uri="{FF2B5EF4-FFF2-40B4-BE49-F238E27FC236}">
+                <a16:creationId xmlns:a16="http://schemas.microsoft.com/office/drawing/2014/main" id="{170A1DFF-ABED-9637-7D3A-7E60B73C8AB0}"/>
+              </a:ext>
+            </a:extLst>
+          </p:cNvPr>
+          <p:cNvSpPr/>
+          <p:nvPr/>
+        </p:nvSpPr>
+        <p:spPr>
+          <a:xfrm rot="10800000">
+            <a:off x="10796338" y="5582653"/>
+            <a:ext cx="1395663" cy="1275347"/>
+          </a:xfrm>
+          <a:prstGeom prst="halfFrame">
+            <a:avLst>
+              <a:gd name="adj1" fmla="val 8886"/>
+              <a:gd name="adj2" fmla="val 8978"/>
+            </a:avLst>
+          </a:prstGeom>
+          <a:solidFill>
+            <a:schemeClr val="accent4">
+              <a:lumMod val="60000"/>
+              <a:lumOff val="40000"/>
+              <a:alpha val="78824"/>
+            </a:schemeClr>
+          </a:solidFill>
+          <a:ln>
+            <a:noFill/>
+          </a:ln>
+        </p:spPr>
+        <p:style>
+          <a:lnRef idx="2">
+            <a:schemeClr val="accent1">
+              <a:shade val="50000"/>
+            </a:schemeClr>
+          </a:lnRef>
+          <a:fillRef idx="1">
+            <a:schemeClr val="accent1"/>
+          </a:fillRef>
+          <a:effectRef idx="0">
+            <a:schemeClr val="accent1"/>
+          </a:effectRef>
+          <a:fontRef idx="minor">
+            <a:schemeClr val="lt1"/>
+          </a:fontRef>
+        </p:style>
+        <p:txBody>
+          <a:bodyPr rtlCol="0" anchor="ctr"/>
+          <a:lstStyle/>
+          <a:p>
+            <a:pPr algn="ctr"/>
+            <a:endParaRPr kumimoji="1" lang="zh-TW" altLang="en-US">
+              <a:solidFill>
+                <a:schemeClr val="tx1"/>
+              </a:solidFill>
+            </a:endParaRPr>
+          </a:p>
+        </p:txBody>
+      </p:sp>
+      <p:sp>
+        <p:nvSpPr>
+          <p:cNvPr id="26" name="文字方塊 25">
+            <a:extLst>
+              <a:ext uri="{FF2B5EF4-FFF2-40B4-BE49-F238E27FC236}">
+                <a16:creationId xmlns:a16="http://schemas.microsoft.com/office/drawing/2014/main" id="{B7F6B8A8-0020-C104-F600-97F7644DD490}"/>
+              </a:ext>
+            </a:extLst>
+          </p:cNvPr>
+          <p:cNvSpPr txBox="1"/>
+          <p:nvPr/>
+        </p:nvSpPr>
+        <p:spPr>
+          <a:xfrm>
+            <a:off x="1191430" y="774505"/>
+            <a:ext cx="9809139" cy="500843"/>
+          </a:xfrm>
+          <a:prstGeom prst="rect">
+            <a:avLst/>
+          </a:prstGeom>
+          <a:noFill/>
+        </p:spPr>
+        <p:txBody>
+          <a:bodyPr wrap="square">
+            <a:spAutoFit/>
+          </a:bodyPr>
+          <a:lstStyle/>
           <a:p>
             <a:pPr algn="l">
               <a:lnSpc>
@@ -5008,35 +6491,298 @@
               <a:buChar char="•"/>
             </a:pPr>
             <a:r>
-              <a:rPr lang="zh-TW" altLang="en-US" sz="2000" b="1" i="0" u="none" strike="noStrike" dirty="0">
-                <a:solidFill>
-                  <a:srgbClr val="000000"/>
-                </a:solidFill>
-                <a:effectLst/>
-                <a:latin typeface="Arial Unicode MS" panose="020B0604020202020204" pitchFamily="34" charset="-128"/>
-                <a:ea typeface="Arial Unicode MS" panose="020B0604020202020204" pitchFamily="34" charset="-128"/>
-                <a:cs typeface="Arial Unicode MS" panose="020B0604020202020204" pitchFamily="34" charset="-128"/>
-              </a:rPr>
-              <a:t>序列圖（</a:t>
-            </a:r>
-            <a:r>
-              <a:rPr lang="en" altLang="zh-TW" sz="2000" b="1" i="0" u="none" strike="noStrike" dirty="0">
-                <a:solidFill>
-                  <a:srgbClr val="000000"/>
-                </a:solidFill>
-                <a:effectLst/>
-                <a:latin typeface="Arial Unicode MS" panose="020B0604020202020204" pitchFamily="34" charset="-128"/>
-                <a:ea typeface="Arial Unicode MS" panose="020B0604020202020204" pitchFamily="34" charset="-128"/>
-                <a:cs typeface="Arial Unicode MS" panose="020B0604020202020204" pitchFamily="34" charset="-128"/>
-              </a:rPr>
-              <a:t>Sequence Diagram</a:t>
-            </a:r>
-            <a:r>
-              <a:rPr lang="zh-TW" altLang="en" sz="2000" b="1" i="0" u="none" strike="noStrike" dirty="0">
-                <a:solidFill>
-                  <a:srgbClr val="000000"/>
-                </a:solidFill>
-                <a:effectLst/>
+              <a:rPr lang="zh-TW" altLang="en-US" sz="2000" b="1" dirty="0">
+                <a:solidFill>
+                  <a:srgbClr val="000000"/>
+                </a:solidFill>
+                <a:latin typeface="Arial Unicode MS" panose="020B0604020202020204" pitchFamily="34" charset="-128"/>
+                <a:ea typeface="Arial Unicode MS" panose="020B0604020202020204" pitchFamily="34" charset="-128"/>
+                <a:cs typeface="Arial Unicode MS" panose="020B0604020202020204" pitchFamily="34" charset="-128"/>
+              </a:rPr>
+              <a:t>類別圖描述系統中有哪些類別（物件的模板），以及這些類別之間的關係</a:t>
+            </a:r>
+          </a:p>
+        </p:txBody>
+      </p:sp>
+      <p:pic>
+        <p:nvPicPr>
+          <p:cNvPr id="2" name="圖片 1">
+            <a:extLst>
+              <a:ext uri="{FF2B5EF4-FFF2-40B4-BE49-F238E27FC236}">
+                <a16:creationId xmlns:a16="http://schemas.microsoft.com/office/drawing/2014/main" id="{B73F7B8C-8D0F-E16F-4C67-0165CC1D230F}"/>
+              </a:ext>
+            </a:extLst>
+          </p:cNvPr>
+          <p:cNvPicPr>
+            <a:picLocks noChangeAspect="1"/>
+          </p:cNvPicPr>
+          <p:nvPr/>
+        </p:nvPicPr>
+        <p:blipFill>
+          <a:blip r:embed="rId3"/>
+          <a:srcRect/>
+          <a:stretch/>
+        </p:blipFill>
+        <p:spPr>
+          <a:xfrm>
+            <a:off x="439309" y="1340968"/>
+            <a:ext cx="4833089" cy="5379951"/>
+          </a:xfrm>
+          <a:prstGeom prst="rect">
+            <a:avLst/>
+          </a:prstGeom>
+        </p:spPr>
+      </p:pic>
+      <p:sp>
+        <p:nvSpPr>
+          <p:cNvPr id="4" name="文字方塊 3">
+            <a:extLst>
+              <a:ext uri="{FF2B5EF4-FFF2-40B4-BE49-F238E27FC236}">
+                <a16:creationId xmlns:a16="http://schemas.microsoft.com/office/drawing/2014/main" id="{352BE26E-C5BB-A9F8-D536-E4173ED45F87}"/>
+              </a:ext>
+            </a:extLst>
+          </p:cNvPr>
+          <p:cNvSpPr txBox="1"/>
+          <p:nvPr/>
+        </p:nvSpPr>
+        <p:spPr>
+          <a:xfrm>
+            <a:off x="5409762" y="1802294"/>
+            <a:ext cx="6528124" cy="3933128"/>
+          </a:xfrm>
+          <a:prstGeom prst="rect">
+            <a:avLst/>
+          </a:prstGeom>
+          <a:noFill/>
+        </p:spPr>
+        <p:txBody>
+          <a:bodyPr wrap="square">
+            <a:spAutoFit/>
+          </a:bodyPr>
+          <a:lstStyle/>
+          <a:p>
+            <a:pPr indent="0" algn="l">
+              <a:lnSpc>
+                <a:spcPct val="150000"/>
+              </a:lnSpc>
+              <a:buNone/>
+            </a:pPr>
+            <a:r>
+              <a:rPr lang="zh-TW" altLang="en-US" sz="1400" dirty="0">
+                <a:solidFill>
+                  <a:srgbClr val="000000"/>
+                </a:solidFill>
+                <a:latin typeface="Arial Unicode MS" panose="020B0604020202020204" pitchFamily="34" charset="-128"/>
+                <a:ea typeface="Arial Unicode MS" panose="020B0604020202020204" pitchFamily="34" charset="-128"/>
+                <a:cs typeface="Arial Unicode MS" panose="020B0604020202020204" pitchFamily="34" charset="-128"/>
+              </a:rPr>
+              <a:t>活動圖的主要組成部分</a:t>
+            </a:r>
+          </a:p>
+          <a:p>
+            <a:pPr indent="0" algn="l">
+              <a:lnSpc>
+                <a:spcPct val="150000"/>
+              </a:lnSpc>
+              <a:buNone/>
+            </a:pPr>
+            <a:r>
+              <a:rPr lang="en-US" altLang="zh-TW" sz="1400" dirty="0">
+                <a:solidFill>
+                  <a:srgbClr val="000000"/>
+                </a:solidFill>
+                <a:latin typeface="Arial Unicode MS" panose="020B0604020202020204" pitchFamily="34" charset="-128"/>
+                <a:ea typeface="Arial Unicode MS" panose="020B0604020202020204" pitchFamily="34" charset="-128"/>
+                <a:cs typeface="Arial Unicode MS" panose="020B0604020202020204" pitchFamily="34" charset="-128"/>
+              </a:rPr>
+              <a:t>1.</a:t>
+            </a:r>
+            <a:r>
+              <a:rPr lang="zh-TW" altLang="en-US" sz="1400" dirty="0">
+                <a:solidFill>
+                  <a:srgbClr val="000000"/>
+                </a:solidFill>
+                <a:latin typeface="Arial Unicode MS" panose="020B0604020202020204" pitchFamily="34" charset="-128"/>
+                <a:ea typeface="Arial Unicode MS" panose="020B0604020202020204" pitchFamily="34" charset="-128"/>
+                <a:cs typeface="Arial Unicode MS" panose="020B0604020202020204" pitchFamily="34" charset="-128"/>
+              </a:rPr>
+              <a:t>活動（</a:t>
+            </a:r>
+            <a:r>
+              <a:rPr lang="en" altLang="zh-TW" sz="1400" dirty="0">
+                <a:solidFill>
+                  <a:srgbClr val="000000"/>
+                </a:solidFill>
+                <a:latin typeface="Arial Unicode MS" panose="020B0604020202020204" pitchFamily="34" charset="-128"/>
+                <a:ea typeface="Arial Unicode MS" panose="020B0604020202020204" pitchFamily="34" charset="-128"/>
+                <a:cs typeface="Arial Unicode MS" panose="020B0604020202020204" pitchFamily="34" charset="-128"/>
+              </a:rPr>
+              <a:t>Actions</a:t>
+            </a:r>
+            <a:r>
+              <a:rPr lang="zh-TW" altLang="en" sz="1400" dirty="0">
+                <a:solidFill>
+                  <a:srgbClr val="000000"/>
+                </a:solidFill>
+                <a:latin typeface="Arial Unicode MS" panose="020B0604020202020204" pitchFamily="34" charset="-128"/>
+                <a:ea typeface="Arial Unicode MS" panose="020B0604020202020204" pitchFamily="34" charset="-128"/>
+                <a:cs typeface="Arial Unicode MS" panose="020B0604020202020204" pitchFamily="34" charset="-128"/>
+              </a:rPr>
+              <a:t>）：</a:t>
+            </a:r>
+            <a:r>
+              <a:rPr lang="zh-TW" altLang="en-US" sz="1400" dirty="0">
+                <a:solidFill>
+                  <a:srgbClr val="000000"/>
+                </a:solidFill>
+                <a:latin typeface="Arial Unicode MS" panose="020B0604020202020204" pitchFamily="34" charset="-128"/>
+                <a:ea typeface="Arial Unicode MS" panose="020B0604020202020204" pitchFamily="34" charset="-128"/>
+                <a:cs typeface="Arial Unicode MS" panose="020B0604020202020204" pitchFamily="34" charset="-128"/>
+              </a:rPr>
+              <a:t>代表系統或業務流程中的一個操作步驟或任務。活動之間透過控制流連接。</a:t>
+            </a:r>
+          </a:p>
+          <a:p>
+            <a:pPr indent="0" algn="l">
+              <a:lnSpc>
+                <a:spcPct val="150000"/>
+              </a:lnSpc>
+              <a:buNone/>
+            </a:pPr>
+            <a:r>
+              <a:rPr lang="en-US" altLang="zh-TW" sz="1400" dirty="0">
+                <a:solidFill>
+                  <a:srgbClr val="000000"/>
+                </a:solidFill>
+                <a:latin typeface="Arial Unicode MS" panose="020B0604020202020204" pitchFamily="34" charset="-128"/>
+                <a:ea typeface="Arial Unicode MS" panose="020B0604020202020204" pitchFamily="34" charset="-128"/>
+                <a:cs typeface="Arial Unicode MS" panose="020B0604020202020204" pitchFamily="34" charset="-128"/>
+              </a:rPr>
+              <a:t>2.</a:t>
+            </a:r>
+            <a:r>
+              <a:rPr lang="zh-TW" altLang="en-US" sz="1400" dirty="0">
+                <a:solidFill>
+                  <a:srgbClr val="000000"/>
+                </a:solidFill>
+                <a:latin typeface="Arial Unicode MS" panose="020B0604020202020204" pitchFamily="34" charset="-128"/>
+                <a:ea typeface="Arial Unicode MS" panose="020B0604020202020204" pitchFamily="34" charset="-128"/>
+                <a:cs typeface="Arial Unicode MS" panose="020B0604020202020204" pitchFamily="34" charset="-128"/>
+              </a:rPr>
+              <a:t>控制流程（</a:t>
+            </a:r>
+            <a:r>
+              <a:rPr lang="en" altLang="zh-TW" sz="1400" dirty="0">
+                <a:solidFill>
+                  <a:srgbClr val="000000"/>
+                </a:solidFill>
+                <a:latin typeface="Arial Unicode MS" panose="020B0604020202020204" pitchFamily="34" charset="-128"/>
+                <a:ea typeface="Arial Unicode MS" panose="020B0604020202020204" pitchFamily="34" charset="-128"/>
+                <a:cs typeface="Arial Unicode MS" panose="020B0604020202020204" pitchFamily="34" charset="-128"/>
+              </a:rPr>
+              <a:t>Control Flows</a:t>
+            </a:r>
+            <a:r>
+              <a:rPr lang="zh-TW" altLang="en" sz="1400" dirty="0">
+                <a:solidFill>
+                  <a:srgbClr val="000000"/>
+                </a:solidFill>
+                <a:latin typeface="Arial Unicode MS" panose="020B0604020202020204" pitchFamily="34" charset="-128"/>
+                <a:ea typeface="Arial Unicode MS" panose="020B0604020202020204" pitchFamily="34" charset="-128"/>
+                <a:cs typeface="Arial Unicode MS" panose="020B0604020202020204" pitchFamily="34" charset="-128"/>
+              </a:rPr>
+              <a:t>）：</a:t>
+            </a:r>
+            <a:r>
+              <a:rPr lang="zh-TW" altLang="en-US" sz="1400" dirty="0">
+                <a:solidFill>
+                  <a:srgbClr val="000000"/>
+                </a:solidFill>
+                <a:latin typeface="Arial Unicode MS" panose="020B0604020202020204" pitchFamily="34" charset="-128"/>
+                <a:ea typeface="Arial Unicode MS" panose="020B0604020202020204" pitchFamily="34" charset="-128"/>
+                <a:cs typeface="Arial Unicode MS" panose="020B0604020202020204" pitchFamily="34" charset="-128"/>
+              </a:rPr>
+              <a:t>箭頭表示從一個活動到另一個活動的流程。控制流可以是單向的，也可以是帶有條件分支的，也可以表示循環或併發。</a:t>
+            </a:r>
+          </a:p>
+          <a:p>
+            <a:pPr indent="0" algn="l">
+              <a:lnSpc>
+                <a:spcPct val="150000"/>
+              </a:lnSpc>
+              <a:buNone/>
+            </a:pPr>
+            <a:r>
+              <a:rPr lang="en-US" altLang="zh-TW" sz="1400" dirty="0">
+                <a:solidFill>
+                  <a:srgbClr val="000000"/>
+                </a:solidFill>
+                <a:latin typeface="Arial Unicode MS" panose="020B0604020202020204" pitchFamily="34" charset="-128"/>
+                <a:ea typeface="Arial Unicode MS" panose="020B0604020202020204" pitchFamily="34" charset="-128"/>
+                <a:cs typeface="Arial Unicode MS" panose="020B0604020202020204" pitchFamily="34" charset="-128"/>
+              </a:rPr>
+              <a:t>3.</a:t>
+            </a:r>
+            <a:r>
+              <a:rPr lang="zh-TW" altLang="en-US" sz="1400" dirty="0">
+                <a:solidFill>
+                  <a:srgbClr val="000000"/>
+                </a:solidFill>
+                <a:latin typeface="Arial Unicode MS" panose="020B0604020202020204" pitchFamily="34" charset="-128"/>
+                <a:ea typeface="Arial Unicode MS" panose="020B0604020202020204" pitchFamily="34" charset="-128"/>
+                <a:cs typeface="Arial Unicode MS" panose="020B0604020202020204" pitchFamily="34" charset="-128"/>
+              </a:rPr>
+              <a:t>決策點（</a:t>
+            </a:r>
+            <a:r>
+              <a:rPr lang="en" altLang="zh-TW" sz="1400" dirty="0">
+                <a:solidFill>
+                  <a:srgbClr val="000000"/>
+                </a:solidFill>
+                <a:latin typeface="Arial Unicode MS" panose="020B0604020202020204" pitchFamily="34" charset="-128"/>
+                <a:ea typeface="Arial Unicode MS" panose="020B0604020202020204" pitchFamily="34" charset="-128"/>
+                <a:cs typeface="Arial Unicode MS" panose="020B0604020202020204" pitchFamily="34" charset="-128"/>
+              </a:rPr>
+              <a:t>Decision Points</a:t>
+            </a:r>
+            <a:r>
+              <a:rPr lang="zh-TW" altLang="en" sz="1400" dirty="0">
+                <a:solidFill>
+                  <a:srgbClr val="000000"/>
+                </a:solidFill>
+                <a:latin typeface="Arial Unicode MS" panose="020B0604020202020204" pitchFamily="34" charset="-128"/>
+                <a:ea typeface="Arial Unicode MS" panose="020B0604020202020204" pitchFamily="34" charset="-128"/>
+                <a:cs typeface="Arial Unicode MS" panose="020B0604020202020204" pitchFamily="34" charset="-128"/>
+              </a:rPr>
+              <a:t>）：</a:t>
+            </a:r>
+            <a:r>
+              <a:rPr lang="zh-TW" altLang="en-US" sz="1400" dirty="0">
+                <a:solidFill>
+                  <a:srgbClr val="000000"/>
+                </a:solidFill>
+                <a:latin typeface="Arial Unicode MS" panose="020B0604020202020204" pitchFamily="34" charset="-128"/>
+                <a:ea typeface="Arial Unicode MS" panose="020B0604020202020204" pitchFamily="34" charset="-128"/>
+                <a:cs typeface="Arial Unicode MS" panose="020B0604020202020204" pitchFamily="34" charset="-128"/>
+              </a:rPr>
+              <a:t>包括分支（</a:t>
+            </a:r>
+            <a:r>
+              <a:rPr lang="en" altLang="zh-TW" sz="1400" dirty="0">
+                <a:solidFill>
+                  <a:srgbClr val="000000"/>
+                </a:solidFill>
+                <a:latin typeface="Arial Unicode MS" panose="020B0604020202020204" pitchFamily="34" charset="-128"/>
+                <a:ea typeface="Arial Unicode MS" panose="020B0604020202020204" pitchFamily="34" charset="-128"/>
+                <a:cs typeface="Arial Unicode MS" panose="020B0604020202020204" pitchFamily="34" charset="-128"/>
+              </a:rPr>
+              <a:t>Fork</a:t>
+            </a:r>
+            <a:r>
+              <a:rPr lang="zh-TW" altLang="en" sz="1400" dirty="0">
+                <a:solidFill>
+                  <a:srgbClr val="000000"/>
+                </a:solidFill>
                 <a:latin typeface="Arial Unicode MS" panose="020B0604020202020204" pitchFamily="34" charset="-128"/>
                 <a:ea typeface="Arial Unicode MS" panose="020B0604020202020204" pitchFamily="34" charset="-128"/>
                 <a:cs typeface="Arial Unicode MS" panose="020B0604020202020204" pitchFamily="34" charset="-128"/>
@@ -5044,30 +6790,477 @@
               <a:t>）</a:t>
             </a:r>
             <a:r>
-              <a:rPr lang="zh-TW" altLang="en" sz="2000" b="0" i="0" u="none" strike="noStrike" dirty="0">
-                <a:solidFill>
-                  <a:srgbClr val="000000"/>
-                </a:solidFill>
-                <a:effectLst/>
-                <a:latin typeface="Arial Unicode MS" panose="020B0604020202020204" pitchFamily="34" charset="-128"/>
-                <a:ea typeface="Arial Unicode MS" panose="020B0604020202020204" pitchFamily="34" charset="-128"/>
-                <a:cs typeface="Arial Unicode MS" panose="020B0604020202020204" pitchFamily="34" charset="-128"/>
-              </a:rPr>
-              <a:t>：</a:t>
-            </a:r>
-            <a:r>
-              <a:rPr lang="zh-TW" altLang="en-US" sz="2000" b="0" i="0" u="none" strike="noStrike" dirty="0">
-                <a:solidFill>
-                  <a:srgbClr val="000000"/>
-                </a:solidFill>
-                <a:effectLst/>
-                <a:latin typeface="Arial Unicode MS" panose="020B0604020202020204" pitchFamily="34" charset="-128"/>
-                <a:ea typeface="Arial Unicode MS" panose="020B0604020202020204" pitchFamily="34" charset="-128"/>
-                <a:cs typeface="Arial Unicode MS" panose="020B0604020202020204" pitchFamily="34" charset="-128"/>
-              </a:rPr>
-              <a:t>描述物件之間的互動流程。</a:t>
-            </a:r>
-          </a:p>
+              <a:rPr lang="zh-TW" altLang="en-US" sz="1400" dirty="0">
+                <a:solidFill>
+                  <a:srgbClr val="000000"/>
+                </a:solidFill>
+                <a:latin typeface="Arial Unicode MS" panose="020B0604020202020204" pitchFamily="34" charset="-128"/>
+                <a:ea typeface="Arial Unicode MS" panose="020B0604020202020204" pitchFamily="34" charset="-128"/>
+                <a:cs typeface="Arial Unicode MS" panose="020B0604020202020204" pitchFamily="34" charset="-128"/>
+              </a:rPr>
+              <a:t>和合併（</a:t>
+            </a:r>
+            <a:r>
+              <a:rPr lang="en" altLang="zh-TW" sz="1400" dirty="0">
+                <a:solidFill>
+                  <a:srgbClr val="000000"/>
+                </a:solidFill>
+                <a:latin typeface="Arial Unicode MS" panose="020B0604020202020204" pitchFamily="34" charset="-128"/>
+                <a:ea typeface="Arial Unicode MS" panose="020B0604020202020204" pitchFamily="34" charset="-128"/>
+                <a:cs typeface="Arial Unicode MS" panose="020B0604020202020204" pitchFamily="34" charset="-128"/>
+              </a:rPr>
+              <a:t>Join</a:t>
+            </a:r>
+            <a:r>
+              <a:rPr lang="zh-TW" altLang="en" sz="1400" dirty="0">
+                <a:solidFill>
+                  <a:srgbClr val="000000"/>
+                </a:solidFill>
+                <a:latin typeface="Arial Unicode MS" panose="020B0604020202020204" pitchFamily="34" charset="-128"/>
+                <a:ea typeface="Arial Unicode MS" panose="020B0604020202020204" pitchFamily="34" charset="-128"/>
+                <a:cs typeface="Arial Unicode MS" panose="020B0604020202020204" pitchFamily="34" charset="-128"/>
+              </a:rPr>
+              <a:t>）。</a:t>
+            </a:r>
+            <a:r>
+              <a:rPr lang="zh-TW" altLang="en-US" sz="1400" dirty="0">
+                <a:solidFill>
+                  <a:srgbClr val="000000"/>
+                </a:solidFill>
+                <a:latin typeface="Arial Unicode MS" panose="020B0604020202020204" pitchFamily="34" charset="-128"/>
+                <a:ea typeface="Arial Unicode MS" panose="020B0604020202020204" pitchFamily="34" charset="-128"/>
+                <a:cs typeface="Arial Unicode MS" panose="020B0604020202020204" pitchFamily="34" charset="-128"/>
+              </a:rPr>
+              <a:t>分支用於表示並行活動的開始，而合併用於表示並行活動的結束。</a:t>
+            </a:r>
+          </a:p>
+          <a:p>
+            <a:pPr indent="0" algn="l">
+              <a:lnSpc>
+                <a:spcPct val="150000"/>
+              </a:lnSpc>
+              <a:buNone/>
+            </a:pPr>
+            <a:r>
+              <a:rPr lang="en-US" altLang="zh-TW" sz="1400" dirty="0">
+                <a:solidFill>
+                  <a:srgbClr val="000000"/>
+                </a:solidFill>
+                <a:latin typeface="Arial Unicode MS" panose="020B0604020202020204" pitchFamily="34" charset="-128"/>
+                <a:ea typeface="Arial Unicode MS" panose="020B0604020202020204" pitchFamily="34" charset="-128"/>
+                <a:cs typeface="Arial Unicode MS" panose="020B0604020202020204" pitchFamily="34" charset="-128"/>
+              </a:rPr>
+              <a:t>4.</a:t>
+            </a:r>
+            <a:r>
+              <a:rPr lang="zh-TW" altLang="en-US" sz="1400" dirty="0">
+                <a:solidFill>
+                  <a:srgbClr val="000000"/>
+                </a:solidFill>
+                <a:latin typeface="Arial Unicode MS" panose="020B0604020202020204" pitchFamily="34" charset="-128"/>
+                <a:ea typeface="Arial Unicode MS" panose="020B0604020202020204" pitchFamily="34" charset="-128"/>
+                <a:cs typeface="Arial Unicode MS" panose="020B0604020202020204" pitchFamily="34" charset="-128"/>
+              </a:rPr>
+              <a:t>泳道（</a:t>
+            </a:r>
+            <a:r>
+              <a:rPr lang="en" altLang="zh-TW" sz="1400" dirty="0" err="1">
+                <a:solidFill>
+                  <a:srgbClr val="000000"/>
+                </a:solidFill>
+                <a:latin typeface="Arial Unicode MS" panose="020B0604020202020204" pitchFamily="34" charset="-128"/>
+                <a:ea typeface="Arial Unicode MS" panose="020B0604020202020204" pitchFamily="34" charset="-128"/>
+                <a:cs typeface="Arial Unicode MS" panose="020B0604020202020204" pitchFamily="34" charset="-128"/>
+              </a:rPr>
+              <a:t>Swimlanes</a:t>
+            </a:r>
+            <a:r>
+              <a:rPr lang="zh-TW" altLang="en" sz="1400" dirty="0">
+                <a:solidFill>
+                  <a:srgbClr val="000000"/>
+                </a:solidFill>
+                <a:latin typeface="Arial Unicode MS" panose="020B0604020202020204" pitchFamily="34" charset="-128"/>
+                <a:ea typeface="Arial Unicode MS" panose="020B0604020202020204" pitchFamily="34" charset="-128"/>
+                <a:cs typeface="Arial Unicode MS" panose="020B0604020202020204" pitchFamily="34" charset="-128"/>
+              </a:rPr>
+              <a:t>）：</a:t>
+            </a:r>
+            <a:r>
+              <a:rPr lang="zh-TW" altLang="en-US" sz="1400" dirty="0">
+                <a:solidFill>
+                  <a:srgbClr val="000000"/>
+                </a:solidFill>
+                <a:latin typeface="Arial Unicode MS" panose="020B0604020202020204" pitchFamily="34" charset="-128"/>
+                <a:ea typeface="Arial Unicode MS" panose="020B0604020202020204" pitchFamily="34" charset="-128"/>
+                <a:cs typeface="Arial Unicode MS" panose="020B0604020202020204" pitchFamily="34" charset="-128"/>
+              </a:rPr>
+              <a:t>將活動圖劃分為不同的邏輯區域，每個區域代表不同的參與者（如使用者、系統或子系統），有助於理解不同實體在過程中的角色和責任。</a:t>
+            </a:r>
+          </a:p>
+          <a:p>
+            <a:pPr indent="0" algn="l">
+              <a:lnSpc>
+                <a:spcPct val="150000"/>
+              </a:lnSpc>
+              <a:buNone/>
+            </a:pPr>
+            <a:r>
+              <a:rPr lang="en-US" altLang="zh-TW" sz="1400" dirty="0">
+                <a:solidFill>
+                  <a:srgbClr val="000000"/>
+                </a:solidFill>
+                <a:latin typeface="Arial Unicode MS" panose="020B0604020202020204" pitchFamily="34" charset="-128"/>
+                <a:ea typeface="Arial Unicode MS" panose="020B0604020202020204" pitchFamily="34" charset="-128"/>
+                <a:cs typeface="Arial Unicode MS" panose="020B0604020202020204" pitchFamily="34" charset="-128"/>
+              </a:rPr>
+              <a:t>5.</a:t>
+            </a:r>
+            <a:r>
+              <a:rPr lang="zh-TW" altLang="en-US" sz="1400" dirty="0">
+                <a:solidFill>
+                  <a:srgbClr val="000000"/>
+                </a:solidFill>
+                <a:latin typeface="Arial Unicode MS" panose="020B0604020202020204" pitchFamily="34" charset="-128"/>
+                <a:ea typeface="Arial Unicode MS" panose="020B0604020202020204" pitchFamily="34" charset="-128"/>
+                <a:cs typeface="Arial Unicode MS" panose="020B0604020202020204" pitchFamily="34" charset="-128"/>
+              </a:rPr>
+              <a:t>開始和結束點：分別表示活動圖的起點和終點。</a:t>
+            </a:r>
+          </a:p>
+          <a:p>
+            <a:pPr indent="0" algn="l">
+              <a:lnSpc>
+                <a:spcPct val="150000"/>
+              </a:lnSpc>
+            </a:pPr>
+            <a:r>
+              <a:rPr lang="en-US" altLang="zh-TW" sz="1400" dirty="0">
+                <a:solidFill>
+                  <a:srgbClr val="000000"/>
+                </a:solidFill>
+                <a:latin typeface="Arial Unicode MS" panose="020B0604020202020204" pitchFamily="34" charset="-128"/>
+                <a:ea typeface="Arial Unicode MS" panose="020B0604020202020204" pitchFamily="34" charset="-128"/>
+                <a:cs typeface="Arial Unicode MS" panose="020B0604020202020204" pitchFamily="34" charset="-128"/>
+              </a:rPr>
+              <a:t>6.</a:t>
+            </a:r>
+            <a:r>
+              <a:rPr lang="zh-TW" altLang="en-US" sz="1400" dirty="0">
+                <a:solidFill>
+                  <a:srgbClr val="000000"/>
+                </a:solidFill>
+                <a:latin typeface="Arial Unicode MS" panose="020B0604020202020204" pitchFamily="34" charset="-128"/>
+                <a:ea typeface="Arial Unicode MS" panose="020B0604020202020204" pitchFamily="34" charset="-128"/>
+                <a:cs typeface="Arial Unicode MS" panose="020B0604020202020204" pitchFamily="34" charset="-128"/>
+              </a:rPr>
+              <a:t>物件流（</a:t>
+            </a:r>
+            <a:r>
+              <a:rPr lang="en" altLang="zh-TW" sz="1400" dirty="0">
+                <a:solidFill>
+                  <a:srgbClr val="000000"/>
+                </a:solidFill>
+                <a:latin typeface="Arial Unicode MS" panose="020B0604020202020204" pitchFamily="34" charset="-128"/>
+                <a:ea typeface="Arial Unicode MS" panose="020B0604020202020204" pitchFamily="34" charset="-128"/>
+                <a:cs typeface="Arial Unicode MS" panose="020B0604020202020204" pitchFamily="34" charset="-128"/>
+              </a:rPr>
+              <a:t>Object Flows</a:t>
+            </a:r>
+            <a:r>
+              <a:rPr lang="zh-TW" altLang="en" sz="1400" dirty="0">
+                <a:solidFill>
+                  <a:srgbClr val="000000"/>
+                </a:solidFill>
+                <a:latin typeface="Arial Unicode MS" panose="020B0604020202020204" pitchFamily="34" charset="-128"/>
+                <a:ea typeface="Arial Unicode MS" panose="020B0604020202020204" pitchFamily="34" charset="-128"/>
+                <a:cs typeface="Arial Unicode MS" panose="020B0604020202020204" pitchFamily="34" charset="-128"/>
+              </a:rPr>
+              <a:t>）：</a:t>
+            </a:r>
+            <a:r>
+              <a:rPr lang="zh-TW" altLang="en-US" sz="1400" dirty="0">
+                <a:solidFill>
+                  <a:srgbClr val="000000"/>
+                </a:solidFill>
+                <a:latin typeface="Arial Unicode MS" panose="020B0604020202020204" pitchFamily="34" charset="-128"/>
+                <a:ea typeface="Arial Unicode MS" panose="020B0604020202020204" pitchFamily="34" charset="-128"/>
+                <a:cs typeface="Arial Unicode MS" panose="020B0604020202020204" pitchFamily="34" charset="-128"/>
+              </a:rPr>
+              <a:t>雖然活動圖主要關注流程控制，但也可以表示物件或資料的流動，尤其是在物件之間傳遞資料時。</a:t>
+            </a:r>
+          </a:p>
+        </p:txBody>
+      </p:sp>
+    </p:spTree>
+    <p:extLst>
+      <p:ext uri="{BB962C8B-B14F-4D97-AF65-F5344CB8AC3E}">
+        <p14:creationId xmlns:p14="http://schemas.microsoft.com/office/powerpoint/2010/main" val="3348728122"/>
+      </p:ext>
+    </p:extLst>
+  </p:cSld>
+  <p:clrMapOvr>
+    <a:masterClrMapping/>
+  </p:clrMapOvr>
+  <p:transition spd="med">
+    <p:pull/>
+  </p:transition>
+</p:sld>
+</file>
+
+<file path=ppt/slides/slide5.xml><?xml version="1.0" encoding="utf-8"?>
+<p:sld xmlns:a="http://schemas.openxmlformats.org/drawingml/2006/main" xmlns:r="http://schemas.openxmlformats.org/officeDocument/2006/relationships" xmlns:p="http://schemas.openxmlformats.org/presentationml/2006/main">
+  <p:cSld>
+    <p:spTree>
+      <p:nvGrpSpPr>
+        <p:cNvPr id="1" name="">
+          <a:extLst>
+            <a:ext uri="{FF2B5EF4-FFF2-40B4-BE49-F238E27FC236}">
+              <a16:creationId xmlns:a16="http://schemas.microsoft.com/office/drawing/2014/main" id="{CD9EBCA3-6E00-1C98-3297-86736C98F9FF}"/>
+            </a:ext>
+          </a:extLst>
+        </p:cNvPr>
+        <p:cNvGrpSpPr/>
+        <p:nvPr/>
+      </p:nvGrpSpPr>
+      <p:grpSpPr>
+        <a:xfrm>
+          <a:off x="0" y="0"/>
+          <a:ext cx="0" cy="0"/>
+          <a:chOff x="0" y="0"/>
+          <a:chExt cx="0" cy="0"/>
+        </a:xfrm>
+      </p:grpSpPr>
+      <p:sp>
+        <p:nvSpPr>
+          <p:cNvPr id="6" name="矩形: 圆角 1">
+            <a:extLst>
+              <a:ext uri="{FF2B5EF4-FFF2-40B4-BE49-F238E27FC236}">
+                <a16:creationId xmlns:a16="http://schemas.microsoft.com/office/drawing/2014/main" id="{B24D3E24-79D9-5B5B-089E-47C509CBDA7F}"/>
+              </a:ext>
+            </a:extLst>
+          </p:cNvPr>
+          <p:cNvSpPr/>
+          <p:nvPr/>
+        </p:nvSpPr>
+        <p:spPr>
+          <a:xfrm>
+            <a:off x="4124280" y="137081"/>
+            <a:ext cx="3943441" cy="623469"/>
+          </a:xfrm>
+          <a:prstGeom prst="roundRect">
+            <a:avLst>
+              <a:gd name="adj" fmla="val 31585"/>
+            </a:avLst>
+          </a:prstGeom>
+          <a:solidFill>
+            <a:schemeClr val="accent4">
+              <a:lumMod val="60000"/>
+              <a:lumOff val="40000"/>
+              <a:alpha val="78824"/>
+            </a:schemeClr>
+          </a:solidFill>
+          <a:ln>
+            <a:noFill/>
+          </a:ln>
+        </p:spPr>
+        <p:style>
+          <a:lnRef idx="2">
+            <a:schemeClr val="accent1">
+              <a:shade val="50000"/>
+            </a:schemeClr>
+          </a:lnRef>
+          <a:fillRef idx="1">
+            <a:schemeClr val="accent1"/>
+          </a:fillRef>
+          <a:effectRef idx="0">
+            <a:schemeClr val="accent1"/>
+          </a:effectRef>
+          <a:fontRef idx="minor">
+            <a:schemeClr val="lt1"/>
+          </a:fontRef>
+        </p:style>
+        <p:txBody>
+          <a:bodyPr rtlCol="0" anchor="ctr"/>
+          <a:lstStyle/>
+          <a:p>
+            <a:pPr algn="ctr" defTabSz="914363"/>
+            <a:r>
+              <a:rPr kumimoji="1" lang="en-US" altLang="zh-CN" sz="3667" dirty="0">
+                <a:solidFill>
+                  <a:srgbClr val="002060"/>
+                </a:solidFill>
+                <a:latin typeface="Arial Black" panose="020B0604020202020204" pitchFamily="34" charset="0"/>
+                <a:ea typeface="Arial Unicode MS" panose="020B0604020202020204" pitchFamily="34" charset="-128"/>
+                <a:cs typeface="Arial Black" panose="020B0604020202020204" pitchFamily="34" charset="0"/>
+                <a:sym typeface="+mn-lt"/>
+              </a:rPr>
+              <a:t>UML</a:t>
+            </a:r>
+            <a:endParaRPr kumimoji="1" lang="zh-CN" altLang="en-US" sz="3667" dirty="0">
+              <a:solidFill>
+                <a:srgbClr val="002060"/>
+              </a:solidFill>
+              <a:latin typeface="Arial Black" panose="020B0604020202020204" pitchFamily="34" charset="0"/>
+              <a:ea typeface="Arial Unicode MS" panose="020B0604020202020204" pitchFamily="34" charset="-128"/>
+              <a:cs typeface="Arial Black" panose="020B0604020202020204" pitchFamily="34" charset="0"/>
+              <a:sym typeface="+mn-lt"/>
+            </a:endParaRPr>
+          </a:p>
+        </p:txBody>
+      </p:sp>
+      <p:sp>
+        <p:nvSpPr>
+          <p:cNvPr id="25" name="半框架 24">
+            <a:extLst>
+              <a:ext uri="{FF2B5EF4-FFF2-40B4-BE49-F238E27FC236}">
+                <a16:creationId xmlns:a16="http://schemas.microsoft.com/office/drawing/2014/main" id="{164C39D0-B08E-FC85-11F0-A16516C7EABA}"/>
+              </a:ext>
+            </a:extLst>
+          </p:cNvPr>
+          <p:cNvSpPr/>
+          <p:nvPr/>
+        </p:nvSpPr>
+        <p:spPr>
+          <a:xfrm>
+            <a:off x="0" y="1"/>
+            <a:ext cx="1395663" cy="1275347"/>
+          </a:xfrm>
+          <a:prstGeom prst="halfFrame">
+            <a:avLst>
+              <a:gd name="adj1" fmla="val 8886"/>
+              <a:gd name="adj2" fmla="val 8978"/>
+            </a:avLst>
+          </a:prstGeom>
+          <a:solidFill>
+            <a:schemeClr val="accent4">
+              <a:lumMod val="60000"/>
+              <a:lumOff val="40000"/>
+              <a:alpha val="78824"/>
+            </a:schemeClr>
+          </a:solidFill>
+          <a:ln>
+            <a:noFill/>
+          </a:ln>
+        </p:spPr>
+        <p:style>
+          <a:lnRef idx="2">
+            <a:schemeClr val="accent1">
+              <a:shade val="50000"/>
+            </a:schemeClr>
+          </a:lnRef>
+          <a:fillRef idx="1">
+            <a:schemeClr val="accent1"/>
+          </a:fillRef>
+          <a:effectRef idx="0">
+            <a:schemeClr val="accent1"/>
+          </a:effectRef>
+          <a:fontRef idx="minor">
+            <a:schemeClr val="lt1"/>
+          </a:fontRef>
+        </p:style>
+        <p:txBody>
+          <a:bodyPr rtlCol="0" anchor="ctr"/>
+          <a:lstStyle/>
+          <a:p>
+            <a:pPr algn="ctr"/>
+            <a:endParaRPr kumimoji="1" lang="zh-TW" altLang="en-US">
+              <a:solidFill>
+                <a:schemeClr val="tx1"/>
+              </a:solidFill>
+            </a:endParaRPr>
+          </a:p>
+        </p:txBody>
+      </p:sp>
+      <p:sp>
+        <p:nvSpPr>
+          <p:cNvPr id="27" name="半框架 26">
+            <a:extLst>
+              <a:ext uri="{FF2B5EF4-FFF2-40B4-BE49-F238E27FC236}">
+                <a16:creationId xmlns:a16="http://schemas.microsoft.com/office/drawing/2014/main" id="{54F3C139-2922-CC00-7919-4E5C38EDBAD4}"/>
+              </a:ext>
+            </a:extLst>
+          </p:cNvPr>
+          <p:cNvSpPr/>
+          <p:nvPr/>
+        </p:nvSpPr>
+        <p:spPr>
+          <a:xfrm rot="10800000">
+            <a:off x="10796338" y="5582653"/>
+            <a:ext cx="1395663" cy="1275347"/>
+          </a:xfrm>
+          <a:prstGeom prst="halfFrame">
+            <a:avLst>
+              <a:gd name="adj1" fmla="val 8886"/>
+              <a:gd name="adj2" fmla="val 8978"/>
+            </a:avLst>
+          </a:prstGeom>
+          <a:solidFill>
+            <a:schemeClr val="accent4">
+              <a:lumMod val="60000"/>
+              <a:lumOff val="40000"/>
+              <a:alpha val="78824"/>
+            </a:schemeClr>
+          </a:solidFill>
+          <a:ln>
+            <a:noFill/>
+          </a:ln>
+        </p:spPr>
+        <p:style>
+          <a:lnRef idx="2">
+            <a:schemeClr val="accent1">
+              <a:shade val="50000"/>
+            </a:schemeClr>
+          </a:lnRef>
+          <a:fillRef idx="1">
+            <a:schemeClr val="accent1"/>
+          </a:fillRef>
+          <a:effectRef idx="0">
+            <a:schemeClr val="accent1"/>
+          </a:effectRef>
+          <a:fontRef idx="minor">
+            <a:schemeClr val="lt1"/>
+          </a:fontRef>
+        </p:style>
+        <p:txBody>
+          <a:bodyPr rtlCol="0" anchor="ctr"/>
+          <a:lstStyle/>
+          <a:p>
+            <a:pPr algn="ctr"/>
+            <a:endParaRPr kumimoji="1" lang="zh-TW" altLang="en-US">
+              <a:solidFill>
+                <a:schemeClr val="tx1"/>
+              </a:solidFill>
+            </a:endParaRPr>
+          </a:p>
+        </p:txBody>
+      </p:sp>
+      <p:sp>
+        <p:nvSpPr>
+          <p:cNvPr id="26" name="文字方塊 25">
+            <a:extLst>
+              <a:ext uri="{FF2B5EF4-FFF2-40B4-BE49-F238E27FC236}">
+                <a16:creationId xmlns:a16="http://schemas.microsoft.com/office/drawing/2014/main" id="{50133DD3-2C7E-FA07-89D7-2D176EE681C8}"/>
+              </a:ext>
+            </a:extLst>
+          </p:cNvPr>
+          <p:cNvSpPr txBox="1"/>
+          <p:nvPr/>
+        </p:nvSpPr>
+        <p:spPr>
+          <a:xfrm>
+            <a:off x="1191430" y="774505"/>
+            <a:ext cx="9809139" cy="500843"/>
+          </a:xfrm>
+          <a:prstGeom prst="rect">
+            <a:avLst/>
+          </a:prstGeom>
+          <a:noFill/>
+        </p:spPr>
+        <p:txBody>
+          <a:bodyPr wrap="square">
+            <a:spAutoFit/>
+          </a:bodyPr>
+          <a:lstStyle/>
           <a:p>
             <a:pPr algn="l">
               <a:lnSpc>
@@ -5077,35 +7270,298 @@
               <a:buChar char="•"/>
             </a:pPr>
             <a:r>
-              <a:rPr lang="zh-TW" altLang="en-US" sz="2000" b="1" i="0" u="none" strike="noStrike" dirty="0">
-                <a:solidFill>
-                  <a:srgbClr val="000000"/>
-                </a:solidFill>
-                <a:effectLst/>
-                <a:latin typeface="Arial Unicode MS" panose="020B0604020202020204" pitchFamily="34" charset="-128"/>
-                <a:ea typeface="Arial Unicode MS" panose="020B0604020202020204" pitchFamily="34" charset="-128"/>
-                <a:cs typeface="Arial Unicode MS" panose="020B0604020202020204" pitchFamily="34" charset="-128"/>
-              </a:rPr>
-              <a:t>活動圖（</a:t>
-            </a:r>
-            <a:r>
-              <a:rPr lang="en" altLang="zh-TW" sz="2000" b="1" i="0" u="none" strike="noStrike" dirty="0">
-                <a:solidFill>
-                  <a:srgbClr val="000000"/>
-                </a:solidFill>
-                <a:effectLst/>
-                <a:latin typeface="Arial Unicode MS" panose="020B0604020202020204" pitchFamily="34" charset="-128"/>
-                <a:ea typeface="Arial Unicode MS" panose="020B0604020202020204" pitchFamily="34" charset="-128"/>
-                <a:cs typeface="Arial Unicode MS" panose="020B0604020202020204" pitchFamily="34" charset="-128"/>
-              </a:rPr>
-              <a:t>Activity Diagram</a:t>
-            </a:r>
-            <a:r>
-              <a:rPr lang="zh-TW" altLang="en" sz="2000" b="1" i="0" u="none" strike="noStrike" dirty="0">
-                <a:solidFill>
-                  <a:srgbClr val="000000"/>
-                </a:solidFill>
-                <a:effectLst/>
+              <a:rPr lang="zh-TW" altLang="en-US" sz="2000" b="1" dirty="0">
+                <a:solidFill>
+                  <a:srgbClr val="000000"/>
+                </a:solidFill>
+                <a:latin typeface="Arial Unicode MS" panose="020B0604020202020204" pitchFamily="34" charset="-128"/>
+                <a:ea typeface="Arial Unicode MS" panose="020B0604020202020204" pitchFamily="34" charset="-128"/>
+                <a:cs typeface="Arial Unicode MS" panose="020B0604020202020204" pitchFamily="34" charset="-128"/>
+              </a:rPr>
+              <a:t>循序圖描述物件之間隨著時間的互動順序，主要用來表示一個功能的執行流程。</a:t>
+            </a:r>
+          </a:p>
+        </p:txBody>
+      </p:sp>
+      <p:pic>
+        <p:nvPicPr>
+          <p:cNvPr id="2" name="圖片 1">
+            <a:extLst>
+              <a:ext uri="{FF2B5EF4-FFF2-40B4-BE49-F238E27FC236}">
+                <a16:creationId xmlns:a16="http://schemas.microsoft.com/office/drawing/2014/main" id="{D728422B-9BD8-6816-5214-FBE8279DF31B}"/>
+              </a:ext>
+            </a:extLst>
+          </p:cNvPr>
+          <p:cNvPicPr>
+            <a:picLocks noChangeAspect="1"/>
+          </p:cNvPicPr>
+          <p:nvPr/>
+        </p:nvPicPr>
+        <p:blipFill>
+          <a:blip r:embed="rId3"/>
+          <a:srcRect/>
+          <a:stretch/>
+        </p:blipFill>
+        <p:spPr>
+          <a:xfrm>
+            <a:off x="439309" y="1340968"/>
+            <a:ext cx="4833089" cy="5379951"/>
+          </a:xfrm>
+          <a:prstGeom prst="rect">
+            <a:avLst/>
+          </a:prstGeom>
+        </p:spPr>
+      </p:pic>
+      <p:sp>
+        <p:nvSpPr>
+          <p:cNvPr id="4" name="文字方塊 3">
+            <a:extLst>
+              <a:ext uri="{FF2B5EF4-FFF2-40B4-BE49-F238E27FC236}">
+                <a16:creationId xmlns:a16="http://schemas.microsoft.com/office/drawing/2014/main" id="{B9B8ECE6-641B-29EA-373A-9C02167C1ED8}"/>
+              </a:ext>
+            </a:extLst>
+          </p:cNvPr>
+          <p:cNvSpPr txBox="1"/>
+          <p:nvPr/>
+        </p:nvSpPr>
+        <p:spPr>
+          <a:xfrm>
+            <a:off x="5409762" y="1802294"/>
+            <a:ext cx="6528124" cy="3933128"/>
+          </a:xfrm>
+          <a:prstGeom prst="rect">
+            <a:avLst/>
+          </a:prstGeom>
+          <a:noFill/>
+        </p:spPr>
+        <p:txBody>
+          <a:bodyPr wrap="square">
+            <a:spAutoFit/>
+          </a:bodyPr>
+          <a:lstStyle/>
+          <a:p>
+            <a:pPr indent="0" algn="l">
+              <a:lnSpc>
+                <a:spcPct val="150000"/>
+              </a:lnSpc>
+              <a:buNone/>
+            </a:pPr>
+            <a:r>
+              <a:rPr lang="zh-TW" altLang="en-US" sz="1400" dirty="0">
+                <a:solidFill>
+                  <a:srgbClr val="000000"/>
+                </a:solidFill>
+                <a:latin typeface="Arial Unicode MS" panose="020B0604020202020204" pitchFamily="34" charset="-128"/>
+                <a:ea typeface="Arial Unicode MS" panose="020B0604020202020204" pitchFamily="34" charset="-128"/>
+                <a:cs typeface="Arial Unicode MS" panose="020B0604020202020204" pitchFamily="34" charset="-128"/>
+              </a:rPr>
+              <a:t>活動圖的主要組成部分</a:t>
+            </a:r>
+          </a:p>
+          <a:p>
+            <a:pPr indent="0" algn="l">
+              <a:lnSpc>
+                <a:spcPct val="150000"/>
+              </a:lnSpc>
+              <a:buNone/>
+            </a:pPr>
+            <a:r>
+              <a:rPr lang="en-US" altLang="zh-TW" sz="1400" dirty="0">
+                <a:solidFill>
+                  <a:srgbClr val="000000"/>
+                </a:solidFill>
+                <a:latin typeface="Arial Unicode MS" panose="020B0604020202020204" pitchFamily="34" charset="-128"/>
+                <a:ea typeface="Arial Unicode MS" panose="020B0604020202020204" pitchFamily="34" charset="-128"/>
+                <a:cs typeface="Arial Unicode MS" panose="020B0604020202020204" pitchFamily="34" charset="-128"/>
+              </a:rPr>
+              <a:t>1.</a:t>
+            </a:r>
+            <a:r>
+              <a:rPr lang="zh-TW" altLang="en-US" sz="1400" dirty="0">
+                <a:solidFill>
+                  <a:srgbClr val="000000"/>
+                </a:solidFill>
+                <a:latin typeface="Arial Unicode MS" panose="020B0604020202020204" pitchFamily="34" charset="-128"/>
+                <a:ea typeface="Arial Unicode MS" panose="020B0604020202020204" pitchFamily="34" charset="-128"/>
+                <a:cs typeface="Arial Unicode MS" panose="020B0604020202020204" pitchFamily="34" charset="-128"/>
+              </a:rPr>
+              <a:t>活動（</a:t>
+            </a:r>
+            <a:r>
+              <a:rPr lang="en" altLang="zh-TW" sz="1400" dirty="0">
+                <a:solidFill>
+                  <a:srgbClr val="000000"/>
+                </a:solidFill>
+                <a:latin typeface="Arial Unicode MS" panose="020B0604020202020204" pitchFamily="34" charset="-128"/>
+                <a:ea typeface="Arial Unicode MS" panose="020B0604020202020204" pitchFamily="34" charset="-128"/>
+                <a:cs typeface="Arial Unicode MS" panose="020B0604020202020204" pitchFamily="34" charset="-128"/>
+              </a:rPr>
+              <a:t>Actions</a:t>
+            </a:r>
+            <a:r>
+              <a:rPr lang="zh-TW" altLang="en" sz="1400" dirty="0">
+                <a:solidFill>
+                  <a:srgbClr val="000000"/>
+                </a:solidFill>
+                <a:latin typeface="Arial Unicode MS" panose="020B0604020202020204" pitchFamily="34" charset="-128"/>
+                <a:ea typeface="Arial Unicode MS" panose="020B0604020202020204" pitchFamily="34" charset="-128"/>
+                <a:cs typeface="Arial Unicode MS" panose="020B0604020202020204" pitchFamily="34" charset="-128"/>
+              </a:rPr>
+              <a:t>）：</a:t>
+            </a:r>
+            <a:r>
+              <a:rPr lang="zh-TW" altLang="en-US" sz="1400" dirty="0">
+                <a:solidFill>
+                  <a:srgbClr val="000000"/>
+                </a:solidFill>
+                <a:latin typeface="Arial Unicode MS" panose="020B0604020202020204" pitchFamily="34" charset="-128"/>
+                <a:ea typeface="Arial Unicode MS" panose="020B0604020202020204" pitchFamily="34" charset="-128"/>
+                <a:cs typeface="Arial Unicode MS" panose="020B0604020202020204" pitchFamily="34" charset="-128"/>
+              </a:rPr>
+              <a:t>代表系統或業務流程中的一個操作步驟或任務。活動之間透過控制流連接。</a:t>
+            </a:r>
+          </a:p>
+          <a:p>
+            <a:pPr indent="0" algn="l">
+              <a:lnSpc>
+                <a:spcPct val="150000"/>
+              </a:lnSpc>
+              <a:buNone/>
+            </a:pPr>
+            <a:r>
+              <a:rPr lang="en-US" altLang="zh-TW" sz="1400" dirty="0">
+                <a:solidFill>
+                  <a:srgbClr val="000000"/>
+                </a:solidFill>
+                <a:latin typeface="Arial Unicode MS" panose="020B0604020202020204" pitchFamily="34" charset="-128"/>
+                <a:ea typeface="Arial Unicode MS" panose="020B0604020202020204" pitchFamily="34" charset="-128"/>
+                <a:cs typeface="Arial Unicode MS" panose="020B0604020202020204" pitchFamily="34" charset="-128"/>
+              </a:rPr>
+              <a:t>2.</a:t>
+            </a:r>
+            <a:r>
+              <a:rPr lang="zh-TW" altLang="en-US" sz="1400" dirty="0">
+                <a:solidFill>
+                  <a:srgbClr val="000000"/>
+                </a:solidFill>
+                <a:latin typeface="Arial Unicode MS" panose="020B0604020202020204" pitchFamily="34" charset="-128"/>
+                <a:ea typeface="Arial Unicode MS" panose="020B0604020202020204" pitchFamily="34" charset="-128"/>
+                <a:cs typeface="Arial Unicode MS" panose="020B0604020202020204" pitchFamily="34" charset="-128"/>
+              </a:rPr>
+              <a:t>控制流程（</a:t>
+            </a:r>
+            <a:r>
+              <a:rPr lang="en" altLang="zh-TW" sz="1400" dirty="0">
+                <a:solidFill>
+                  <a:srgbClr val="000000"/>
+                </a:solidFill>
+                <a:latin typeface="Arial Unicode MS" panose="020B0604020202020204" pitchFamily="34" charset="-128"/>
+                <a:ea typeface="Arial Unicode MS" panose="020B0604020202020204" pitchFamily="34" charset="-128"/>
+                <a:cs typeface="Arial Unicode MS" panose="020B0604020202020204" pitchFamily="34" charset="-128"/>
+              </a:rPr>
+              <a:t>Control Flows</a:t>
+            </a:r>
+            <a:r>
+              <a:rPr lang="zh-TW" altLang="en" sz="1400" dirty="0">
+                <a:solidFill>
+                  <a:srgbClr val="000000"/>
+                </a:solidFill>
+                <a:latin typeface="Arial Unicode MS" panose="020B0604020202020204" pitchFamily="34" charset="-128"/>
+                <a:ea typeface="Arial Unicode MS" panose="020B0604020202020204" pitchFamily="34" charset="-128"/>
+                <a:cs typeface="Arial Unicode MS" panose="020B0604020202020204" pitchFamily="34" charset="-128"/>
+              </a:rPr>
+              <a:t>）：</a:t>
+            </a:r>
+            <a:r>
+              <a:rPr lang="zh-TW" altLang="en-US" sz="1400" dirty="0">
+                <a:solidFill>
+                  <a:srgbClr val="000000"/>
+                </a:solidFill>
+                <a:latin typeface="Arial Unicode MS" panose="020B0604020202020204" pitchFamily="34" charset="-128"/>
+                <a:ea typeface="Arial Unicode MS" panose="020B0604020202020204" pitchFamily="34" charset="-128"/>
+                <a:cs typeface="Arial Unicode MS" panose="020B0604020202020204" pitchFamily="34" charset="-128"/>
+              </a:rPr>
+              <a:t>箭頭表示從一個活動到另一個活動的流程。控制流可以是單向的，也可以是帶有條件分支的，也可以表示循環或併發。</a:t>
+            </a:r>
+          </a:p>
+          <a:p>
+            <a:pPr indent="0" algn="l">
+              <a:lnSpc>
+                <a:spcPct val="150000"/>
+              </a:lnSpc>
+              <a:buNone/>
+            </a:pPr>
+            <a:r>
+              <a:rPr lang="en-US" altLang="zh-TW" sz="1400" dirty="0">
+                <a:solidFill>
+                  <a:srgbClr val="000000"/>
+                </a:solidFill>
+                <a:latin typeface="Arial Unicode MS" panose="020B0604020202020204" pitchFamily="34" charset="-128"/>
+                <a:ea typeface="Arial Unicode MS" panose="020B0604020202020204" pitchFamily="34" charset="-128"/>
+                <a:cs typeface="Arial Unicode MS" panose="020B0604020202020204" pitchFamily="34" charset="-128"/>
+              </a:rPr>
+              <a:t>3.</a:t>
+            </a:r>
+            <a:r>
+              <a:rPr lang="zh-TW" altLang="en-US" sz="1400" dirty="0">
+                <a:solidFill>
+                  <a:srgbClr val="000000"/>
+                </a:solidFill>
+                <a:latin typeface="Arial Unicode MS" panose="020B0604020202020204" pitchFamily="34" charset="-128"/>
+                <a:ea typeface="Arial Unicode MS" panose="020B0604020202020204" pitchFamily="34" charset="-128"/>
+                <a:cs typeface="Arial Unicode MS" panose="020B0604020202020204" pitchFamily="34" charset="-128"/>
+              </a:rPr>
+              <a:t>決策點（</a:t>
+            </a:r>
+            <a:r>
+              <a:rPr lang="en" altLang="zh-TW" sz="1400" dirty="0">
+                <a:solidFill>
+                  <a:srgbClr val="000000"/>
+                </a:solidFill>
+                <a:latin typeface="Arial Unicode MS" panose="020B0604020202020204" pitchFamily="34" charset="-128"/>
+                <a:ea typeface="Arial Unicode MS" panose="020B0604020202020204" pitchFamily="34" charset="-128"/>
+                <a:cs typeface="Arial Unicode MS" panose="020B0604020202020204" pitchFamily="34" charset="-128"/>
+              </a:rPr>
+              <a:t>Decision Points</a:t>
+            </a:r>
+            <a:r>
+              <a:rPr lang="zh-TW" altLang="en" sz="1400" dirty="0">
+                <a:solidFill>
+                  <a:srgbClr val="000000"/>
+                </a:solidFill>
+                <a:latin typeface="Arial Unicode MS" panose="020B0604020202020204" pitchFamily="34" charset="-128"/>
+                <a:ea typeface="Arial Unicode MS" panose="020B0604020202020204" pitchFamily="34" charset="-128"/>
+                <a:cs typeface="Arial Unicode MS" panose="020B0604020202020204" pitchFamily="34" charset="-128"/>
+              </a:rPr>
+              <a:t>）：</a:t>
+            </a:r>
+            <a:r>
+              <a:rPr lang="zh-TW" altLang="en-US" sz="1400" dirty="0">
+                <a:solidFill>
+                  <a:srgbClr val="000000"/>
+                </a:solidFill>
+                <a:latin typeface="Arial Unicode MS" panose="020B0604020202020204" pitchFamily="34" charset="-128"/>
+                <a:ea typeface="Arial Unicode MS" panose="020B0604020202020204" pitchFamily="34" charset="-128"/>
+                <a:cs typeface="Arial Unicode MS" panose="020B0604020202020204" pitchFamily="34" charset="-128"/>
+              </a:rPr>
+              <a:t>包括分支（</a:t>
+            </a:r>
+            <a:r>
+              <a:rPr lang="en" altLang="zh-TW" sz="1400" dirty="0">
+                <a:solidFill>
+                  <a:srgbClr val="000000"/>
+                </a:solidFill>
+                <a:latin typeface="Arial Unicode MS" panose="020B0604020202020204" pitchFamily="34" charset="-128"/>
+                <a:ea typeface="Arial Unicode MS" panose="020B0604020202020204" pitchFamily="34" charset="-128"/>
+                <a:cs typeface="Arial Unicode MS" panose="020B0604020202020204" pitchFamily="34" charset="-128"/>
+              </a:rPr>
+              <a:t>Fork</a:t>
+            </a:r>
+            <a:r>
+              <a:rPr lang="zh-TW" altLang="en" sz="1400" dirty="0">
+                <a:solidFill>
+                  <a:srgbClr val="000000"/>
+                </a:solidFill>
                 <a:latin typeface="Arial Unicode MS" panose="020B0604020202020204" pitchFamily="34" charset="-128"/>
                 <a:ea typeface="Arial Unicode MS" panose="020B0604020202020204" pitchFamily="34" charset="-128"/>
                 <a:cs typeface="Arial Unicode MS" panose="020B0604020202020204" pitchFamily="34" charset="-128"/>
@@ -5113,28 +7569,203 @@
               <a:t>）</a:t>
             </a:r>
             <a:r>
-              <a:rPr lang="zh-TW" altLang="en" sz="2000" b="0" i="0" u="none" strike="noStrike" dirty="0">
-                <a:solidFill>
-                  <a:srgbClr val="000000"/>
-                </a:solidFill>
-                <a:effectLst/>
-                <a:latin typeface="Arial Unicode MS" panose="020B0604020202020204" pitchFamily="34" charset="-128"/>
-                <a:ea typeface="Arial Unicode MS" panose="020B0604020202020204" pitchFamily="34" charset="-128"/>
-                <a:cs typeface="Arial Unicode MS" panose="020B0604020202020204" pitchFamily="34" charset="-128"/>
-              </a:rPr>
-              <a:t>：</a:t>
-            </a:r>
-            <a:r>
-              <a:rPr lang="zh-TW" altLang="en-US" sz="2000" b="0" i="0" u="none" strike="noStrike" dirty="0">
-                <a:solidFill>
-                  <a:srgbClr val="000000"/>
-                </a:solidFill>
-                <a:effectLst/>
-                <a:latin typeface="Arial Unicode MS" panose="020B0604020202020204" pitchFamily="34" charset="-128"/>
-                <a:ea typeface="Arial Unicode MS" panose="020B0604020202020204" pitchFamily="34" charset="-128"/>
-                <a:cs typeface="Arial Unicode MS" panose="020B0604020202020204" pitchFamily="34" charset="-128"/>
-              </a:rPr>
-              <a:t>描述流程或工作流程的順序</a:t>
+              <a:rPr lang="zh-TW" altLang="en-US" sz="1400" dirty="0">
+                <a:solidFill>
+                  <a:srgbClr val="000000"/>
+                </a:solidFill>
+                <a:latin typeface="Arial Unicode MS" panose="020B0604020202020204" pitchFamily="34" charset="-128"/>
+                <a:ea typeface="Arial Unicode MS" panose="020B0604020202020204" pitchFamily="34" charset="-128"/>
+                <a:cs typeface="Arial Unicode MS" panose="020B0604020202020204" pitchFamily="34" charset="-128"/>
+              </a:rPr>
+              <a:t>和合併（</a:t>
+            </a:r>
+            <a:r>
+              <a:rPr lang="en" altLang="zh-TW" sz="1400" dirty="0">
+                <a:solidFill>
+                  <a:srgbClr val="000000"/>
+                </a:solidFill>
+                <a:latin typeface="Arial Unicode MS" panose="020B0604020202020204" pitchFamily="34" charset="-128"/>
+                <a:ea typeface="Arial Unicode MS" panose="020B0604020202020204" pitchFamily="34" charset="-128"/>
+                <a:cs typeface="Arial Unicode MS" panose="020B0604020202020204" pitchFamily="34" charset="-128"/>
+              </a:rPr>
+              <a:t>Join</a:t>
+            </a:r>
+            <a:r>
+              <a:rPr lang="zh-TW" altLang="en" sz="1400" dirty="0">
+                <a:solidFill>
+                  <a:srgbClr val="000000"/>
+                </a:solidFill>
+                <a:latin typeface="Arial Unicode MS" panose="020B0604020202020204" pitchFamily="34" charset="-128"/>
+                <a:ea typeface="Arial Unicode MS" panose="020B0604020202020204" pitchFamily="34" charset="-128"/>
+                <a:cs typeface="Arial Unicode MS" panose="020B0604020202020204" pitchFamily="34" charset="-128"/>
+              </a:rPr>
+              <a:t>）。</a:t>
+            </a:r>
+            <a:r>
+              <a:rPr lang="zh-TW" altLang="en-US" sz="1400" dirty="0">
+                <a:solidFill>
+                  <a:srgbClr val="000000"/>
+                </a:solidFill>
+                <a:latin typeface="Arial Unicode MS" panose="020B0604020202020204" pitchFamily="34" charset="-128"/>
+                <a:ea typeface="Arial Unicode MS" panose="020B0604020202020204" pitchFamily="34" charset="-128"/>
+                <a:cs typeface="Arial Unicode MS" panose="020B0604020202020204" pitchFamily="34" charset="-128"/>
+              </a:rPr>
+              <a:t>分支用於表示並行活動的開始，而合併用於表示並行活動的結束。</a:t>
+            </a:r>
+          </a:p>
+          <a:p>
+            <a:pPr indent="0" algn="l">
+              <a:lnSpc>
+                <a:spcPct val="150000"/>
+              </a:lnSpc>
+              <a:buNone/>
+            </a:pPr>
+            <a:r>
+              <a:rPr lang="en-US" altLang="zh-TW" sz="1400" dirty="0">
+                <a:solidFill>
+                  <a:srgbClr val="000000"/>
+                </a:solidFill>
+                <a:latin typeface="Arial Unicode MS" panose="020B0604020202020204" pitchFamily="34" charset="-128"/>
+                <a:ea typeface="Arial Unicode MS" panose="020B0604020202020204" pitchFamily="34" charset="-128"/>
+                <a:cs typeface="Arial Unicode MS" panose="020B0604020202020204" pitchFamily="34" charset="-128"/>
+              </a:rPr>
+              <a:t>4.</a:t>
+            </a:r>
+            <a:r>
+              <a:rPr lang="zh-TW" altLang="en-US" sz="1400" dirty="0">
+                <a:solidFill>
+                  <a:srgbClr val="000000"/>
+                </a:solidFill>
+                <a:latin typeface="Arial Unicode MS" panose="020B0604020202020204" pitchFamily="34" charset="-128"/>
+                <a:ea typeface="Arial Unicode MS" panose="020B0604020202020204" pitchFamily="34" charset="-128"/>
+                <a:cs typeface="Arial Unicode MS" panose="020B0604020202020204" pitchFamily="34" charset="-128"/>
+              </a:rPr>
+              <a:t>泳道（</a:t>
+            </a:r>
+            <a:r>
+              <a:rPr lang="en" altLang="zh-TW" sz="1400" dirty="0" err="1">
+                <a:solidFill>
+                  <a:srgbClr val="000000"/>
+                </a:solidFill>
+                <a:latin typeface="Arial Unicode MS" panose="020B0604020202020204" pitchFamily="34" charset="-128"/>
+                <a:ea typeface="Arial Unicode MS" panose="020B0604020202020204" pitchFamily="34" charset="-128"/>
+                <a:cs typeface="Arial Unicode MS" panose="020B0604020202020204" pitchFamily="34" charset="-128"/>
+              </a:rPr>
+              <a:t>Swimlanes</a:t>
+            </a:r>
+            <a:r>
+              <a:rPr lang="zh-TW" altLang="en" sz="1400" dirty="0">
+                <a:solidFill>
+                  <a:srgbClr val="000000"/>
+                </a:solidFill>
+                <a:latin typeface="Arial Unicode MS" panose="020B0604020202020204" pitchFamily="34" charset="-128"/>
+                <a:ea typeface="Arial Unicode MS" panose="020B0604020202020204" pitchFamily="34" charset="-128"/>
+                <a:cs typeface="Arial Unicode MS" panose="020B0604020202020204" pitchFamily="34" charset="-128"/>
+              </a:rPr>
+              <a:t>）：</a:t>
+            </a:r>
+            <a:r>
+              <a:rPr lang="zh-TW" altLang="en-US" sz="1400" dirty="0">
+                <a:solidFill>
+                  <a:srgbClr val="000000"/>
+                </a:solidFill>
+                <a:latin typeface="Arial Unicode MS" panose="020B0604020202020204" pitchFamily="34" charset="-128"/>
+                <a:ea typeface="Arial Unicode MS" panose="020B0604020202020204" pitchFamily="34" charset="-128"/>
+                <a:cs typeface="Arial Unicode MS" panose="020B0604020202020204" pitchFamily="34" charset="-128"/>
+              </a:rPr>
+              <a:t>將活動圖劃分為不同的邏輯區域，每個區域代表不同的參與者（如使用者、系統或子系統），有助於理解不同實體在過程中的角色和責任。</a:t>
+            </a:r>
+          </a:p>
+          <a:p>
+            <a:pPr indent="0" algn="l">
+              <a:lnSpc>
+                <a:spcPct val="150000"/>
+              </a:lnSpc>
+              <a:buNone/>
+            </a:pPr>
+            <a:r>
+              <a:rPr lang="en-US" altLang="zh-TW" sz="1400" dirty="0">
+                <a:solidFill>
+                  <a:srgbClr val="000000"/>
+                </a:solidFill>
+                <a:latin typeface="Arial Unicode MS" panose="020B0604020202020204" pitchFamily="34" charset="-128"/>
+                <a:ea typeface="Arial Unicode MS" panose="020B0604020202020204" pitchFamily="34" charset="-128"/>
+                <a:cs typeface="Arial Unicode MS" panose="020B0604020202020204" pitchFamily="34" charset="-128"/>
+              </a:rPr>
+              <a:t>5.</a:t>
+            </a:r>
+            <a:r>
+              <a:rPr lang="zh-TW" altLang="en-US" sz="1400" dirty="0">
+                <a:solidFill>
+                  <a:srgbClr val="000000"/>
+                </a:solidFill>
+                <a:latin typeface="Arial Unicode MS" panose="020B0604020202020204" pitchFamily="34" charset="-128"/>
+                <a:ea typeface="Arial Unicode MS" panose="020B0604020202020204" pitchFamily="34" charset="-128"/>
+                <a:cs typeface="Arial Unicode MS" panose="020B0604020202020204" pitchFamily="34" charset="-128"/>
+              </a:rPr>
+              <a:t>開始和結束點：分別表示活動圖的起點和終點。</a:t>
+            </a:r>
+          </a:p>
+          <a:p>
+            <a:pPr indent="0" algn="l">
+              <a:lnSpc>
+                <a:spcPct val="150000"/>
+              </a:lnSpc>
+            </a:pPr>
+            <a:r>
+              <a:rPr lang="en-US" altLang="zh-TW" sz="1400" dirty="0">
+                <a:solidFill>
+                  <a:srgbClr val="000000"/>
+                </a:solidFill>
+                <a:latin typeface="Arial Unicode MS" panose="020B0604020202020204" pitchFamily="34" charset="-128"/>
+                <a:ea typeface="Arial Unicode MS" panose="020B0604020202020204" pitchFamily="34" charset="-128"/>
+                <a:cs typeface="Arial Unicode MS" panose="020B0604020202020204" pitchFamily="34" charset="-128"/>
+              </a:rPr>
+              <a:t>6.</a:t>
+            </a:r>
+            <a:r>
+              <a:rPr lang="zh-TW" altLang="en-US" sz="1400" dirty="0">
+                <a:solidFill>
+                  <a:srgbClr val="000000"/>
+                </a:solidFill>
+                <a:latin typeface="Arial Unicode MS" panose="020B0604020202020204" pitchFamily="34" charset="-128"/>
+                <a:ea typeface="Arial Unicode MS" panose="020B0604020202020204" pitchFamily="34" charset="-128"/>
+                <a:cs typeface="Arial Unicode MS" panose="020B0604020202020204" pitchFamily="34" charset="-128"/>
+              </a:rPr>
+              <a:t>物件流（</a:t>
+            </a:r>
+            <a:r>
+              <a:rPr lang="en" altLang="zh-TW" sz="1400" dirty="0">
+                <a:solidFill>
+                  <a:srgbClr val="000000"/>
+                </a:solidFill>
+                <a:latin typeface="Arial Unicode MS" panose="020B0604020202020204" pitchFamily="34" charset="-128"/>
+                <a:ea typeface="Arial Unicode MS" panose="020B0604020202020204" pitchFamily="34" charset="-128"/>
+                <a:cs typeface="Arial Unicode MS" panose="020B0604020202020204" pitchFamily="34" charset="-128"/>
+              </a:rPr>
+              <a:t>Object Flows</a:t>
+            </a:r>
+            <a:r>
+              <a:rPr lang="zh-TW" altLang="en" sz="1400" dirty="0">
+                <a:solidFill>
+                  <a:srgbClr val="000000"/>
+                </a:solidFill>
+                <a:latin typeface="Arial Unicode MS" panose="020B0604020202020204" pitchFamily="34" charset="-128"/>
+                <a:ea typeface="Arial Unicode MS" panose="020B0604020202020204" pitchFamily="34" charset="-128"/>
+                <a:cs typeface="Arial Unicode MS" panose="020B0604020202020204" pitchFamily="34" charset="-128"/>
+              </a:rPr>
+              <a:t>）：</a:t>
+            </a:r>
+            <a:r>
+              <a:rPr lang="zh-TW" altLang="en-US" sz="1400" dirty="0">
+                <a:solidFill>
+                  <a:srgbClr val="000000"/>
+                </a:solidFill>
+                <a:latin typeface="Arial Unicode MS" panose="020B0604020202020204" pitchFamily="34" charset="-128"/>
+                <a:ea typeface="Arial Unicode MS" panose="020B0604020202020204" pitchFamily="34" charset="-128"/>
+                <a:cs typeface="Arial Unicode MS" panose="020B0604020202020204" pitchFamily="34" charset="-128"/>
+              </a:rPr>
+              <a:t>雖然活動圖主要關注流程控制，但也可以表示物件或資料的流動，尤其是在物件之間傳遞資料時。</a:t>
             </a:r>
           </a:p>
         </p:txBody>
@@ -5142,7 +7773,7 @@
     </p:spTree>
     <p:extLst>
       <p:ext uri="{BB962C8B-B14F-4D97-AF65-F5344CB8AC3E}">
-        <p14:creationId xmlns:p14="http://schemas.microsoft.com/office/powerpoint/2010/main" val="2950425827"/>
+        <p14:creationId xmlns:p14="http://schemas.microsoft.com/office/powerpoint/2010/main" val="4202339672"/>
       </p:ext>
     </p:extLst>
   </p:cSld>

--- a/uml報告.pptx
+++ b/uml報告.pptx
@@ -5,14 +5,13 @@
     <p:sldMasterId id="2147483648" r:id="rId1"/>
   </p:sldMasterIdLst>
   <p:notesMasterIdLst>
-    <p:notesMasterId r:id="rId7"/>
+    <p:notesMasterId r:id="rId6"/>
   </p:notesMasterIdLst>
   <p:sldIdLst>
     <p:sldId id="557" r:id="rId2"/>
     <p:sldId id="556" r:id="rId3"/>
     <p:sldId id="558" r:id="rId4"/>
     <p:sldId id="559" r:id="rId5"/>
-    <p:sldId id="560" r:id="rId6"/>
   </p:sldIdLst>
   <p:sldSz cx="12192000" cy="6858000"/>
   <p:notesSz cx="6858000" cy="9144000"/>
@@ -201,7 +200,7 @@
           <a:p>
             <a:fld id="{981F10B1-711B-9B49-9F23-B11F3ADA3368}" type="datetimeFigureOut">
               <a:rPr kumimoji="1" lang="zh-TW" altLang="en-US" smtClean="0"/>
-              <a:t>2025/5/1</a:t>
+              <a:t>2025/5/3</a:t>
             </a:fld>
             <a:endParaRPr kumimoji="1" lang="zh-TW" altLang="en-US"/>
           </a:p>
@@ -876,114 +875,6 @@
 </p:notes>
 </file>
 
-<file path=ppt/notesSlides/notesSlide5.xml><?xml version="1.0" encoding="utf-8"?>
-<p:notes xmlns:a="http://schemas.openxmlformats.org/drawingml/2006/main" xmlns:r="http://schemas.openxmlformats.org/officeDocument/2006/relationships" xmlns:p="http://schemas.openxmlformats.org/presentationml/2006/main">
-  <p:cSld>
-    <p:spTree>
-      <p:nvGrpSpPr>
-        <p:cNvPr id="1" name="">
-          <a:extLst>
-            <a:ext uri="{FF2B5EF4-FFF2-40B4-BE49-F238E27FC236}">
-              <a16:creationId xmlns:a16="http://schemas.microsoft.com/office/drawing/2014/main" id="{B98946EC-A8A8-A14B-C31B-92E25FBC414D}"/>
-            </a:ext>
-          </a:extLst>
-        </p:cNvPr>
-        <p:cNvGrpSpPr/>
-        <p:nvPr/>
-      </p:nvGrpSpPr>
-      <p:grpSpPr>
-        <a:xfrm>
-          <a:off x="0" y="0"/>
-          <a:ext cx="0" cy="0"/>
-          <a:chOff x="0" y="0"/>
-          <a:chExt cx="0" cy="0"/>
-        </a:xfrm>
-      </p:grpSpPr>
-      <p:sp>
-        <p:nvSpPr>
-          <p:cNvPr id="2" name="投影片影像版面配置區 1">
-            <a:extLst>
-              <a:ext uri="{FF2B5EF4-FFF2-40B4-BE49-F238E27FC236}">
-                <a16:creationId xmlns:a16="http://schemas.microsoft.com/office/drawing/2014/main" id="{BC3B0965-1F81-67CD-3FEE-25BA045C5FD1}"/>
-              </a:ext>
-            </a:extLst>
-          </p:cNvPr>
-          <p:cNvSpPr>
-            <a:spLocks noGrp="1" noRot="1" noChangeAspect="1"/>
-          </p:cNvSpPr>
-          <p:nvPr>
-            <p:ph type="sldImg"/>
-          </p:nvPr>
-        </p:nvSpPr>
-        <p:spPr/>
-      </p:sp>
-      <p:sp>
-        <p:nvSpPr>
-          <p:cNvPr id="3" name="備忘稿版面配置區 2">
-            <a:extLst>
-              <a:ext uri="{FF2B5EF4-FFF2-40B4-BE49-F238E27FC236}">
-                <a16:creationId xmlns:a16="http://schemas.microsoft.com/office/drawing/2014/main" id="{35E5FC91-9F9E-AE30-4455-A2F4FE99028C}"/>
-              </a:ext>
-            </a:extLst>
-          </p:cNvPr>
-          <p:cNvSpPr>
-            <a:spLocks noGrp="1"/>
-          </p:cNvSpPr>
-          <p:nvPr>
-            <p:ph type="body" idx="1"/>
-          </p:nvPr>
-        </p:nvSpPr>
-        <p:spPr/>
-        <p:txBody>
-          <a:bodyPr/>
-          <a:lstStyle/>
-          <a:p>
-            <a:endParaRPr kumimoji="1" lang="zh-TW" altLang="en-US" dirty="0"/>
-          </a:p>
-        </p:txBody>
-      </p:sp>
-      <p:sp>
-        <p:nvSpPr>
-          <p:cNvPr id="4" name="投影片編號版面配置區 3">
-            <a:extLst>
-              <a:ext uri="{FF2B5EF4-FFF2-40B4-BE49-F238E27FC236}">
-                <a16:creationId xmlns:a16="http://schemas.microsoft.com/office/drawing/2014/main" id="{3566DC92-08DA-65ED-B44A-0D2FEFE5512E}"/>
-              </a:ext>
-            </a:extLst>
-          </p:cNvPr>
-          <p:cNvSpPr>
-            <a:spLocks noGrp="1"/>
-          </p:cNvSpPr>
-          <p:nvPr>
-            <p:ph type="sldNum" sz="quarter" idx="5"/>
-          </p:nvPr>
-        </p:nvSpPr>
-        <p:spPr/>
-        <p:txBody>
-          <a:bodyPr/>
-          <a:lstStyle/>
-          <a:p>
-            <a:fld id="{DE054178-CCA7-401D-BEA5-BA6CAEB46599}" type="slidenum">
-              <a:rPr lang="zh-CN" altLang="en-US" smtClean="0"/>
-              <a:t>5</a:t>
-            </a:fld>
-            <a:endParaRPr lang="zh-CN" altLang="en-US"/>
-          </a:p>
-        </p:txBody>
-      </p:sp>
-    </p:spTree>
-    <p:extLst>
-      <p:ext uri="{BB962C8B-B14F-4D97-AF65-F5344CB8AC3E}">
-        <p14:creationId xmlns:p14="http://schemas.microsoft.com/office/powerpoint/2010/main" val="735441718"/>
-      </p:ext>
-    </p:extLst>
-  </p:cSld>
-  <p:clrMapOvr>
-    <a:masterClrMapping/>
-  </p:clrMapOvr>
-</p:notes>
-</file>
-
 <file path=ppt/slideLayouts/slideLayout1.xml><?xml version="1.0" encoding="utf-8"?>
 <p:sldLayout xmlns:a="http://schemas.openxmlformats.org/drawingml/2006/main" xmlns:r="http://schemas.openxmlformats.org/officeDocument/2006/relationships" xmlns:p="http://schemas.openxmlformats.org/presentationml/2006/main" type="title" preserve="1">
   <p:cSld name="標題投影片">
@@ -1131,7 +1022,7 @@
           <a:p>
             <a:fld id="{2C8433A8-E219-5E4A-95AB-2BED27D8AA62}" type="datetimeFigureOut">
               <a:rPr kumimoji="1" lang="zh-TW" altLang="en-US" smtClean="0"/>
-              <a:t>2025/5/1</a:t>
+              <a:t>2025/5/3</a:t>
             </a:fld>
             <a:endParaRPr kumimoji="1" lang="zh-TW" altLang="en-US"/>
           </a:p>
@@ -1329,7 +1220,7 @@
           <a:p>
             <a:fld id="{2C8433A8-E219-5E4A-95AB-2BED27D8AA62}" type="datetimeFigureOut">
               <a:rPr kumimoji="1" lang="zh-TW" altLang="en-US" smtClean="0"/>
-              <a:t>2025/5/1</a:t>
+              <a:t>2025/5/3</a:t>
             </a:fld>
             <a:endParaRPr kumimoji="1" lang="zh-TW" altLang="en-US"/>
           </a:p>
@@ -1537,7 +1428,7 @@
           <a:p>
             <a:fld id="{2C8433A8-E219-5E4A-95AB-2BED27D8AA62}" type="datetimeFigureOut">
               <a:rPr kumimoji="1" lang="zh-TW" altLang="en-US" smtClean="0"/>
-              <a:t>2025/5/1</a:t>
+              <a:t>2025/5/3</a:t>
             </a:fld>
             <a:endParaRPr kumimoji="1" lang="zh-TW" altLang="en-US"/>
           </a:p>
@@ -1735,7 +1626,7 @@
           <a:p>
             <a:fld id="{2C8433A8-E219-5E4A-95AB-2BED27D8AA62}" type="datetimeFigureOut">
               <a:rPr kumimoji="1" lang="zh-TW" altLang="en-US" smtClean="0"/>
-              <a:t>2025/5/1</a:t>
+              <a:t>2025/5/3</a:t>
             </a:fld>
             <a:endParaRPr kumimoji="1" lang="zh-TW" altLang="en-US"/>
           </a:p>
@@ -2010,7 +1901,7 @@
           <a:p>
             <a:fld id="{2C8433A8-E219-5E4A-95AB-2BED27D8AA62}" type="datetimeFigureOut">
               <a:rPr kumimoji="1" lang="zh-TW" altLang="en-US" smtClean="0"/>
-              <a:t>2025/5/1</a:t>
+              <a:t>2025/5/3</a:t>
             </a:fld>
             <a:endParaRPr kumimoji="1" lang="zh-TW" altLang="en-US"/>
           </a:p>
@@ -2275,7 +2166,7 @@
           <a:p>
             <a:fld id="{2C8433A8-E219-5E4A-95AB-2BED27D8AA62}" type="datetimeFigureOut">
               <a:rPr kumimoji="1" lang="zh-TW" altLang="en-US" smtClean="0"/>
-              <a:t>2025/5/1</a:t>
+              <a:t>2025/5/3</a:t>
             </a:fld>
             <a:endParaRPr kumimoji="1" lang="zh-TW" altLang="en-US"/>
           </a:p>
@@ -2687,7 +2578,7 @@
           <a:p>
             <a:fld id="{2C8433A8-E219-5E4A-95AB-2BED27D8AA62}" type="datetimeFigureOut">
               <a:rPr kumimoji="1" lang="zh-TW" altLang="en-US" smtClean="0"/>
-              <a:t>2025/5/1</a:t>
+              <a:t>2025/5/3</a:t>
             </a:fld>
             <a:endParaRPr kumimoji="1" lang="zh-TW" altLang="en-US"/>
           </a:p>
@@ -2828,7 +2719,7 @@
           <a:p>
             <a:fld id="{2C8433A8-E219-5E4A-95AB-2BED27D8AA62}" type="datetimeFigureOut">
               <a:rPr kumimoji="1" lang="zh-TW" altLang="en-US" smtClean="0"/>
-              <a:t>2025/5/1</a:t>
+              <a:t>2025/5/3</a:t>
             </a:fld>
             <a:endParaRPr kumimoji="1" lang="zh-TW" altLang="en-US"/>
           </a:p>
@@ -2941,7 +2832,7 @@
           <a:p>
             <a:fld id="{2C8433A8-E219-5E4A-95AB-2BED27D8AA62}" type="datetimeFigureOut">
               <a:rPr kumimoji="1" lang="zh-TW" altLang="en-US" smtClean="0"/>
-              <a:t>2025/5/1</a:t>
+              <a:t>2025/5/3</a:t>
             </a:fld>
             <a:endParaRPr kumimoji="1" lang="zh-TW" altLang="en-US"/>
           </a:p>
@@ -3252,7 +3143,7 @@
           <a:p>
             <a:fld id="{2C8433A8-E219-5E4A-95AB-2BED27D8AA62}" type="datetimeFigureOut">
               <a:rPr kumimoji="1" lang="zh-TW" altLang="en-US" smtClean="0"/>
-              <a:t>2025/5/1</a:t>
+              <a:t>2025/5/3</a:t>
             </a:fld>
             <a:endParaRPr kumimoji="1" lang="zh-TW" altLang="en-US"/>
           </a:p>
@@ -3540,7 +3431,7 @@
           <a:p>
             <a:fld id="{2C8433A8-E219-5E4A-95AB-2BED27D8AA62}" type="datetimeFigureOut">
               <a:rPr kumimoji="1" lang="zh-TW" altLang="en-US" smtClean="0"/>
-              <a:t>2025/5/1</a:t>
+              <a:t>2025/5/3</a:t>
             </a:fld>
             <a:endParaRPr kumimoji="1" lang="zh-TW" altLang="en-US"/>
           </a:p>
@@ -3781,7 +3672,7 @@
           <a:p>
             <a:fld id="{2C8433A8-E219-5E4A-95AB-2BED27D8AA62}" type="datetimeFigureOut">
               <a:rPr kumimoji="1" lang="zh-TW" altLang="en-US" smtClean="0"/>
-              <a:t>2025/5/1</a:t>
+              <a:t>2025/5/3</a:t>
             </a:fld>
             <a:endParaRPr kumimoji="1" lang="zh-TW" altLang="en-US"/>
           </a:p>
@@ -4653,84 +4544,6 @@
       </p:grpSpPr>
       <p:sp>
         <p:nvSpPr>
-          <p:cNvPr id="6" name="矩形: 圆角 1">
-            <a:extLst>
-              <a:ext uri="{FF2B5EF4-FFF2-40B4-BE49-F238E27FC236}">
-                <a16:creationId xmlns:a16="http://schemas.microsoft.com/office/drawing/2014/main" id="{A494D061-2076-F150-B75C-4CCE5DFBB08F}"/>
-              </a:ext>
-            </a:extLst>
-          </p:cNvPr>
-          <p:cNvSpPr/>
-          <p:nvPr/>
-        </p:nvSpPr>
-        <p:spPr>
-          <a:xfrm>
-            <a:off x="4124280" y="137081"/>
-            <a:ext cx="3943441" cy="623469"/>
-          </a:xfrm>
-          <a:prstGeom prst="roundRect">
-            <a:avLst>
-              <a:gd name="adj" fmla="val 31585"/>
-            </a:avLst>
-          </a:prstGeom>
-          <a:solidFill>
-            <a:schemeClr val="accent4">
-              <a:lumMod val="60000"/>
-              <a:lumOff val="40000"/>
-              <a:alpha val="78824"/>
-            </a:schemeClr>
-          </a:solidFill>
-          <a:ln>
-            <a:noFill/>
-          </a:ln>
-        </p:spPr>
-        <p:style>
-          <a:lnRef idx="2">
-            <a:schemeClr val="accent1">
-              <a:shade val="50000"/>
-            </a:schemeClr>
-          </a:lnRef>
-          <a:fillRef idx="1">
-            <a:schemeClr val="accent1"/>
-          </a:fillRef>
-          <a:effectRef idx="0">
-            <a:schemeClr val="accent1"/>
-          </a:effectRef>
-          <a:fontRef idx="minor">
-            <a:schemeClr val="lt1"/>
-          </a:fontRef>
-        </p:style>
-        <p:txBody>
-          <a:bodyPr rtlCol="0" anchor="ctr"/>
-          <a:lstStyle/>
-          <a:p>
-            <a:pPr algn="ctr" defTabSz="914363"/>
-            <a:r>
-              <a:rPr kumimoji="1" lang="en-US" altLang="zh-CN" sz="3667" dirty="0">
-                <a:solidFill>
-                  <a:srgbClr val="002060"/>
-                </a:solidFill>
-                <a:latin typeface="Arial Black" panose="020B0604020202020204" pitchFamily="34" charset="0"/>
-                <a:ea typeface="Arial Unicode MS" panose="020B0604020202020204" pitchFamily="34" charset="-128"/>
-                <a:cs typeface="Arial Black" panose="020B0604020202020204" pitchFamily="34" charset="0"/>
-                <a:sym typeface="+mn-lt"/>
-              </a:rPr>
-              <a:t>UML</a:t>
-            </a:r>
-            <a:endParaRPr kumimoji="1" lang="zh-CN" altLang="en-US" sz="3667" dirty="0">
-              <a:solidFill>
-                <a:srgbClr val="002060"/>
-              </a:solidFill>
-              <a:latin typeface="Arial Black" panose="020B0604020202020204" pitchFamily="34" charset="0"/>
-              <a:ea typeface="Arial Unicode MS" panose="020B0604020202020204" pitchFamily="34" charset="-128"/>
-              <a:cs typeface="Arial Black" panose="020B0604020202020204" pitchFamily="34" charset="0"/>
-              <a:sym typeface="+mn-lt"/>
-            </a:endParaRPr>
-          </a:p>
-        </p:txBody>
-      </p:sp>
-      <p:sp>
-        <p:nvSpPr>
           <p:cNvPr id="25" name="半框架 24">
             <a:extLst>
               <a:ext uri="{FF2B5EF4-FFF2-40B4-BE49-F238E27FC236}">
@@ -4869,8 +4682,8 @@
         </p:nvSpPr>
         <p:spPr>
           <a:xfrm>
-            <a:off x="1191430" y="774505"/>
-            <a:ext cx="9809139" cy="500843"/>
+            <a:off x="4373277" y="1024926"/>
+            <a:ext cx="7388887" cy="500843"/>
           </a:xfrm>
           <a:prstGeom prst="rect">
             <a:avLst/>
@@ -4985,8 +4798,8 @@
         </p:blipFill>
         <p:spPr>
           <a:xfrm>
-            <a:off x="994659" y="1331138"/>
-            <a:ext cx="4040326" cy="5526862"/>
+            <a:off x="272523" y="381062"/>
+            <a:ext cx="4030050" cy="6095874"/>
           </a:xfrm>
           <a:prstGeom prst="rect">
             <a:avLst/>
@@ -5397,6 +5210,84 @@
               </a:rPr>
               <a:t>擴展關係表示在特定條件下，一個用例（擴展用例）可以插入到另一個用例（基底用例）中，為其增加額外的行為。</a:t>
             </a:r>
+          </a:p>
+        </p:txBody>
+      </p:sp>
+      <p:sp>
+        <p:nvSpPr>
+          <p:cNvPr id="6" name="矩形: 圆角 1">
+            <a:extLst>
+              <a:ext uri="{FF2B5EF4-FFF2-40B4-BE49-F238E27FC236}">
+                <a16:creationId xmlns:a16="http://schemas.microsoft.com/office/drawing/2014/main" id="{A494D061-2076-F150-B75C-4CCE5DFBB08F}"/>
+              </a:ext>
+            </a:extLst>
+          </p:cNvPr>
+          <p:cNvSpPr/>
+          <p:nvPr/>
+        </p:nvSpPr>
+        <p:spPr>
+          <a:xfrm>
+            <a:off x="4124280" y="137081"/>
+            <a:ext cx="3943441" cy="623469"/>
+          </a:xfrm>
+          <a:prstGeom prst="roundRect">
+            <a:avLst>
+              <a:gd name="adj" fmla="val 31585"/>
+            </a:avLst>
+          </a:prstGeom>
+          <a:solidFill>
+            <a:schemeClr val="accent4">
+              <a:lumMod val="60000"/>
+              <a:lumOff val="40000"/>
+              <a:alpha val="78824"/>
+            </a:schemeClr>
+          </a:solidFill>
+          <a:ln>
+            <a:noFill/>
+          </a:ln>
+        </p:spPr>
+        <p:style>
+          <a:lnRef idx="2">
+            <a:schemeClr val="accent1">
+              <a:shade val="50000"/>
+            </a:schemeClr>
+          </a:lnRef>
+          <a:fillRef idx="1">
+            <a:schemeClr val="accent1"/>
+          </a:fillRef>
+          <a:effectRef idx="0">
+            <a:schemeClr val="accent1"/>
+          </a:effectRef>
+          <a:fontRef idx="minor">
+            <a:schemeClr val="lt1"/>
+          </a:fontRef>
+        </p:style>
+        <p:txBody>
+          <a:bodyPr rtlCol="0" anchor="ctr"/>
+          <a:lstStyle/>
+          <a:p>
+            <a:pPr algn="ctr" defTabSz="914363"/>
+            <a:r>
+              <a:rPr kumimoji="1" lang="en-US" altLang="zh-CN" sz="3667" dirty="0">
+                <a:solidFill>
+                  <a:srgbClr val="002060"/>
+                </a:solidFill>
+                <a:latin typeface="Arial Black" panose="020B0604020202020204" pitchFamily="34" charset="0"/>
+                <a:ea typeface="Arial Unicode MS" panose="020B0604020202020204" pitchFamily="34" charset="-128"/>
+                <a:cs typeface="Arial Black" panose="020B0604020202020204" pitchFamily="34" charset="0"/>
+                <a:sym typeface="+mn-lt"/>
+              </a:rPr>
+              <a:t>UML</a:t>
+            </a:r>
+            <a:endParaRPr kumimoji="1" lang="zh-CN" altLang="en-US" sz="3667" dirty="0">
+              <a:solidFill>
+                <a:srgbClr val="002060"/>
+              </a:solidFill>
+              <a:latin typeface="Arial Black" panose="020B0604020202020204" pitchFamily="34" charset="0"/>
+              <a:ea typeface="Arial Unicode MS" panose="020B0604020202020204" pitchFamily="34" charset="-128"/>
+              <a:cs typeface="Arial Black" panose="020B0604020202020204" pitchFamily="34" charset="0"/>
+              <a:sym typeface="+mn-lt"/>
+            </a:endParaRPr>
           </a:p>
         </p:txBody>
       </p:sp>
@@ -6525,8 +6416,8 @@
         </p:blipFill>
         <p:spPr>
           <a:xfrm>
-            <a:off x="439309" y="1340968"/>
-            <a:ext cx="4833089" cy="5379951"/>
+            <a:off x="796066" y="1535054"/>
+            <a:ext cx="6935823" cy="4605678"/>
           </a:xfrm>
           <a:prstGeom prst="rect">
             <a:avLst/>
@@ -6535,10 +6426,10 @@
       </p:pic>
       <p:sp>
         <p:nvSpPr>
-          <p:cNvPr id="4" name="文字方塊 3">
-            <a:extLst>
-              <a:ext uri="{FF2B5EF4-FFF2-40B4-BE49-F238E27FC236}">
-                <a16:creationId xmlns:a16="http://schemas.microsoft.com/office/drawing/2014/main" id="{352BE26E-C5BB-A9F8-D536-E4173ED45F87}"/>
+          <p:cNvPr id="3" name="文字方塊 2">
+            <a:extLst>
+              <a:ext uri="{FF2B5EF4-FFF2-40B4-BE49-F238E27FC236}">
+                <a16:creationId xmlns:a16="http://schemas.microsoft.com/office/drawing/2014/main" id="{1C9097D0-D3A7-5158-A6C9-ACD2A42382B8}"/>
               </a:ext>
             </a:extLst>
           </p:cNvPr>
@@ -6547,8 +6438,8 @@
         </p:nvSpPr>
         <p:spPr>
           <a:xfrm>
-            <a:off x="5409762" y="1802294"/>
-            <a:ext cx="6528124" cy="3933128"/>
+            <a:off x="7243182" y="2474626"/>
+            <a:ext cx="2016566" cy="879151"/>
           </a:xfrm>
           <a:prstGeom prst="rect">
             <a:avLst/>
@@ -6568,426 +6459,66 @@
               <a:buNone/>
             </a:pPr>
             <a:r>
-              <a:rPr lang="zh-TW" altLang="en-US" sz="1400" dirty="0">
-                <a:solidFill>
-                  <a:srgbClr val="000000"/>
-                </a:solidFill>
-                <a:latin typeface="Arial Unicode MS" panose="020B0604020202020204" pitchFamily="34" charset="-128"/>
-                <a:ea typeface="Arial Unicode MS" panose="020B0604020202020204" pitchFamily="34" charset="-128"/>
-                <a:cs typeface="Arial Unicode MS" panose="020B0604020202020204" pitchFamily="34" charset="-128"/>
-              </a:rPr>
-              <a:t>活動圖的主要組成部分</a:t>
-            </a:r>
-          </a:p>
-          <a:p>
-            <a:pPr indent="0" algn="l">
-              <a:lnSpc>
-                <a:spcPct val="150000"/>
-              </a:lnSpc>
-              <a:buNone/>
-            </a:pPr>
-            <a:r>
-              <a:rPr lang="en-US" altLang="zh-TW" sz="1400" dirty="0">
-                <a:solidFill>
-                  <a:srgbClr val="000000"/>
-                </a:solidFill>
-                <a:latin typeface="Arial Unicode MS" panose="020B0604020202020204" pitchFamily="34" charset="-128"/>
-                <a:ea typeface="Arial Unicode MS" panose="020B0604020202020204" pitchFamily="34" charset="-128"/>
-                <a:cs typeface="Arial Unicode MS" panose="020B0604020202020204" pitchFamily="34" charset="-128"/>
-              </a:rPr>
-              <a:t>1.</a:t>
-            </a:r>
-            <a:r>
-              <a:rPr lang="zh-TW" altLang="en-US" sz="1400" dirty="0">
-                <a:solidFill>
-                  <a:srgbClr val="000000"/>
-                </a:solidFill>
-                <a:latin typeface="Arial Unicode MS" panose="020B0604020202020204" pitchFamily="34" charset="-128"/>
-                <a:ea typeface="Arial Unicode MS" panose="020B0604020202020204" pitchFamily="34" charset="-128"/>
-                <a:cs typeface="Arial Unicode MS" panose="020B0604020202020204" pitchFamily="34" charset="-128"/>
-              </a:rPr>
-              <a:t>活動（</a:t>
-            </a:r>
-            <a:r>
-              <a:rPr lang="en" altLang="zh-TW" sz="1400" dirty="0">
-                <a:solidFill>
-                  <a:srgbClr val="000000"/>
-                </a:solidFill>
-                <a:latin typeface="Arial Unicode MS" panose="020B0604020202020204" pitchFamily="34" charset="-128"/>
-                <a:ea typeface="Arial Unicode MS" panose="020B0604020202020204" pitchFamily="34" charset="-128"/>
-                <a:cs typeface="Arial Unicode MS" panose="020B0604020202020204" pitchFamily="34" charset="-128"/>
-              </a:rPr>
-              <a:t>Actions</a:t>
-            </a:r>
-            <a:r>
-              <a:rPr lang="zh-TW" altLang="en" sz="1400" dirty="0">
-                <a:solidFill>
-                  <a:srgbClr val="000000"/>
-                </a:solidFill>
-                <a:latin typeface="Arial Unicode MS" panose="020B0604020202020204" pitchFamily="34" charset="-128"/>
-                <a:ea typeface="Arial Unicode MS" panose="020B0604020202020204" pitchFamily="34" charset="-128"/>
-                <a:cs typeface="Arial Unicode MS" panose="020B0604020202020204" pitchFamily="34" charset="-128"/>
-              </a:rPr>
-              <a:t>）：</a:t>
-            </a:r>
-            <a:r>
-              <a:rPr lang="zh-TW" altLang="en-US" sz="1400" dirty="0">
-                <a:solidFill>
-                  <a:srgbClr val="000000"/>
-                </a:solidFill>
-                <a:latin typeface="Arial Unicode MS" panose="020B0604020202020204" pitchFamily="34" charset="-128"/>
-                <a:ea typeface="Arial Unicode MS" panose="020B0604020202020204" pitchFamily="34" charset="-128"/>
-                <a:cs typeface="Arial Unicode MS" panose="020B0604020202020204" pitchFamily="34" charset="-128"/>
-              </a:rPr>
-              <a:t>代表系統或業務流程中的一個操作步驟或任務。活動之間透過控制流連接。</a:t>
-            </a:r>
-          </a:p>
-          <a:p>
-            <a:pPr indent="0" algn="l">
-              <a:lnSpc>
-                <a:spcPct val="150000"/>
-              </a:lnSpc>
-              <a:buNone/>
-            </a:pPr>
-            <a:r>
-              <a:rPr lang="en-US" altLang="zh-TW" sz="1400" dirty="0">
-                <a:solidFill>
-                  <a:srgbClr val="000000"/>
-                </a:solidFill>
-                <a:latin typeface="Arial Unicode MS" panose="020B0604020202020204" pitchFamily="34" charset="-128"/>
-                <a:ea typeface="Arial Unicode MS" panose="020B0604020202020204" pitchFamily="34" charset="-128"/>
-                <a:cs typeface="Arial Unicode MS" panose="020B0604020202020204" pitchFamily="34" charset="-128"/>
-              </a:rPr>
-              <a:t>2.</a:t>
-            </a:r>
-            <a:r>
-              <a:rPr lang="zh-TW" altLang="en-US" sz="1400" dirty="0">
-                <a:solidFill>
-                  <a:srgbClr val="000000"/>
-                </a:solidFill>
-                <a:latin typeface="Arial Unicode MS" panose="020B0604020202020204" pitchFamily="34" charset="-128"/>
-                <a:ea typeface="Arial Unicode MS" panose="020B0604020202020204" pitchFamily="34" charset="-128"/>
-                <a:cs typeface="Arial Unicode MS" panose="020B0604020202020204" pitchFamily="34" charset="-128"/>
-              </a:rPr>
-              <a:t>控制流程（</a:t>
-            </a:r>
-            <a:r>
-              <a:rPr lang="en" altLang="zh-TW" sz="1400" dirty="0">
-                <a:solidFill>
-                  <a:srgbClr val="000000"/>
-                </a:solidFill>
-                <a:latin typeface="Arial Unicode MS" panose="020B0604020202020204" pitchFamily="34" charset="-128"/>
-                <a:ea typeface="Arial Unicode MS" panose="020B0604020202020204" pitchFamily="34" charset="-128"/>
-                <a:cs typeface="Arial Unicode MS" panose="020B0604020202020204" pitchFamily="34" charset="-128"/>
-              </a:rPr>
-              <a:t>Control Flows</a:t>
-            </a:r>
-            <a:r>
-              <a:rPr lang="zh-TW" altLang="en" sz="1400" dirty="0">
-                <a:solidFill>
-                  <a:srgbClr val="000000"/>
-                </a:solidFill>
-                <a:latin typeface="Arial Unicode MS" panose="020B0604020202020204" pitchFamily="34" charset="-128"/>
-                <a:ea typeface="Arial Unicode MS" panose="020B0604020202020204" pitchFamily="34" charset="-128"/>
-                <a:cs typeface="Arial Unicode MS" panose="020B0604020202020204" pitchFamily="34" charset="-128"/>
-              </a:rPr>
-              <a:t>）：</a:t>
-            </a:r>
-            <a:r>
-              <a:rPr lang="zh-TW" altLang="en-US" sz="1400" dirty="0">
-                <a:solidFill>
-                  <a:srgbClr val="000000"/>
-                </a:solidFill>
-                <a:latin typeface="Arial Unicode MS" panose="020B0604020202020204" pitchFamily="34" charset="-128"/>
-                <a:ea typeface="Arial Unicode MS" panose="020B0604020202020204" pitchFamily="34" charset="-128"/>
-                <a:cs typeface="Arial Unicode MS" panose="020B0604020202020204" pitchFamily="34" charset="-128"/>
-              </a:rPr>
-              <a:t>箭頭表示從一個活動到另一個活動的流程。控制流可以是單向的，也可以是帶有條件分支的，也可以表示循環或併發。</a:t>
-            </a:r>
-          </a:p>
-          <a:p>
-            <a:pPr indent="0" algn="l">
-              <a:lnSpc>
-                <a:spcPct val="150000"/>
-              </a:lnSpc>
-              <a:buNone/>
-            </a:pPr>
-            <a:r>
-              <a:rPr lang="en-US" altLang="zh-TW" sz="1400" dirty="0">
-                <a:solidFill>
-                  <a:srgbClr val="000000"/>
-                </a:solidFill>
-                <a:latin typeface="Arial Unicode MS" panose="020B0604020202020204" pitchFamily="34" charset="-128"/>
-                <a:ea typeface="Arial Unicode MS" panose="020B0604020202020204" pitchFamily="34" charset="-128"/>
-                <a:cs typeface="Arial Unicode MS" panose="020B0604020202020204" pitchFamily="34" charset="-128"/>
-              </a:rPr>
-              <a:t>3.</a:t>
-            </a:r>
-            <a:r>
-              <a:rPr lang="zh-TW" altLang="en-US" sz="1400" dirty="0">
-                <a:solidFill>
-                  <a:srgbClr val="000000"/>
-                </a:solidFill>
-                <a:latin typeface="Arial Unicode MS" panose="020B0604020202020204" pitchFamily="34" charset="-128"/>
-                <a:ea typeface="Arial Unicode MS" panose="020B0604020202020204" pitchFamily="34" charset="-128"/>
-                <a:cs typeface="Arial Unicode MS" panose="020B0604020202020204" pitchFamily="34" charset="-128"/>
-              </a:rPr>
-              <a:t>決策點（</a:t>
-            </a:r>
-            <a:r>
-              <a:rPr lang="en" altLang="zh-TW" sz="1400" dirty="0">
-                <a:solidFill>
-                  <a:srgbClr val="000000"/>
-                </a:solidFill>
-                <a:latin typeface="Arial Unicode MS" panose="020B0604020202020204" pitchFamily="34" charset="-128"/>
-                <a:ea typeface="Arial Unicode MS" panose="020B0604020202020204" pitchFamily="34" charset="-128"/>
-                <a:cs typeface="Arial Unicode MS" panose="020B0604020202020204" pitchFamily="34" charset="-128"/>
-              </a:rPr>
-              <a:t>Decision Points</a:t>
-            </a:r>
-            <a:r>
-              <a:rPr lang="zh-TW" altLang="en" sz="1400" dirty="0">
-                <a:solidFill>
-                  <a:srgbClr val="000000"/>
-                </a:solidFill>
-                <a:latin typeface="Arial Unicode MS" panose="020B0604020202020204" pitchFamily="34" charset="-128"/>
-                <a:ea typeface="Arial Unicode MS" panose="020B0604020202020204" pitchFamily="34" charset="-128"/>
-                <a:cs typeface="Arial Unicode MS" panose="020B0604020202020204" pitchFamily="34" charset="-128"/>
-              </a:rPr>
-              <a:t>）：</a:t>
-            </a:r>
-            <a:r>
-              <a:rPr lang="zh-TW" altLang="en-US" sz="1400" dirty="0">
-                <a:solidFill>
-                  <a:srgbClr val="000000"/>
-                </a:solidFill>
-                <a:latin typeface="Arial Unicode MS" panose="020B0604020202020204" pitchFamily="34" charset="-128"/>
-                <a:ea typeface="Arial Unicode MS" panose="020B0604020202020204" pitchFamily="34" charset="-128"/>
-                <a:cs typeface="Arial Unicode MS" panose="020B0604020202020204" pitchFamily="34" charset="-128"/>
-              </a:rPr>
-              <a:t>包括分支（</a:t>
-            </a:r>
-            <a:r>
-              <a:rPr lang="en" altLang="zh-TW" sz="1400" dirty="0">
-                <a:solidFill>
-                  <a:srgbClr val="000000"/>
-                </a:solidFill>
-                <a:latin typeface="Arial Unicode MS" panose="020B0604020202020204" pitchFamily="34" charset="-128"/>
-                <a:ea typeface="Arial Unicode MS" panose="020B0604020202020204" pitchFamily="34" charset="-128"/>
-                <a:cs typeface="Arial Unicode MS" panose="020B0604020202020204" pitchFamily="34" charset="-128"/>
-              </a:rPr>
-              <a:t>Fork</a:t>
-            </a:r>
-            <a:r>
-              <a:rPr lang="zh-TW" altLang="en" sz="1400" dirty="0">
-                <a:solidFill>
-                  <a:srgbClr val="000000"/>
-                </a:solidFill>
-                <a:latin typeface="Arial Unicode MS" panose="020B0604020202020204" pitchFamily="34" charset="-128"/>
-                <a:ea typeface="Arial Unicode MS" panose="020B0604020202020204" pitchFamily="34" charset="-128"/>
-                <a:cs typeface="Arial Unicode MS" panose="020B0604020202020204" pitchFamily="34" charset="-128"/>
-              </a:rPr>
-              <a:t>）</a:t>
-            </a:r>
-            <a:r>
-              <a:rPr lang="zh-TW" altLang="en-US" sz="1400" dirty="0">
-                <a:solidFill>
-                  <a:srgbClr val="000000"/>
-                </a:solidFill>
-                <a:latin typeface="Arial Unicode MS" panose="020B0604020202020204" pitchFamily="34" charset="-128"/>
-                <a:ea typeface="Arial Unicode MS" panose="020B0604020202020204" pitchFamily="34" charset="-128"/>
-                <a:cs typeface="Arial Unicode MS" panose="020B0604020202020204" pitchFamily="34" charset="-128"/>
-              </a:rPr>
-              <a:t>和合併（</a:t>
-            </a:r>
-            <a:r>
-              <a:rPr lang="en" altLang="zh-TW" sz="1400" dirty="0">
-                <a:solidFill>
-                  <a:srgbClr val="000000"/>
-                </a:solidFill>
-                <a:latin typeface="Arial Unicode MS" panose="020B0604020202020204" pitchFamily="34" charset="-128"/>
-                <a:ea typeface="Arial Unicode MS" panose="020B0604020202020204" pitchFamily="34" charset="-128"/>
-                <a:cs typeface="Arial Unicode MS" panose="020B0604020202020204" pitchFamily="34" charset="-128"/>
-              </a:rPr>
-              <a:t>Join</a:t>
-            </a:r>
-            <a:r>
-              <a:rPr lang="zh-TW" altLang="en" sz="1400" dirty="0">
-                <a:solidFill>
-                  <a:srgbClr val="000000"/>
-                </a:solidFill>
-                <a:latin typeface="Arial Unicode MS" panose="020B0604020202020204" pitchFamily="34" charset="-128"/>
-                <a:ea typeface="Arial Unicode MS" panose="020B0604020202020204" pitchFamily="34" charset="-128"/>
-                <a:cs typeface="Arial Unicode MS" panose="020B0604020202020204" pitchFamily="34" charset="-128"/>
-              </a:rPr>
-              <a:t>）。</a:t>
-            </a:r>
-            <a:r>
-              <a:rPr lang="zh-TW" altLang="en-US" sz="1400" dirty="0">
-                <a:solidFill>
-                  <a:srgbClr val="000000"/>
-                </a:solidFill>
-                <a:latin typeface="Arial Unicode MS" panose="020B0604020202020204" pitchFamily="34" charset="-128"/>
-                <a:ea typeface="Arial Unicode MS" panose="020B0604020202020204" pitchFamily="34" charset="-128"/>
-                <a:cs typeface="Arial Unicode MS" panose="020B0604020202020204" pitchFamily="34" charset="-128"/>
-              </a:rPr>
-              <a:t>分支用於表示並行活動的開始，而合併用於表示並行活動的結束。</a:t>
-            </a:r>
-          </a:p>
-          <a:p>
-            <a:pPr indent="0" algn="l">
-              <a:lnSpc>
-                <a:spcPct val="150000"/>
-              </a:lnSpc>
-              <a:buNone/>
-            </a:pPr>
-            <a:r>
-              <a:rPr lang="en-US" altLang="zh-TW" sz="1400" dirty="0">
-                <a:solidFill>
-                  <a:srgbClr val="000000"/>
-                </a:solidFill>
-                <a:latin typeface="Arial Unicode MS" panose="020B0604020202020204" pitchFamily="34" charset="-128"/>
-                <a:ea typeface="Arial Unicode MS" panose="020B0604020202020204" pitchFamily="34" charset="-128"/>
-                <a:cs typeface="Arial Unicode MS" panose="020B0604020202020204" pitchFamily="34" charset="-128"/>
-              </a:rPr>
-              <a:t>4.</a:t>
-            </a:r>
-            <a:r>
-              <a:rPr lang="zh-TW" altLang="en-US" sz="1400" dirty="0">
-                <a:solidFill>
-                  <a:srgbClr val="000000"/>
-                </a:solidFill>
-                <a:latin typeface="Arial Unicode MS" panose="020B0604020202020204" pitchFamily="34" charset="-128"/>
-                <a:ea typeface="Arial Unicode MS" panose="020B0604020202020204" pitchFamily="34" charset="-128"/>
-                <a:cs typeface="Arial Unicode MS" panose="020B0604020202020204" pitchFamily="34" charset="-128"/>
-              </a:rPr>
-              <a:t>泳道（</a:t>
-            </a:r>
-            <a:r>
-              <a:rPr lang="en" altLang="zh-TW" sz="1400" dirty="0" err="1">
-                <a:solidFill>
-                  <a:srgbClr val="000000"/>
-                </a:solidFill>
-                <a:latin typeface="Arial Unicode MS" panose="020B0604020202020204" pitchFamily="34" charset="-128"/>
-                <a:ea typeface="Arial Unicode MS" panose="020B0604020202020204" pitchFamily="34" charset="-128"/>
-                <a:cs typeface="Arial Unicode MS" panose="020B0604020202020204" pitchFamily="34" charset="-128"/>
-              </a:rPr>
-              <a:t>Swimlanes</a:t>
-            </a:r>
-            <a:r>
-              <a:rPr lang="zh-TW" altLang="en" sz="1400" dirty="0">
-                <a:solidFill>
-                  <a:srgbClr val="000000"/>
-                </a:solidFill>
-                <a:latin typeface="Arial Unicode MS" panose="020B0604020202020204" pitchFamily="34" charset="-128"/>
-                <a:ea typeface="Arial Unicode MS" panose="020B0604020202020204" pitchFamily="34" charset="-128"/>
-                <a:cs typeface="Arial Unicode MS" panose="020B0604020202020204" pitchFamily="34" charset="-128"/>
-              </a:rPr>
-              <a:t>）：</a:t>
-            </a:r>
-            <a:r>
-              <a:rPr lang="zh-TW" altLang="en-US" sz="1400" dirty="0">
-                <a:solidFill>
-                  <a:srgbClr val="000000"/>
-                </a:solidFill>
-                <a:latin typeface="Arial Unicode MS" panose="020B0604020202020204" pitchFamily="34" charset="-128"/>
-                <a:ea typeface="Arial Unicode MS" panose="020B0604020202020204" pitchFamily="34" charset="-128"/>
-                <a:cs typeface="Arial Unicode MS" panose="020B0604020202020204" pitchFamily="34" charset="-128"/>
-              </a:rPr>
-              <a:t>將活動圖劃分為不同的邏輯區域，每個區域代表不同的參與者（如使用者、系統或子系統），有助於理解不同實體在過程中的角色和責任。</a:t>
-            </a:r>
-          </a:p>
-          <a:p>
-            <a:pPr indent="0" algn="l">
-              <a:lnSpc>
-                <a:spcPct val="150000"/>
-              </a:lnSpc>
-              <a:buNone/>
-            </a:pPr>
-            <a:r>
-              <a:rPr lang="en-US" altLang="zh-TW" sz="1400" dirty="0">
-                <a:solidFill>
-                  <a:srgbClr val="000000"/>
-                </a:solidFill>
-                <a:latin typeface="Arial Unicode MS" panose="020B0604020202020204" pitchFamily="34" charset="-128"/>
-                <a:ea typeface="Arial Unicode MS" panose="020B0604020202020204" pitchFamily="34" charset="-128"/>
-                <a:cs typeface="Arial Unicode MS" panose="020B0604020202020204" pitchFamily="34" charset="-128"/>
-              </a:rPr>
-              <a:t>5.</a:t>
-            </a:r>
-            <a:r>
-              <a:rPr lang="zh-TW" altLang="en-US" sz="1400" dirty="0">
-                <a:solidFill>
-                  <a:srgbClr val="000000"/>
-                </a:solidFill>
-                <a:latin typeface="Arial Unicode MS" panose="020B0604020202020204" pitchFamily="34" charset="-128"/>
-                <a:ea typeface="Arial Unicode MS" panose="020B0604020202020204" pitchFamily="34" charset="-128"/>
-                <a:cs typeface="Arial Unicode MS" panose="020B0604020202020204" pitchFamily="34" charset="-128"/>
-              </a:rPr>
-              <a:t>開始和結束點：分別表示活動圖的起點和終點。</a:t>
-            </a:r>
-          </a:p>
-          <a:p>
-            <a:pPr indent="0" algn="l">
-              <a:lnSpc>
-                <a:spcPct val="150000"/>
-              </a:lnSpc>
-            </a:pPr>
-            <a:r>
-              <a:rPr lang="en-US" altLang="zh-TW" sz="1400" dirty="0">
-                <a:solidFill>
-                  <a:srgbClr val="000000"/>
-                </a:solidFill>
-                <a:latin typeface="Arial Unicode MS" panose="020B0604020202020204" pitchFamily="34" charset="-128"/>
-                <a:ea typeface="Arial Unicode MS" panose="020B0604020202020204" pitchFamily="34" charset="-128"/>
-                <a:cs typeface="Arial Unicode MS" panose="020B0604020202020204" pitchFamily="34" charset="-128"/>
-              </a:rPr>
-              <a:t>6.</a:t>
-            </a:r>
-            <a:r>
-              <a:rPr lang="zh-TW" altLang="en-US" sz="1400" dirty="0">
-                <a:solidFill>
-                  <a:srgbClr val="000000"/>
-                </a:solidFill>
-                <a:latin typeface="Arial Unicode MS" panose="020B0604020202020204" pitchFamily="34" charset="-128"/>
-                <a:ea typeface="Arial Unicode MS" panose="020B0604020202020204" pitchFamily="34" charset="-128"/>
-                <a:cs typeface="Arial Unicode MS" panose="020B0604020202020204" pitchFamily="34" charset="-128"/>
-              </a:rPr>
-              <a:t>物件流（</a:t>
-            </a:r>
-            <a:r>
-              <a:rPr lang="en" altLang="zh-TW" sz="1400" dirty="0">
-                <a:solidFill>
-                  <a:srgbClr val="000000"/>
-                </a:solidFill>
-                <a:latin typeface="Arial Unicode MS" panose="020B0604020202020204" pitchFamily="34" charset="-128"/>
-                <a:ea typeface="Arial Unicode MS" panose="020B0604020202020204" pitchFamily="34" charset="-128"/>
-                <a:cs typeface="Arial Unicode MS" panose="020B0604020202020204" pitchFamily="34" charset="-128"/>
-              </a:rPr>
-              <a:t>Object Flows</a:t>
-            </a:r>
-            <a:r>
-              <a:rPr lang="zh-TW" altLang="en" sz="1400" dirty="0">
-                <a:solidFill>
-                  <a:srgbClr val="000000"/>
-                </a:solidFill>
-                <a:latin typeface="Arial Unicode MS" panose="020B0604020202020204" pitchFamily="34" charset="-128"/>
-                <a:ea typeface="Arial Unicode MS" panose="020B0604020202020204" pitchFamily="34" charset="-128"/>
-                <a:cs typeface="Arial Unicode MS" panose="020B0604020202020204" pitchFamily="34" charset="-128"/>
-              </a:rPr>
-              <a:t>）：</a:t>
-            </a:r>
-            <a:r>
-              <a:rPr lang="zh-TW" altLang="en-US" sz="1400" dirty="0">
-                <a:solidFill>
-                  <a:srgbClr val="000000"/>
-                </a:solidFill>
-                <a:latin typeface="Arial Unicode MS" panose="020B0604020202020204" pitchFamily="34" charset="-128"/>
-                <a:ea typeface="Arial Unicode MS" panose="020B0604020202020204" pitchFamily="34" charset="-128"/>
-                <a:cs typeface="Arial Unicode MS" panose="020B0604020202020204" pitchFamily="34" charset="-128"/>
-              </a:rPr>
-              <a:t>雖然活動圖主要關注流程控制，但也可以表示物件或資料的流動，尤其是在物件之間傳遞資料時。</a:t>
-            </a:r>
+              <a:rPr lang="en" altLang="zh-TW" b="0" i="0" u="none" strike="noStrike" dirty="0">
+                <a:solidFill>
+                  <a:srgbClr val="242424"/>
+                </a:solidFill>
+                <a:effectLst/>
+                <a:latin typeface="source-code-pro"/>
+              </a:rPr>
+              <a:t>+ Public, </a:t>
+            </a:r>
+            <a:r>
+              <a:rPr lang="zh-TW" altLang="en-US" b="0" i="0" u="none" strike="noStrike" dirty="0">
+                <a:solidFill>
+                  <a:srgbClr val="242424"/>
+                </a:solidFill>
+                <a:effectLst/>
+                <a:latin typeface="source-code-pro"/>
+              </a:rPr>
+              <a:t>公共</a:t>
+            </a:r>
+            <a:br>
+              <a:rPr lang="zh-TW" altLang="en-US" dirty="0"/>
+            </a:br>
+            <a:r>
+              <a:rPr lang="en-US" altLang="zh-TW" b="0" i="0" u="none" strike="noStrike" dirty="0">
+                <a:solidFill>
+                  <a:srgbClr val="242424"/>
+                </a:solidFill>
+                <a:effectLst/>
+                <a:latin typeface="source-code-pro"/>
+              </a:rPr>
+              <a:t>- </a:t>
+            </a:r>
+            <a:r>
+              <a:rPr lang="en" altLang="zh-TW" b="0" i="0" u="none" strike="noStrike" dirty="0">
+                <a:solidFill>
+                  <a:srgbClr val="242424"/>
+                </a:solidFill>
+                <a:effectLst/>
+                <a:latin typeface="source-code-pro"/>
+              </a:rPr>
+              <a:t>Private, </a:t>
+            </a:r>
+            <a:r>
+              <a:rPr lang="zh-TW" altLang="en-US" b="0" i="0" u="none" strike="noStrike" dirty="0">
+                <a:solidFill>
+                  <a:srgbClr val="242424"/>
+                </a:solidFill>
+                <a:effectLst/>
+                <a:latin typeface="source-code-pro"/>
+              </a:rPr>
+              <a:t>私有</a:t>
+            </a:r>
+            <a:endParaRPr lang="zh-TW" altLang="en-US" dirty="0">
+              <a:solidFill>
+                <a:srgbClr val="000000"/>
+              </a:solidFill>
+              <a:latin typeface="Arial Unicode MS" panose="020B0604020202020204" pitchFamily="34" charset="-128"/>
+              <a:ea typeface="Arial Unicode MS" panose="020B0604020202020204" pitchFamily="34" charset="-128"/>
+              <a:cs typeface="Arial Unicode MS" panose="020B0604020202020204" pitchFamily="34" charset="-128"/>
+            </a:endParaRPr>
           </a:p>
         </p:txBody>
       </p:sp>
@@ -6995,785 +6526,6 @@
     <p:extLst>
       <p:ext uri="{BB962C8B-B14F-4D97-AF65-F5344CB8AC3E}">
         <p14:creationId xmlns:p14="http://schemas.microsoft.com/office/powerpoint/2010/main" val="3348728122"/>
-      </p:ext>
-    </p:extLst>
-  </p:cSld>
-  <p:clrMapOvr>
-    <a:masterClrMapping/>
-  </p:clrMapOvr>
-  <p:transition spd="med">
-    <p:pull/>
-  </p:transition>
-</p:sld>
-</file>
-
-<file path=ppt/slides/slide5.xml><?xml version="1.0" encoding="utf-8"?>
-<p:sld xmlns:a="http://schemas.openxmlformats.org/drawingml/2006/main" xmlns:r="http://schemas.openxmlformats.org/officeDocument/2006/relationships" xmlns:p="http://schemas.openxmlformats.org/presentationml/2006/main">
-  <p:cSld>
-    <p:spTree>
-      <p:nvGrpSpPr>
-        <p:cNvPr id="1" name="">
-          <a:extLst>
-            <a:ext uri="{FF2B5EF4-FFF2-40B4-BE49-F238E27FC236}">
-              <a16:creationId xmlns:a16="http://schemas.microsoft.com/office/drawing/2014/main" id="{CD9EBCA3-6E00-1C98-3297-86736C98F9FF}"/>
-            </a:ext>
-          </a:extLst>
-        </p:cNvPr>
-        <p:cNvGrpSpPr/>
-        <p:nvPr/>
-      </p:nvGrpSpPr>
-      <p:grpSpPr>
-        <a:xfrm>
-          <a:off x="0" y="0"/>
-          <a:ext cx="0" cy="0"/>
-          <a:chOff x="0" y="0"/>
-          <a:chExt cx="0" cy="0"/>
-        </a:xfrm>
-      </p:grpSpPr>
-      <p:sp>
-        <p:nvSpPr>
-          <p:cNvPr id="6" name="矩形: 圆角 1">
-            <a:extLst>
-              <a:ext uri="{FF2B5EF4-FFF2-40B4-BE49-F238E27FC236}">
-                <a16:creationId xmlns:a16="http://schemas.microsoft.com/office/drawing/2014/main" id="{B24D3E24-79D9-5B5B-089E-47C509CBDA7F}"/>
-              </a:ext>
-            </a:extLst>
-          </p:cNvPr>
-          <p:cNvSpPr/>
-          <p:nvPr/>
-        </p:nvSpPr>
-        <p:spPr>
-          <a:xfrm>
-            <a:off x="4124280" y="137081"/>
-            <a:ext cx="3943441" cy="623469"/>
-          </a:xfrm>
-          <a:prstGeom prst="roundRect">
-            <a:avLst>
-              <a:gd name="adj" fmla="val 31585"/>
-            </a:avLst>
-          </a:prstGeom>
-          <a:solidFill>
-            <a:schemeClr val="accent4">
-              <a:lumMod val="60000"/>
-              <a:lumOff val="40000"/>
-              <a:alpha val="78824"/>
-            </a:schemeClr>
-          </a:solidFill>
-          <a:ln>
-            <a:noFill/>
-          </a:ln>
-        </p:spPr>
-        <p:style>
-          <a:lnRef idx="2">
-            <a:schemeClr val="accent1">
-              <a:shade val="50000"/>
-            </a:schemeClr>
-          </a:lnRef>
-          <a:fillRef idx="1">
-            <a:schemeClr val="accent1"/>
-          </a:fillRef>
-          <a:effectRef idx="0">
-            <a:schemeClr val="accent1"/>
-          </a:effectRef>
-          <a:fontRef idx="minor">
-            <a:schemeClr val="lt1"/>
-          </a:fontRef>
-        </p:style>
-        <p:txBody>
-          <a:bodyPr rtlCol="0" anchor="ctr"/>
-          <a:lstStyle/>
-          <a:p>
-            <a:pPr algn="ctr" defTabSz="914363"/>
-            <a:r>
-              <a:rPr kumimoji="1" lang="en-US" altLang="zh-CN" sz="3667" dirty="0">
-                <a:solidFill>
-                  <a:srgbClr val="002060"/>
-                </a:solidFill>
-                <a:latin typeface="Arial Black" panose="020B0604020202020204" pitchFamily="34" charset="0"/>
-                <a:ea typeface="Arial Unicode MS" panose="020B0604020202020204" pitchFamily="34" charset="-128"/>
-                <a:cs typeface="Arial Black" panose="020B0604020202020204" pitchFamily="34" charset="0"/>
-                <a:sym typeface="+mn-lt"/>
-              </a:rPr>
-              <a:t>UML</a:t>
-            </a:r>
-            <a:endParaRPr kumimoji="1" lang="zh-CN" altLang="en-US" sz="3667" dirty="0">
-              <a:solidFill>
-                <a:srgbClr val="002060"/>
-              </a:solidFill>
-              <a:latin typeface="Arial Black" panose="020B0604020202020204" pitchFamily="34" charset="0"/>
-              <a:ea typeface="Arial Unicode MS" panose="020B0604020202020204" pitchFamily="34" charset="-128"/>
-              <a:cs typeface="Arial Black" panose="020B0604020202020204" pitchFamily="34" charset="0"/>
-              <a:sym typeface="+mn-lt"/>
-            </a:endParaRPr>
-          </a:p>
-        </p:txBody>
-      </p:sp>
-      <p:sp>
-        <p:nvSpPr>
-          <p:cNvPr id="25" name="半框架 24">
-            <a:extLst>
-              <a:ext uri="{FF2B5EF4-FFF2-40B4-BE49-F238E27FC236}">
-                <a16:creationId xmlns:a16="http://schemas.microsoft.com/office/drawing/2014/main" id="{164C39D0-B08E-FC85-11F0-A16516C7EABA}"/>
-              </a:ext>
-            </a:extLst>
-          </p:cNvPr>
-          <p:cNvSpPr/>
-          <p:nvPr/>
-        </p:nvSpPr>
-        <p:spPr>
-          <a:xfrm>
-            <a:off x="0" y="1"/>
-            <a:ext cx="1395663" cy="1275347"/>
-          </a:xfrm>
-          <a:prstGeom prst="halfFrame">
-            <a:avLst>
-              <a:gd name="adj1" fmla="val 8886"/>
-              <a:gd name="adj2" fmla="val 8978"/>
-            </a:avLst>
-          </a:prstGeom>
-          <a:solidFill>
-            <a:schemeClr val="accent4">
-              <a:lumMod val="60000"/>
-              <a:lumOff val="40000"/>
-              <a:alpha val="78824"/>
-            </a:schemeClr>
-          </a:solidFill>
-          <a:ln>
-            <a:noFill/>
-          </a:ln>
-        </p:spPr>
-        <p:style>
-          <a:lnRef idx="2">
-            <a:schemeClr val="accent1">
-              <a:shade val="50000"/>
-            </a:schemeClr>
-          </a:lnRef>
-          <a:fillRef idx="1">
-            <a:schemeClr val="accent1"/>
-          </a:fillRef>
-          <a:effectRef idx="0">
-            <a:schemeClr val="accent1"/>
-          </a:effectRef>
-          <a:fontRef idx="minor">
-            <a:schemeClr val="lt1"/>
-          </a:fontRef>
-        </p:style>
-        <p:txBody>
-          <a:bodyPr rtlCol="0" anchor="ctr"/>
-          <a:lstStyle/>
-          <a:p>
-            <a:pPr algn="ctr"/>
-            <a:endParaRPr kumimoji="1" lang="zh-TW" altLang="en-US">
-              <a:solidFill>
-                <a:schemeClr val="tx1"/>
-              </a:solidFill>
-            </a:endParaRPr>
-          </a:p>
-        </p:txBody>
-      </p:sp>
-      <p:sp>
-        <p:nvSpPr>
-          <p:cNvPr id="27" name="半框架 26">
-            <a:extLst>
-              <a:ext uri="{FF2B5EF4-FFF2-40B4-BE49-F238E27FC236}">
-                <a16:creationId xmlns:a16="http://schemas.microsoft.com/office/drawing/2014/main" id="{54F3C139-2922-CC00-7919-4E5C38EDBAD4}"/>
-              </a:ext>
-            </a:extLst>
-          </p:cNvPr>
-          <p:cNvSpPr/>
-          <p:nvPr/>
-        </p:nvSpPr>
-        <p:spPr>
-          <a:xfrm rot="10800000">
-            <a:off x="10796338" y="5582653"/>
-            <a:ext cx="1395663" cy="1275347"/>
-          </a:xfrm>
-          <a:prstGeom prst="halfFrame">
-            <a:avLst>
-              <a:gd name="adj1" fmla="val 8886"/>
-              <a:gd name="adj2" fmla="val 8978"/>
-            </a:avLst>
-          </a:prstGeom>
-          <a:solidFill>
-            <a:schemeClr val="accent4">
-              <a:lumMod val="60000"/>
-              <a:lumOff val="40000"/>
-              <a:alpha val="78824"/>
-            </a:schemeClr>
-          </a:solidFill>
-          <a:ln>
-            <a:noFill/>
-          </a:ln>
-        </p:spPr>
-        <p:style>
-          <a:lnRef idx="2">
-            <a:schemeClr val="accent1">
-              <a:shade val="50000"/>
-            </a:schemeClr>
-          </a:lnRef>
-          <a:fillRef idx="1">
-            <a:schemeClr val="accent1"/>
-          </a:fillRef>
-          <a:effectRef idx="0">
-            <a:schemeClr val="accent1"/>
-          </a:effectRef>
-          <a:fontRef idx="minor">
-            <a:schemeClr val="lt1"/>
-          </a:fontRef>
-        </p:style>
-        <p:txBody>
-          <a:bodyPr rtlCol="0" anchor="ctr"/>
-          <a:lstStyle/>
-          <a:p>
-            <a:pPr algn="ctr"/>
-            <a:endParaRPr kumimoji="1" lang="zh-TW" altLang="en-US">
-              <a:solidFill>
-                <a:schemeClr val="tx1"/>
-              </a:solidFill>
-            </a:endParaRPr>
-          </a:p>
-        </p:txBody>
-      </p:sp>
-      <p:sp>
-        <p:nvSpPr>
-          <p:cNvPr id="26" name="文字方塊 25">
-            <a:extLst>
-              <a:ext uri="{FF2B5EF4-FFF2-40B4-BE49-F238E27FC236}">
-                <a16:creationId xmlns:a16="http://schemas.microsoft.com/office/drawing/2014/main" id="{50133DD3-2C7E-FA07-89D7-2D176EE681C8}"/>
-              </a:ext>
-            </a:extLst>
-          </p:cNvPr>
-          <p:cNvSpPr txBox="1"/>
-          <p:nvPr/>
-        </p:nvSpPr>
-        <p:spPr>
-          <a:xfrm>
-            <a:off x="1191430" y="774505"/>
-            <a:ext cx="9809139" cy="500843"/>
-          </a:xfrm>
-          <a:prstGeom prst="rect">
-            <a:avLst/>
-          </a:prstGeom>
-          <a:noFill/>
-        </p:spPr>
-        <p:txBody>
-          <a:bodyPr wrap="square">
-            <a:spAutoFit/>
-          </a:bodyPr>
-          <a:lstStyle/>
-          <a:p>
-            <a:pPr algn="l">
-              <a:lnSpc>
-                <a:spcPct val="150000"/>
-              </a:lnSpc>
-              <a:buFont typeface="Arial" panose="020B0604020202020204" pitchFamily="34" charset="0"/>
-              <a:buChar char="•"/>
-            </a:pPr>
-            <a:r>
-              <a:rPr lang="zh-TW" altLang="en-US" sz="2000" b="1" dirty="0">
-                <a:solidFill>
-                  <a:srgbClr val="000000"/>
-                </a:solidFill>
-                <a:latin typeface="Arial Unicode MS" panose="020B0604020202020204" pitchFamily="34" charset="-128"/>
-                <a:ea typeface="Arial Unicode MS" panose="020B0604020202020204" pitchFamily="34" charset="-128"/>
-                <a:cs typeface="Arial Unicode MS" panose="020B0604020202020204" pitchFamily="34" charset="-128"/>
-              </a:rPr>
-              <a:t>循序圖描述物件之間隨著時間的互動順序，主要用來表示一個功能的執行流程。</a:t>
-            </a:r>
-          </a:p>
-        </p:txBody>
-      </p:sp>
-      <p:pic>
-        <p:nvPicPr>
-          <p:cNvPr id="2" name="圖片 1">
-            <a:extLst>
-              <a:ext uri="{FF2B5EF4-FFF2-40B4-BE49-F238E27FC236}">
-                <a16:creationId xmlns:a16="http://schemas.microsoft.com/office/drawing/2014/main" id="{D728422B-9BD8-6816-5214-FBE8279DF31B}"/>
-              </a:ext>
-            </a:extLst>
-          </p:cNvPr>
-          <p:cNvPicPr>
-            <a:picLocks noChangeAspect="1"/>
-          </p:cNvPicPr>
-          <p:nvPr/>
-        </p:nvPicPr>
-        <p:blipFill>
-          <a:blip r:embed="rId3"/>
-          <a:srcRect/>
-          <a:stretch/>
-        </p:blipFill>
-        <p:spPr>
-          <a:xfrm>
-            <a:off x="439309" y="1340968"/>
-            <a:ext cx="4833089" cy="5379951"/>
-          </a:xfrm>
-          <a:prstGeom prst="rect">
-            <a:avLst/>
-          </a:prstGeom>
-        </p:spPr>
-      </p:pic>
-      <p:sp>
-        <p:nvSpPr>
-          <p:cNvPr id="4" name="文字方塊 3">
-            <a:extLst>
-              <a:ext uri="{FF2B5EF4-FFF2-40B4-BE49-F238E27FC236}">
-                <a16:creationId xmlns:a16="http://schemas.microsoft.com/office/drawing/2014/main" id="{B9B8ECE6-641B-29EA-373A-9C02167C1ED8}"/>
-              </a:ext>
-            </a:extLst>
-          </p:cNvPr>
-          <p:cNvSpPr txBox="1"/>
-          <p:nvPr/>
-        </p:nvSpPr>
-        <p:spPr>
-          <a:xfrm>
-            <a:off x="5409762" y="1802294"/>
-            <a:ext cx="6528124" cy="3933128"/>
-          </a:xfrm>
-          <a:prstGeom prst="rect">
-            <a:avLst/>
-          </a:prstGeom>
-          <a:noFill/>
-        </p:spPr>
-        <p:txBody>
-          <a:bodyPr wrap="square">
-            <a:spAutoFit/>
-          </a:bodyPr>
-          <a:lstStyle/>
-          <a:p>
-            <a:pPr indent="0" algn="l">
-              <a:lnSpc>
-                <a:spcPct val="150000"/>
-              </a:lnSpc>
-              <a:buNone/>
-            </a:pPr>
-            <a:r>
-              <a:rPr lang="zh-TW" altLang="en-US" sz="1400" dirty="0">
-                <a:solidFill>
-                  <a:srgbClr val="000000"/>
-                </a:solidFill>
-                <a:latin typeface="Arial Unicode MS" panose="020B0604020202020204" pitchFamily="34" charset="-128"/>
-                <a:ea typeface="Arial Unicode MS" panose="020B0604020202020204" pitchFamily="34" charset="-128"/>
-                <a:cs typeface="Arial Unicode MS" panose="020B0604020202020204" pitchFamily="34" charset="-128"/>
-              </a:rPr>
-              <a:t>活動圖的主要組成部分</a:t>
-            </a:r>
-          </a:p>
-          <a:p>
-            <a:pPr indent="0" algn="l">
-              <a:lnSpc>
-                <a:spcPct val="150000"/>
-              </a:lnSpc>
-              <a:buNone/>
-            </a:pPr>
-            <a:r>
-              <a:rPr lang="en-US" altLang="zh-TW" sz="1400" dirty="0">
-                <a:solidFill>
-                  <a:srgbClr val="000000"/>
-                </a:solidFill>
-                <a:latin typeface="Arial Unicode MS" panose="020B0604020202020204" pitchFamily="34" charset="-128"/>
-                <a:ea typeface="Arial Unicode MS" panose="020B0604020202020204" pitchFamily="34" charset="-128"/>
-                <a:cs typeface="Arial Unicode MS" panose="020B0604020202020204" pitchFamily="34" charset="-128"/>
-              </a:rPr>
-              <a:t>1.</a:t>
-            </a:r>
-            <a:r>
-              <a:rPr lang="zh-TW" altLang="en-US" sz="1400" dirty="0">
-                <a:solidFill>
-                  <a:srgbClr val="000000"/>
-                </a:solidFill>
-                <a:latin typeface="Arial Unicode MS" panose="020B0604020202020204" pitchFamily="34" charset="-128"/>
-                <a:ea typeface="Arial Unicode MS" panose="020B0604020202020204" pitchFamily="34" charset="-128"/>
-                <a:cs typeface="Arial Unicode MS" panose="020B0604020202020204" pitchFamily="34" charset="-128"/>
-              </a:rPr>
-              <a:t>活動（</a:t>
-            </a:r>
-            <a:r>
-              <a:rPr lang="en" altLang="zh-TW" sz="1400" dirty="0">
-                <a:solidFill>
-                  <a:srgbClr val="000000"/>
-                </a:solidFill>
-                <a:latin typeface="Arial Unicode MS" panose="020B0604020202020204" pitchFamily="34" charset="-128"/>
-                <a:ea typeface="Arial Unicode MS" panose="020B0604020202020204" pitchFamily="34" charset="-128"/>
-                <a:cs typeface="Arial Unicode MS" panose="020B0604020202020204" pitchFamily="34" charset="-128"/>
-              </a:rPr>
-              <a:t>Actions</a:t>
-            </a:r>
-            <a:r>
-              <a:rPr lang="zh-TW" altLang="en" sz="1400" dirty="0">
-                <a:solidFill>
-                  <a:srgbClr val="000000"/>
-                </a:solidFill>
-                <a:latin typeface="Arial Unicode MS" panose="020B0604020202020204" pitchFamily="34" charset="-128"/>
-                <a:ea typeface="Arial Unicode MS" panose="020B0604020202020204" pitchFamily="34" charset="-128"/>
-                <a:cs typeface="Arial Unicode MS" panose="020B0604020202020204" pitchFamily="34" charset="-128"/>
-              </a:rPr>
-              <a:t>）：</a:t>
-            </a:r>
-            <a:r>
-              <a:rPr lang="zh-TW" altLang="en-US" sz="1400" dirty="0">
-                <a:solidFill>
-                  <a:srgbClr val="000000"/>
-                </a:solidFill>
-                <a:latin typeface="Arial Unicode MS" panose="020B0604020202020204" pitchFamily="34" charset="-128"/>
-                <a:ea typeface="Arial Unicode MS" panose="020B0604020202020204" pitchFamily="34" charset="-128"/>
-                <a:cs typeface="Arial Unicode MS" panose="020B0604020202020204" pitchFamily="34" charset="-128"/>
-              </a:rPr>
-              <a:t>代表系統或業務流程中的一個操作步驟或任務。活動之間透過控制流連接。</a:t>
-            </a:r>
-          </a:p>
-          <a:p>
-            <a:pPr indent="0" algn="l">
-              <a:lnSpc>
-                <a:spcPct val="150000"/>
-              </a:lnSpc>
-              <a:buNone/>
-            </a:pPr>
-            <a:r>
-              <a:rPr lang="en-US" altLang="zh-TW" sz="1400" dirty="0">
-                <a:solidFill>
-                  <a:srgbClr val="000000"/>
-                </a:solidFill>
-                <a:latin typeface="Arial Unicode MS" panose="020B0604020202020204" pitchFamily="34" charset="-128"/>
-                <a:ea typeface="Arial Unicode MS" panose="020B0604020202020204" pitchFamily="34" charset="-128"/>
-                <a:cs typeface="Arial Unicode MS" panose="020B0604020202020204" pitchFamily="34" charset="-128"/>
-              </a:rPr>
-              <a:t>2.</a:t>
-            </a:r>
-            <a:r>
-              <a:rPr lang="zh-TW" altLang="en-US" sz="1400" dirty="0">
-                <a:solidFill>
-                  <a:srgbClr val="000000"/>
-                </a:solidFill>
-                <a:latin typeface="Arial Unicode MS" panose="020B0604020202020204" pitchFamily="34" charset="-128"/>
-                <a:ea typeface="Arial Unicode MS" panose="020B0604020202020204" pitchFamily="34" charset="-128"/>
-                <a:cs typeface="Arial Unicode MS" panose="020B0604020202020204" pitchFamily="34" charset="-128"/>
-              </a:rPr>
-              <a:t>控制流程（</a:t>
-            </a:r>
-            <a:r>
-              <a:rPr lang="en" altLang="zh-TW" sz="1400" dirty="0">
-                <a:solidFill>
-                  <a:srgbClr val="000000"/>
-                </a:solidFill>
-                <a:latin typeface="Arial Unicode MS" panose="020B0604020202020204" pitchFamily="34" charset="-128"/>
-                <a:ea typeface="Arial Unicode MS" panose="020B0604020202020204" pitchFamily="34" charset="-128"/>
-                <a:cs typeface="Arial Unicode MS" panose="020B0604020202020204" pitchFamily="34" charset="-128"/>
-              </a:rPr>
-              <a:t>Control Flows</a:t>
-            </a:r>
-            <a:r>
-              <a:rPr lang="zh-TW" altLang="en" sz="1400" dirty="0">
-                <a:solidFill>
-                  <a:srgbClr val="000000"/>
-                </a:solidFill>
-                <a:latin typeface="Arial Unicode MS" panose="020B0604020202020204" pitchFamily="34" charset="-128"/>
-                <a:ea typeface="Arial Unicode MS" panose="020B0604020202020204" pitchFamily="34" charset="-128"/>
-                <a:cs typeface="Arial Unicode MS" panose="020B0604020202020204" pitchFamily="34" charset="-128"/>
-              </a:rPr>
-              <a:t>）：</a:t>
-            </a:r>
-            <a:r>
-              <a:rPr lang="zh-TW" altLang="en-US" sz="1400" dirty="0">
-                <a:solidFill>
-                  <a:srgbClr val="000000"/>
-                </a:solidFill>
-                <a:latin typeface="Arial Unicode MS" panose="020B0604020202020204" pitchFamily="34" charset="-128"/>
-                <a:ea typeface="Arial Unicode MS" panose="020B0604020202020204" pitchFamily="34" charset="-128"/>
-                <a:cs typeface="Arial Unicode MS" panose="020B0604020202020204" pitchFamily="34" charset="-128"/>
-              </a:rPr>
-              <a:t>箭頭表示從一個活動到另一個活動的流程。控制流可以是單向的，也可以是帶有條件分支的，也可以表示循環或併發。</a:t>
-            </a:r>
-          </a:p>
-          <a:p>
-            <a:pPr indent="0" algn="l">
-              <a:lnSpc>
-                <a:spcPct val="150000"/>
-              </a:lnSpc>
-              <a:buNone/>
-            </a:pPr>
-            <a:r>
-              <a:rPr lang="en-US" altLang="zh-TW" sz="1400" dirty="0">
-                <a:solidFill>
-                  <a:srgbClr val="000000"/>
-                </a:solidFill>
-                <a:latin typeface="Arial Unicode MS" panose="020B0604020202020204" pitchFamily="34" charset="-128"/>
-                <a:ea typeface="Arial Unicode MS" panose="020B0604020202020204" pitchFamily="34" charset="-128"/>
-                <a:cs typeface="Arial Unicode MS" panose="020B0604020202020204" pitchFamily="34" charset="-128"/>
-              </a:rPr>
-              <a:t>3.</a:t>
-            </a:r>
-            <a:r>
-              <a:rPr lang="zh-TW" altLang="en-US" sz="1400" dirty="0">
-                <a:solidFill>
-                  <a:srgbClr val="000000"/>
-                </a:solidFill>
-                <a:latin typeface="Arial Unicode MS" panose="020B0604020202020204" pitchFamily="34" charset="-128"/>
-                <a:ea typeface="Arial Unicode MS" panose="020B0604020202020204" pitchFamily="34" charset="-128"/>
-                <a:cs typeface="Arial Unicode MS" panose="020B0604020202020204" pitchFamily="34" charset="-128"/>
-              </a:rPr>
-              <a:t>決策點（</a:t>
-            </a:r>
-            <a:r>
-              <a:rPr lang="en" altLang="zh-TW" sz="1400" dirty="0">
-                <a:solidFill>
-                  <a:srgbClr val="000000"/>
-                </a:solidFill>
-                <a:latin typeface="Arial Unicode MS" panose="020B0604020202020204" pitchFamily="34" charset="-128"/>
-                <a:ea typeface="Arial Unicode MS" panose="020B0604020202020204" pitchFamily="34" charset="-128"/>
-                <a:cs typeface="Arial Unicode MS" panose="020B0604020202020204" pitchFamily="34" charset="-128"/>
-              </a:rPr>
-              <a:t>Decision Points</a:t>
-            </a:r>
-            <a:r>
-              <a:rPr lang="zh-TW" altLang="en" sz="1400" dirty="0">
-                <a:solidFill>
-                  <a:srgbClr val="000000"/>
-                </a:solidFill>
-                <a:latin typeface="Arial Unicode MS" panose="020B0604020202020204" pitchFamily="34" charset="-128"/>
-                <a:ea typeface="Arial Unicode MS" panose="020B0604020202020204" pitchFamily="34" charset="-128"/>
-                <a:cs typeface="Arial Unicode MS" panose="020B0604020202020204" pitchFamily="34" charset="-128"/>
-              </a:rPr>
-              <a:t>）：</a:t>
-            </a:r>
-            <a:r>
-              <a:rPr lang="zh-TW" altLang="en-US" sz="1400" dirty="0">
-                <a:solidFill>
-                  <a:srgbClr val="000000"/>
-                </a:solidFill>
-                <a:latin typeface="Arial Unicode MS" panose="020B0604020202020204" pitchFamily="34" charset="-128"/>
-                <a:ea typeface="Arial Unicode MS" panose="020B0604020202020204" pitchFamily="34" charset="-128"/>
-                <a:cs typeface="Arial Unicode MS" panose="020B0604020202020204" pitchFamily="34" charset="-128"/>
-              </a:rPr>
-              <a:t>包括分支（</a:t>
-            </a:r>
-            <a:r>
-              <a:rPr lang="en" altLang="zh-TW" sz="1400" dirty="0">
-                <a:solidFill>
-                  <a:srgbClr val="000000"/>
-                </a:solidFill>
-                <a:latin typeface="Arial Unicode MS" panose="020B0604020202020204" pitchFamily="34" charset="-128"/>
-                <a:ea typeface="Arial Unicode MS" panose="020B0604020202020204" pitchFamily="34" charset="-128"/>
-                <a:cs typeface="Arial Unicode MS" panose="020B0604020202020204" pitchFamily="34" charset="-128"/>
-              </a:rPr>
-              <a:t>Fork</a:t>
-            </a:r>
-            <a:r>
-              <a:rPr lang="zh-TW" altLang="en" sz="1400" dirty="0">
-                <a:solidFill>
-                  <a:srgbClr val="000000"/>
-                </a:solidFill>
-                <a:latin typeface="Arial Unicode MS" panose="020B0604020202020204" pitchFamily="34" charset="-128"/>
-                <a:ea typeface="Arial Unicode MS" panose="020B0604020202020204" pitchFamily="34" charset="-128"/>
-                <a:cs typeface="Arial Unicode MS" panose="020B0604020202020204" pitchFamily="34" charset="-128"/>
-              </a:rPr>
-              <a:t>）</a:t>
-            </a:r>
-            <a:r>
-              <a:rPr lang="zh-TW" altLang="en-US" sz="1400" dirty="0">
-                <a:solidFill>
-                  <a:srgbClr val="000000"/>
-                </a:solidFill>
-                <a:latin typeface="Arial Unicode MS" panose="020B0604020202020204" pitchFamily="34" charset="-128"/>
-                <a:ea typeface="Arial Unicode MS" panose="020B0604020202020204" pitchFamily="34" charset="-128"/>
-                <a:cs typeface="Arial Unicode MS" panose="020B0604020202020204" pitchFamily="34" charset="-128"/>
-              </a:rPr>
-              <a:t>和合併（</a:t>
-            </a:r>
-            <a:r>
-              <a:rPr lang="en" altLang="zh-TW" sz="1400" dirty="0">
-                <a:solidFill>
-                  <a:srgbClr val="000000"/>
-                </a:solidFill>
-                <a:latin typeface="Arial Unicode MS" panose="020B0604020202020204" pitchFamily="34" charset="-128"/>
-                <a:ea typeface="Arial Unicode MS" panose="020B0604020202020204" pitchFamily="34" charset="-128"/>
-                <a:cs typeface="Arial Unicode MS" panose="020B0604020202020204" pitchFamily="34" charset="-128"/>
-              </a:rPr>
-              <a:t>Join</a:t>
-            </a:r>
-            <a:r>
-              <a:rPr lang="zh-TW" altLang="en" sz="1400" dirty="0">
-                <a:solidFill>
-                  <a:srgbClr val="000000"/>
-                </a:solidFill>
-                <a:latin typeface="Arial Unicode MS" panose="020B0604020202020204" pitchFamily="34" charset="-128"/>
-                <a:ea typeface="Arial Unicode MS" panose="020B0604020202020204" pitchFamily="34" charset="-128"/>
-                <a:cs typeface="Arial Unicode MS" panose="020B0604020202020204" pitchFamily="34" charset="-128"/>
-              </a:rPr>
-              <a:t>）。</a:t>
-            </a:r>
-            <a:r>
-              <a:rPr lang="zh-TW" altLang="en-US" sz="1400" dirty="0">
-                <a:solidFill>
-                  <a:srgbClr val="000000"/>
-                </a:solidFill>
-                <a:latin typeface="Arial Unicode MS" panose="020B0604020202020204" pitchFamily="34" charset="-128"/>
-                <a:ea typeface="Arial Unicode MS" panose="020B0604020202020204" pitchFamily="34" charset="-128"/>
-                <a:cs typeface="Arial Unicode MS" panose="020B0604020202020204" pitchFamily="34" charset="-128"/>
-              </a:rPr>
-              <a:t>分支用於表示並行活動的開始，而合併用於表示並行活動的結束。</a:t>
-            </a:r>
-          </a:p>
-          <a:p>
-            <a:pPr indent="0" algn="l">
-              <a:lnSpc>
-                <a:spcPct val="150000"/>
-              </a:lnSpc>
-              <a:buNone/>
-            </a:pPr>
-            <a:r>
-              <a:rPr lang="en-US" altLang="zh-TW" sz="1400" dirty="0">
-                <a:solidFill>
-                  <a:srgbClr val="000000"/>
-                </a:solidFill>
-                <a:latin typeface="Arial Unicode MS" panose="020B0604020202020204" pitchFamily="34" charset="-128"/>
-                <a:ea typeface="Arial Unicode MS" panose="020B0604020202020204" pitchFamily="34" charset="-128"/>
-                <a:cs typeface="Arial Unicode MS" panose="020B0604020202020204" pitchFamily="34" charset="-128"/>
-              </a:rPr>
-              <a:t>4.</a:t>
-            </a:r>
-            <a:r>
-              <a:rPr lang="zh-TW" altLang="en-US" sz="1400" dirty="0">
-                <a:solidFill>
-                  <a:srgbClr val="000000"/>
-                </a:solidFill>
-                <a:latin typeface="Arial Unicode MS" panose="020B0604020202020204" pitchFamily="34" charset="-128"/>
-                <a:ea typeface="Arial Unicode MS" panose="020B0604020202020204" pitchFamily="34" charset="-128"/>
-                <a:cs typeface="Arial Unicode MS" panose="020B0604020202020204" pitchFamily="34" charset="-128"/>
-              </a:rPr>
-              <a:t>泳道（</a:t>
-            </a:r>
-            <a:r>
-              <a:rPr lang="en" altLang="zh-TW" sz="1400" dirty="0" err="1">
-                <a:solidFill>
-                  <a:srgbClr val="000000"/>
-                </a:solidFill>
-                <a:latin typeface="Arial Unicode MS" panose="020B0604020202020204" pitchFamily="34" charset="-128"/>
-                <a:ea typeface="Arial Unicode MS" panose="020B0604020202020204" pitchFamily="34" charset="-128"/>
-                <a:cs typeface="Arial Unicode MS" panose="020B0604020202020204" pitchFamily="34" charset="-128"/>
-              </a:rPr>
-              <a:t>Swimlanes</a:t>
-            </a:r>
-            <a:r>
-              <a:rPr lang="zh-TW" altLang="en" sz="1400" dirty="0">
-                <a:solidFill>
-                  <a:srgbClr val="000000"/>
-                </a:solidFill>
-                <a:latin typeface="Arial Unicode MS" panose="020B0604020202020204" pitchFamily="34" charset="-128"/>
-                <a:ea typeface="Arial Unicode MS" panose="020B0604020202020204" pitchFamily="34" charset="-128"/>
-                <a:cs typeface="Arial Unicode MS" panose="020B0604020202020204" pitchFamily="34" charset="-128"/>
-              </a:rPr>
-              <a:t>）：</a:t>
-            </a:r>
-            <a:r>
-              <a:rPr lang="zh-TW" altLang="en-US" sz="1400" dirty="0">
-                <a:solidFill>
-                  <a:srgbClr val="000000"/>
-                </a:solidFill>
-                <a:latin typeface="Arial Unicode MS" panose="020B0604020202020204" pitchFamily="34" charset="-128"/>
-                <a:ea typeface="Arial Unicode MS" panose="020B0604020202020204" pitchFamily="34" charset="-128"/>
-                <a:cs typeface="Arial Unicode MS" panose="020B0604020202020204" pitchFamily="34" charset="-128"/>
-              </a:rPr>
-              <a:t>將活動圖劃分為不同的邏輯區域，每個區域代表不同的參與者（如使用者、系統或子系統），有助於理解不同實體在過程中的角色和責任。</a:t>
-            </a:r>
-          </a:p>
-          <a:p>
-            <a:pPr indent="0" algn="l">
-              <a:lnSpc>
-                <a:spcPct val="150000"/>
-              </a:lnSpc>
-              <a:buNone/>
-            </a:pPr>
-            <a:r>
-              <a:rPr lang="en-US" altLang="zh-TW" sz="1400" dirty="0">
-                <a:solidFill>
-                  <a:srgbClr val="000000"/>
-                </a:solidFill>
-                <a:latin typeface="Arial Unicode MS" panose="020B0604020202020204" pitchFamily="34" charset="-128"/>
-                <a:ea typeface="Arial Unicode MS" panose="020B0604020202020204" pitchFamily="34" charset="-128"/>
-                <a:cs typeface="Arial Unicode MS" panose="020B0604020202020204" pitchFamily="34" charset="-128"/>
-              </a:rPr>
-              <a:t>5.</a:t>
-            </a:r>
-            <a:r>
-              <a:rPr lang="zh-TW" altLang="en-US" sz="1400" dirty="0">
-                <a:solidFill>
-                  <a:srgbClr val="000000"/>
-                </a:solidFill>
-                <a:latin typeface="Arial Unicode MS" panose="020B0604020202020204" pitchFamily="34" charset="-128"/>
-                <a:ea typeface="Arial Unicode MS" panose="020B0604020202020204" pitchFamily="34" charset="-128"/>
-                <a:cs typeface="Arial Unicode MS" panose="020B0604020202020204" pitchFamily="34" charset="-128"/>
-              </a:rPr>
-              <a:t>開始和結束點：分別表示活動圖的起點和終點。</a:t>
-            </a:r>
-          </a:p>
-          <a:p>
-            <a:pPr indent="0" algn="l">
-              <a:lnSpc>
-                <a:spcPct val="150000"/>
-              </a:lnSpc>
-            </a:pPr>
-            <a:r>
-              <a:rPr lang="en-US" altLang="zh-TW" sz="1400" dirty="0">
-                <a:solidFill>
-                  <a:srgbClr val="000000"/>
-                </a:solidFill>
-                <a:latin typeface="Arial Unicode MS" panose="020B0604020202020204" pitchFamily="34" charset="-128"/>
-                <a:ea typeface="Arial Unicode MS" panose="020B0604020202020204" pitchFamily="34" charset="-128"/>
-                <a:cs typeface="Arial Unicode MS" panose="020B0604020202020204" pitchFamily="34" charset="-128"/>
-              </a:rPr>
-              <a:t>6.</a:t>
-            </a:r>
-            <a:r>
-              <a:rPr lang="zh-TW" altLang="en-US" sz="1400" dirty="0">
-                <a:solidFill>
-                  <a:srgbClr val="000000"/>
-                </a:solidFill>
-                <a:latin typeface="Arial Unicode MS" panose="020B0604020202020204" pitchFamily="34" charset="-128"/>
-                <a:ea typeface="Arial Unicode MS" panose="020B0604020202020204" pitchFamily="34" charset="-128"/>
-                <a:cs typeface="Arial Unicode MS" panose="020B0604020202020204" pitchFamily="34" charset="-128"/>
-              </a:rPr>
-              <a:t>物件流（</a:t>
-            </a:r>
-            <a:r>
-              <a:rPr lang="en" altLang="zh-TW" sz="1400" dirty="0">
-                <a:solidFill>
-                  <a:srgbClr val="000000"/>
-                </a:solidFill>
-                <a:latin typeface="Arial Unicode MS" panose="020B0604020202020204" pitchFamily="34" charset="-128"/>
-                <a:ea typeface="Arial Unicode MS" panose="020B0604020202020204" pitchFamily="34" charset="-128"/>
-                <a:cs typeface="Arial Unicode MS" panose="020B0604020202020204" pitchFamily="34" charset="-128"/>
-              </a:rPr>
-              <a:t>Object Flows</a:t>
-            </a:r>
-            <a:r>
-              <a:rPr lang="zh-TW" altLang="en" sz="1400" dirty="0">
-                <a:solidFill>
-                  <a:srgbClr val="000000"/>
-                </a:solidFill>
-                <a:latin typeface="Arial Unicode MS" panose="020B0604020202020204" pitchFamily="34" charset="-128"/>
-                <a:ea typeface="Arial Unicode MS" panose="020B0604020202020204" pitchFamily="34" charset="-128"/>
-                <a:cs typeface="Arial Unicode MS" panose="020B0604020202020204" pitchFamily="34" charset="-128"/>
-              </a:rPr>
-              <a:t>）：</a:t>
-            </a:r>
-            <a:r>
-              <a:rPr lang="zh-TW" altLang="en-US" sz="1400" dirty="0">
-                <a:solidFill>
-                  <a:srgbClr val="000000"/>
-                </a:solidFill>
-                <a:latin typeface="Arial Unicode MS" panose="020B0604020202020204" pitchFamily="34" charset="-128"/>
-                <a:ea typeface="Arial Unicode MS" panose="020B0604020202020204" pitchFamily="34" charset="-128"/>
-                <a:cs typeface="Arial Unicode MS" panose="020B0604020202020204" pitchFamily="34" charset="-128"/>
-              </a:rPr>
-              <a:t>雖然活動圖主要關注流程控制，但也可以表示物件或資料的流動，尤其是在物件之間傳遞資料時。</a:t>
-            </a:r>
-          </a:p>
-        </p:txBody>
-      </p:sp>
-    </p:spTree>
-    <p:extLst>
-      <p:ext uri="{BB962C8B-B14F-4D97-AF65-F5344CB8AC3E}">
-        <p14:creationId xmlns:p14="http://schemas.microsoft.com/office/powerpoint/2010/main" val="4202339672"/>
       </p:ext>
     </p:extLst>
   </p:cSld>

--- a/uml報告.pptx
+++ b/uml報告.pptx
@@ -200,7 +200,7 @@
           <a:p>
             <a:fld id="{981F10B1-711B-9B49-9F23-B11F3ADA3368}" type="datetimeFigureOut">
               <a:rPr kumimoji="1" lang="zh-TW" altLang="en-US" smtClean="0"/>
-              <a:t>2025/5/3</a:t>
+              <a:t>2025/5/5</a:t>
             </a:fld>
             <a:endParaRPr kumimoji="1" lang="zh-TW" altLang="en-US"/>
           </a:p>
@@ -1022,7 +1022,7 @@
           <a:p>
             <a:fld id="{2C8433A8-E219-5E4A-95AB-2BED27D8AA62}" type="datetimeFigureOut">
               <a:rPr kumimoji="1" lang="zh-TW" altLang="en-US" smtClean="0"/>
-              <a:t>2025/5/3</a:t>
+              <a:t>2025/5/5</a:t>
             </a:fld>
             <a:endParaRPr kumimoji="1" lang="zh-TW" altLang="en-US"/>
           </a:p>
@@ -1220,7 +1220,7 @@
           <a:p>
             <a:fld id="{2C8433A8-E219-5E4A-95AB-2BED27D8AA62}" type="datetimeFigureOut">
               <a:rPr kumimoji="1" lang="zh-TW" altLang="en-US" smtClean="0"/>
-              <a:t>2025/5/3</a:t>
+              <a:t>2025/5/5</a:t>
             </a:fld>
             <a:endParaRPr kumimoji="1" lang="zh-TW" altLang="en-US"/>
           </a:p>
@@ -1428,7 +1428,7 @@
           <a:p>
             <a:fld id="{2C8433A8-E219-5E4A-95AB-2BED27D8AA62}" type="datetimeFigureOut">
               <a:rPr kumimoji="1" lang="zh-TW" altLang="en-US" smtClean="0"/>
-              <a:t>2025/5/3</a:t>
+              <a:t>2025/5/5</a:t>
             </a:fld>
             <a:endParaRPr kumimoji="1" lang="zh-TW" altLang="en-US"/>
           </a:p>
@@ -1626,7 +1626,7 @@
           <a:p>
             <a:fld id="{2C8433A8-E219-5E4A-95AB-2BED27D8AA62}" type="datetimeFigureOut">
               <a:rPr kumimoji="1" lang="zh-TW" altLang="en-US" smtClean="0"/>
-              <a:t>2025/5/3</a:t>
+              <a:t>2025/5/5</a:t>
             </a:fld>
             <a:endParaRPr kumimoji="1" lang="zh-TW" altLang="en-US"/>
           </a:p>
@@ -1901,7 +1901,7 @@
           <a:p>
             <a:fld id="{2C8433A8-E219-5E4A-95AB-2BED27D8AA62}" type="datetimeFigureOut">
               <a:rPr kumimoji="1" lang="zh-TW" altLang="en-US" smtClean="0"/>
-              <a:t>2025/5/3</a:t>
+              <a:t>2025/5/5</a:t>
             </a:fld>
             <a:endParaRPr kumimoji="1" lang="zh-TW" altLang="en-US"/>
           </a:p>
@@ -2166,7 +2166,7 @@
           <a:p>
             <a:fld id="{2C8433A8-E219-5E4A-95AB-2BED27D8AA62}" type="datetimeFigureOut">
               <a:rPr kumimoji="1" lang="zh-TW" altLang="en-US" smtClean="0"/>
-              <a:t>2025/5/3</a:t>
+              <a:t>2025/5/5</a:t>
             </a:fld>
             <a:endParaRPr kumimoji="1" lang="zh-TW" altLang="en-US"/>
           </a:p>
@@ -2578,7 +2578,7 @@
           <a:p>
             <a:fld id="{2C8433A8-E219-5E4A-95AB-2BED27D8AA62}" type="datetimeFigureOut">
               <a:rPr kumimoji="1" lang="zh-TW" altLang="en-US" smtClean="0"/>
-              <a:t>2025/5/3</a:t>
+              <a:t>2025/5/5</a:t>
             </a:fld>
             <a:endParaRPr kumimoji="1" lang="zh-TW" altLang="en-US"/>
           </a:p>
@@ -2719,7 +2719,7 @@
           <a:p>
             <a:fld id="{2C8433A8-E219-5E4A-95AB-2BED27D8AA62}" type="datetimeFigureOut">
               <a:rPr kumimoji="1" lang="zh-TW" altLang="en-US" smtClean="0"/>
-              <a:t>2025/5/3</a:t>
+              <a:t>2025/5/5</a:t>
             </a:fld>
             <a:endParaRPr kumimoji="1" lang="zh-TW" altLang="en-US"/>
           </a:p>
@@ -2832,7 +2832,7 @@
           <a:p>
             <a:fld id="{2C8433A8-E219-5E4A-95AB-2BED27D8AA62}" type="datetimeFigureOut">
               <a:rPr kumimoji="1" lang="zh-TW" altLang="en-US" smtClean="0"/>
-              <a:t>2025/5/3</a:t>
+              <a:t>2025/5/5</a:t>
             </a:fld>
             <a:endParaRPr kumimoji="1" lang="zh-TW" altLang="en-US"/>
           </a:p>
@@ -3143,7 +3143,7 @@
           <a:p>
             <a:fld id="{2C8433A8-E219-5E4A-95AB-2BED27D8AA62}" type="datetimeFigureOut">
               <a:rPr kumimoji="1" lang="zh-TW" altLang="en-US" smtClean="0"/>
-              <a:t>2025/5/3</a:t>
+              <a:t>2025/5/5</a:t>
             </a:fld>
             <a:endParaRPr kumimoji="1" lang="zh-TW" altLang="en-US"/>
           </a:p>
@@ -3431,7 +3431,7 @@
           <a:p>
             <a:fld id="{2C8433A8-E219-5E4A-95AB-2BED27D8AA62}" type="datetimeFigureOut">
               <a:rPr kumimoji="1" lang="zh-TW" altLang="en-US" smtClean="0"/>
-              <a:t>2025/5/3</a:t>
+              <a:t>2025/5/5</a:t>
             </a:fld>
             <a:endParaRPr kumimoji="1" lang="zh-TW" altLang="en-US"/>
           </a:p>
@@ -3672,7 +3672,7 @@
           <a:p>
             <a:fld id="{2C8433A8-E219-5E4A-95AB-2BED27D8AA62}" type="datetimeFigureOut">
               <a:rPr kumimoji="1" lang="zh-TW" altLang="en-US" smtClean="0"/>
-              <a:t>2025/5/3</a:t>
+              <a:t>2025/5/5</a:t>
             </a:fld>
             <a:endParaRPr kumimoji="1" lang="zh-TW" altLang="en-US"/>
           </a:p>
@@ -6346,55 +6346,6 @@
           </a:p>
         </p:txBody>
       </p:sp>
-      <p:sp>
-        <p:nvSpPr>
-          <p:cNvPr id="26" name="文字方塊 25">
-            <a:extLst>
-              <a:ext uri="{FF2B5EF4-FFF2-40B4-BE49-F238E27FC236}">
-                <a16:creationId xmlns:a16="http://schemas.microsoft.com/office/drawing/2014/main" id="{B7F6B8A8-0020-C104-F600-97F7644DD490}"/>
-              </a:ext>
-            </a:extLst>
-          </p:cNvPr>
-          <p:cNvSpPr txBox="1"/>
-          <p:nvPr/>
-        </p:nvSpPr>
-        <p:spPr>
-          <a:xfrm>
-            <a:off x="1191430" y="774505"/>
-            <a:ext cx="9809139" cy="500843"/>
-          </a:xfrm>
-          <a:prstGeom prst="rect">
-            <a:avLst/>
-          </a:prstGeom>
-          <a:noFill/>
-        </p:spPr>
-        <p:txBody>
-          <a:bodyPr wrap="square">
-            <a:spAutoFit/>
-          </a:bodyPr>
-          <a:lstStyle/>
-          <a:p>
-            <a:pPr algn="l">
-              <a:lnSpc>
-                <a:spcPct val="150000"/>
-              </a:lnSpc>
-              <a:buFont typeface="Arial" panose="020B0604020202020204" pitchFamily="34" charset="0"/>
-              <a:buChar char="•"/>
-            </a:pPr>
-            <a:r>
-              <a:rPr lang="zh-TW" altLang="en-US" sz="2000" b="1" dirty="0">
-                <a:solidFill>
-                  <a:srgbClr val="000000"/>
-                </a:solidFill>
-                <a:latin typeface="Arial Unicode MS" panose="020B0604020202020204" pitchFamily="34" charset="-128"/>
-                <a:ea typeface="Arial Unicode MS" panose="020B0604020202020204" pitchFamily="34" charset="-128"/>
-                <a:cs typeface="Arial Unicode MS" panose="020B0604020202020204" pitchFamily="34" charset="-128"/>
-              </a:rPr>
-              <a:t>類別圖描述系統中有哪些類別（物件的模板），以及這些類別之間的關係</a:t>
-            </a:r>
-          </a:p>
-        </p:txBody>
-      </p:sp>
       <p:pic>
         <p:nvPicPr>
           <p:cNvPr id="2" name="圖片 1">
@@ -6416,8 +6367,8 @@
         </p:blipFill>
         <p:spPr>
           <a:xfrm>
-            <a:off x="796066" y="1535054"/>
-            <a:ext cx="6935823" cy="4605678"/>
+            <a:off x="1796108" y="1275348"/>
+            <a:ext cx="9135013" cy="5669727"/>
           </a:xfrm>
           <a:prstGeom prst="rect">
             <a:avLst/>
@@ -6426,10 +6377,10 @@
       </p:pic>
       <p:sp>
         <p:nvSpPr>
-          <p:cNvPr id="3" name="文字方塊 2">
-            <a:extLst>
-              <a:ext uri="{FF2B5EF4-FFF2-40B4-BE49-F238E27FC236}">
-                <a16:creationId xmlns:a16="http://schemas.microsoft.com/office/drawing/2014/main" id="{1C9097D0-D3A7-5158-A6C9-ACD2A42382B8}"/>
+          <p:cNvPr id="26" name="文字方塊 25">
+            <a:extLst>
+              <a:ext uri="{FF2B5EF4-FFF2-40B4-BE49-F238E27FC236}">
+                <a16:creationId xmlns:a16="http://schemas.microsoft.com/office/drawing/2014/main" id="{B7F6B8A8-0020-C104-F600-97F7644DD490}"/>
               </a:ext>
             </a:extLst>
           </p:cNvPr>
@@ -6438,8 +6389,8 @@
         </p:nvSpPr>
         <p:spPr>
           <a:xfrm>
-            <a:off x="7243182" y="2474626"/>
-            <a:ext cx="2016566" cy="879151"/>
+            <a:off x="253881" y="760550"/>
+            <a:ext cx="9809139" cy="500843"/>
           </a:xfrm>
           <a:prstGeom prst="rect">
             <a:avLst/>
@@ -6452,73 +6403,24 @@
           </a:bodyPr>
           <a:lstStyle/>
           <a:p>
-            <a:pPr indent="0" algn="l">
+            <a:pPr algn="l">
               <a:lnSpc>
                 <a:spcPct val="150000"/>
               </a:lnSpc>
-              <a:buNone/>
+              <a:buFont typeface="Arial" panose="020B0604020202020204" pitchFamily="34" charset="0"/>
+              <a:buChar char="•"/>
             </a:pPr>
             <a:r>
-              <a:rPr lang="en" altLang="zh-TW" b="0" i="0" u="none" strike="noStrike" dirty="0">
-                <a:solidFill>
-                  <a:srgbClr val="242424"/>
-                </a:solidFill>
-                <a:effectLst/>
-                <a:latin typeface="source-code-pro"/>
-              </a:rPr>
-              <a:t>+ Public, </a:t>
-            </a:r>
-            <a:r>
-              <a:rPr lang="zh-TW" altLang="en-US" b="0" i="0" u="none" strike="noStrike" dirty="0">
-                <a:solidFill>
-                  <a:srgbClr val="242424"/>
-                </a:solidFill>
-                <a:effectLst/>
-                <a:latin typeface="source-code-pro"/>
-              </a:rPr>
-              <a:t>公共</a:t>
-            </a:r>
-            <a:br>
-              <a:rPr lang="zh-TW" altLang="en-US" dirty="0"/>
-            </a:br>
-            <a:r>
-              <a:rPr lang="en-US" altLang="zh-TW" b="0" i="0" u="none" strike="noStrike" dirty="0">
-                <a:solidFill>
-                  <a:srgbClr val="242424"/>
-                </a:solidFill>
-                <a:effectLst/>
-                <a:latin typeface="source-code-pro"/>
-              </a:rPr>
-              <a:t>- </a:t>
-            </a:r>
-            <a:r>
-              <a:rPr lang="en" altLang="zh-TW" b="0" i="0" u="none" strike="noStrike" dirty="0">
-                <a:solidFill>
-                  <a:srgbClr val="242424"/>
-                </a:solidFill>
-                <a:effectLst/>
-                <a:latin typeface="source-code-pro"/>
-              </a:rPr>
-              <a:t>Private, </a:t>
-            </a:r>
-            <a:r>
-              <a:rPr lang="zh-TW" altLang="en-US" b="0" i="0" u="none" strike="noStrike" dirty="0">
-                <a:solidFill>
-                  <a:srgbClr val="242424"/>
-                </a:solidFill>
-                <a:effectLst/>
-                <a:latin typeface="source-code-pro"/>
-              </a:rPr>
-              <a:t>私有</a:t>
-            </a:r>
-            <a:endParaRPr lang="zh-TW" altLang="en-US" dirty="0">
-              <a:solidFill>
-                <a:srgbClr val="000000"/>
-              </a:solidFill>
-              <a:latin typeface="Arial Unicode MS" panose="020B0604020202020204" pitchFamily="34" charset="-128"/>
-              <a:ea typeface="Arial Unicode MS" panose="020B0604020202020204" pitchFamily="34" charset="-128"/>
-              <a:cs typeface="Arial Unicode MS" panose="020B0604020202020204" pitchFamily="34" charset="-128"/>
-            </a:endParaRPr>
+              <a:rPr lang="zh-TW" altLang="en-US" sz="2000" b="1" dirty="0">
+                <a:solidFill>
+                  <a:srgbClr val="000000"/>
+                </a:solidFill>
+                <a:latin typeface="Arial Unicode MS" panose="020B0604020202020204" pitchFamily="34" charset="-128"/>
+                <a:ea typeface="Arial Unicode MS" panose="020B0604020202020204" pitchFamily="34" charset="-128"/>
+                <a:cs typeface="Arial Unicode MS" panose="020B0604020202020204" pitchFamily="34" charset="-128"/>
+              </a:rPr>
+              <a:t>類別圖描述系統中有哪些類別（物件的模板），以及這些類別之間的關係</a:t>
+            </a:r>
           </a:p>
         </p:txBody>
       </p:sp>
